--- a/ObjectCalisthenics.pptx
+++ b/ObjectCalisthenics.pptx
@@ -7,29 +7,32 @@
     <p:sldMasterId id="2147485416" r:id="rId6"/>
   </p:sldMasterIdLst>
   <p:notesMasterIdLst>
-    <p:notesMasterId r:id="rId27"/>
+    <p:notesMasterId r:id="rId30"/>
   </p:notesMasterIdLst>
   <p:sldIdLst>
     <p:sldId id="287" r:id="rId7"/>
-    <p:sldId id="303" r:id="rId8"/>
-    <p:sldId id="331" r:id="rId9"/>
-    <p:sldId id="338" r:id="rId10"/>
-    <p:sldId id="335" r:id="rId11"/>
-    <p:sldId id="339" r:id="rId12"/>
-    <p:sldId id="340" r:id="rId13"/>
-    <p:sldId id="341" r:id="rId14"/>
-    <p:sldId id="342" r:id="rId15"/>
-    <p:sldId id="343" r:id="rId16"/>
-    <p:sldId id="344" r:id="rId17"/>
-    <p:sldId id="345" r:id="rId18"/>
-    <p:sldId id="346" r:id="rId19"/>
-    <p:sldId id="347" r:id="rId20"/>
-    <p:sldId id="348" r:id="rId21"/>
-    <p:sldId id="349" r:id="rId22"/>
-    <p:sldId id="350" r:id="rId23"/>
-    <p:sldId id="351" r:id="rId24"/>
-    <p:sldId id="352" r:id="rId25"/>
-    <p:sldId id="308" r:id="rId26"/>
+    <p:sldId id="353" r:id="rId8"/>
+    <p:sldId id="303" r:id="rId9"/>
+    <p:sldId id="331" r:id="rId10"/>
+    <p:sldId id="354" r:id="rId11"/>
+    <p:sldId id="338" r:id="rId12"/>
+    <p:sldId id="335" r:id="rId13"/>
+    <p:sldId id="339" r:id="rId14"/>
+    <p:sldId id="340" r:id="rId15"/>
+    <p:sldId id="341" r:id="rId16"/>
+    <p:sldId id="342" r:id="rId17"/>
+    <p:sldId id="355" r:id="rId18"/>
+    <p:sldId id="343" r:id="rId19"/>
+    <p:sldId id="344" r:id="rId20"/>
+    <p:sldId id="345" r:id="rId21"/>
+    <p:sldId id="346" r:id="rId22"/>
+    <p:sldId id="347" r:id="rId23"/>
+    <p:sldId id="348" r:id="rId24"/>
+    <p:sldId id="349" r:id="rId25"/>
+    <p:sldId id="350" r:id="rId26"/>
+    <p:sldId id="351" r:id="rId27"/>
+    <p:sldId id="352" r:id="rId28"/>
+    <p:sldId id="308" r:id="rId29"/>
   </p:sldIdLst>
   <p:sldSz cx="9144000" cy="6858000" type="screen4x3"/>
   <p:notesSz cx="6858000" cy="9144000"/>
@@ -211,6 +214,287 @@
 
 <file path=ppt/changesInfos/changesInfo1.xml><?xml version="1.0" encoding="utf-8"?>
 <pc:chgInfo xmlns:a="http://schemas.openxmlformats.org/drawingml/2006/main" xmlns:r="http://schemas.openxmlformats.org/officeDocument/2006/relationships" xmlns:ac="http://schemas.microsoft.com/office/drawing/2013/main/command" xmlns:pc="http://schemas.microsoft.com/office/powerpoint/2013/main/command">
+  <pc:docChgLst>
+    <pc:chgData name="COUDENE Anthony" userId="328e29f9-3765-4980-b428-58efb5193605" providerId="ADAL" clId="{9C7769F5-E937-4195-8537-9D83F865C9D8}"/>
+    <pc:docChg chg="undo redo custSel addSld delSld modSld sldOrd">
+      <pc:chgData name="COUDENE Anthony" userId="328e29f9-3765-4980-b428-58efb5193605" providerId="ADAL" clId="{9C7769F5-E937-4195-8537-9D83F865C9D8}" dt="2023-01-11T17:44:33.593" v="2855" actId="20577"/>
+      <pc:docMkLst>
+        <pc:docMk/>
+      </pc:docMkLst>
+      <pc:sldChg chg="modSp mod">
+        <pc:chgData name="COUDENE Anthony" userId="328e29f9-3765-4980-b428-58efb5193605" providerId="ADAL" clId="{9C7769F5-E937-4195-8537-9D83F865C9D8}" dt="2023-01-11T13:35:25.258" v="36" actId="6549"/>
+        <pc:sldMkLst>
+          <pc:docMk/>
+          <pc:sldMk cId="3352983731" sldId="287"/>
+        </pc:sldMkLst>
+        <pc:spChg chg="mod">
+          <ac:chgData name="COUDENE Anthony" userId="328e29f9-3765-4980-b428-58efb5193605" providerId="ADAL" clId="{9C7769F5-E937-4195-8537-9D83F865C9D8}" dt="2023-01-11T13:35:25.258" v="36" actId="6549"/>
+          <ac:spMkLst>
+            <pc:docMk/>
+            <pc:sldMk cId="3352983731" sldId="287"/>
+            <ac:spMk id="2" creationId="{00000000-0000-0000-0000-000000000000}"/>
+          </ac:spMkLst>
+        </pc:spChg>
+        <pc:spChg chg="mod">
+          <ac:chgData name="COUDENE Anthony" userId="328e29f9-3765-4980-b428-58efb5193605" providerId="ADAL" clId="{9C7769F5-E937-4195-8537-9D83F865C9D8}" dt="2023-01-11T13:35:05.936" v="6" actId="20577"/>
+          <ac:spMkLst>
+            <pc:docMk/>
+            <pc:sldMk cId="3352983731" sldId="287"/>
+            <ac:spMk id="5" creationId="{00000000-0000-0000-0000-000000000000}"/>
+          </ac:spMkLst>
+        </pc:spChg>
+      </pc:sldChg>
+      <pc:sldChg chg="del">
+        <pc:chgData name="COUDENE Anthony" userId="328e29f9-3765-4980-b428-58efb5193605" providerId="ADAL" clId="{9C7769F5-E937-4195-8537-9D83F865C9D8}" dt="2023-01-11T13:50:56.003" v="1359" actId="47"/>
+        <pc:sldMkLst>
+          <pc:docMk/>
+          <pc:sldMk cId="2609788196" sldId="302"/>
+        </pc:sldMkLst>
+      </pc:sldChg>
+      <pc:sldChg chg="modSp mod ord">
+        <pc:chgData name="COUDENE Anthony" userId="328e29f9-3765-4980-b428-58efb5193605" providerId="ADAL" clId="{9C7769F5-E937-4195-8537-9D83F865C9D8}" dt="2023-01-11T13:49:43.418" v="1329" actId="113"/>
+        <pc:sldMkLst>
+          <pc:docMk/>
+          <pc:sldMk cId="956034070" sldId="303"/>
+        </pc:sldMkLst>
+        <pc:spChg chg="mod">
+          <ac:chgData name="COUDENE Anthony" userId="328e29f9-3765-4980-b428-58efb5193605" providerId="ADAL" clId="{9C7769F5-E937-4195-8537-9D83F865C9D8}" dt="2023-01-11T13:37:05.463" v="48" actId="20577"/>
+          <ac:spMkLst>
+            <pc:docMk/>
+            <pc:sldMk cId="956034070" sldId="303"/>
+            <ac:spMk id="6" creationId="{00000000-0000-0000-0000-000000000000}"/>
+          </ac:spMkLst>
+        </pc:spChg>
+        <pc:spChg chg="mod">
+          <ac:chgData name="COUDENE Anthony" userId="328e29f9-3765-4980-b428-58efb5193605" providerId="ADAL" clId="{9C7769F5-E937-4195-8537-9D83F865C9D8}" dt="2023-01-11T13:49:43.418" v="1329" actId="113"/>
+          <ac:spMkLst>
+            <pc:docMk/>
+            <pc:sldMk cId="956034070" sldId="303"/>
+            <ac:spMk id="7" creationId="{00000000-0000-0000-0000-000000000000}"/>
+          </ac:spMkLst>
+        </pc:spChg>
+      </pc:sldChg>
+      <pc:sldChg chg="del">
+        <pc:chgData name="COUDENE Anthony" userId="328e29f9-3765-4980-b428-58efb5193605" providerId="ADAL" clId="{9C7769F5-E937-4195-8537-9D83F865C9D8}" dt="2023-01-11T13:50:56.003" v="1359" actId="47"/>
+        <pc:sldMkLst>
+          <pc:docMk/>
+          <pc:sldMk cId="3194762268" sldId="310"/>
+        </pc:sldMkLst>
+      </pc:sldChg>
+      <pc:sldChg chg="del">
+        <pc:chgData name="COUDENE Anthony" userId="328e29f9-3765-4980-b428-58efb5193605" providerId="ADAL" clId="{9C7769F5-E937-4195-8537-9D83F865C9D8}" dt="2023-01-11T13:50:56.003" v="1359" actId="47"/>
+        <pc:sldMkLst>
+          <pc:docMk/>
+          <pc:sldMk cId="1759487582" sldId="327"/>
+        </pc:sldMkLst>
+      </pc:sldChg>
+      <pc:sldChg chg="del">
+        <pc:chgData name="COUDENE Anthony" userId="328e29f9-3765-4980-b428-58efb5193605" providerId="ADAL" clId="{9C7769F5-E937-4195-8537-9D83F865C9D8}" dt="2023-01-11T13:50:56.003" v="1359" actId="47"/>
+        <pc:sldMkLst>
+          <pc:docMk/>
+          <pc:sldMk cId="1446864085" sldId="329"/>
+        </pc:sldMkLst>
+      </pc:sldChg>
+      <pc:sldChg chg="del">
+        <pc:chgData name="COUDENE Anthony" userId="328e29f9-3765-4980-b428-58efb5193605" providerId="ADAL" clId="{9C7769F5-E937-4195-8537-9D83F865C9D8}" dt="2023-01-11T13:50:56.003" v="1359" actId="47"/>
+        <pc:sldMkLst>
+          <pc:docMk/>
+          <pc:sldMk cId="435201604" sldId="330"/>
+        </pc:sldMkLst>
+      </pc:sldChg>
+      <pc:sldChg chg="modSp add mod">
+        <pc:chgData name="COUDENE Anthony" userId="328e29f9-3765-4980-b428-58efb5193605" providerId="ADAL" clId="{9C7769F5-E937-4195-8537-9D83F865C9D8}" dt="2023-01-11T13:50:31.154" v="1357" actId="113"/>
+        <pc:sldMkLst>
+          <pc:docMk/>
+          <pc:sldMk cId="4294268300" sldId="331"/>
+        </pc:sldMkLst>
+        <pc:spChg chg="mod">
+          <ac:chgData name="COUDENE Anthony" userId="328e29f9-3765-4980-b428-58efb5193605" providerId="ADAL" clId="{9C7769F5-E937-4195-8537-9D83F865C9D8}" dt="2023-01-11T13:37:22.900" v="58" actId="20577"/>
+          <ac:spMkLst>
+            <pc:docMk/>
+            <pc:sldMk cId="4294268300" sldId="331"/>
+            <ac:spMk id="6" creationId="{00000000-0000-0000-0000-000000000000}"/>
+          </ac:spMkLst>
+        </pc:spChg>
+        <pc:spChg chg="mod">
+          <ac:chgData name="COUDENE Anthony" userId="328e29f9-3765-4980-b428-58efb5193605" providerId="ADAL" clId="{9C7769F5-E937-4195-8537-9D83F865C9D8}" dt="2023-01-11T13:50:31.154" v="1357" actId="113"/>
+          <ac:spMkLst>
+            <pc:docMk/>
+            <pc:sldMk cId="4294268300" sldId="331"/>
+            <ac:spMk id="7" creationId="{00000000-0000-0000-0000-000000000000}"/>
+          </ac:spMkLst>
+        </pc:spChg>
+      </pc:sldChg>
+      <pc:sldChg chg="modSp add mod">
+        <pc:chgData name="COUDENE Anthony" userId="328e29f9-3765-4980-b428-58efb5193605" providerId="ADAL" clId="{9C7769F5-E937-4195-8537-9D83F865C9D8}" dt="2023-01-11T17:44:33.593" v="2855" actId="20577"/>
+        <pc:sldMkLst>
+          <pc:docMk/>
+          <pc:sldMk cId="3169926731" sldId="332"/>
+        </pc:sldMkLst>
+        <pc:spChg chg="mod">
+          <ac:chgData name="COUDENE Anthony" userId="328e29f9-3765-4980-b428-58efb5193605" providerId="ADAL" clId="{9C7769F5-E937-4195-8537-9D83F865C9D8}" dt="2023-01-11T14:06:09.911" v="2717" actId="20577"/>
+          <ac:spMkLst>
+            <pc:docMk/>
+            <pc:sldMk cId="3169926731" sldId="332"/>
+            <ac:spMk id="6" creationId="{00000000-0000-0000-0000-000000000000}"/>
+          </ac:spMkLst>
+        </pc:spChg>
+        <pc:spChg chg="mod">
+          <ac:chgData name="COUDENE Anthony" userId="328e29f9-3765-4980-b428-58efb5193605" providerId="ADAL" clId="{9C7769F5-E937-4195-8537-9D83F865C9D8}" dt="2023-01-11T17:44:33.593" v="2855" actId="20577"/>
+          <ac:spMkLst>
+            <pc:docMk/>
+            <pc:sldMk cId="3169926731" sldId="332"/>
+            <ac:spMk id="7" creationId="{00000000-0000-0000-0000-000000000000}"/>
+          </ac:spMkLst>
+        </pc:spChg>
+      </pc:sldChg>
+      <pc:sldChg chg="add del">
+        <pc:chgData name="COUDENE Anthony" userId="328e29f9-3765-4980-b428-58efb5193605" providerId="ADAL" clId="{9C7769F5-E937-4195-8537-9D83F865C9D8}" dt="2023-01-11T13:41:28.620" v="709"/>
+        <pc:sldMkLst>
+          <pc:docMk/>
+          <pc:sldMk cId="1285114636" sldId="333"/>
+        </pc:sldMkLst>
+      </pc:sldChg>
+      <pc:sldChg chg="add del">
+        <pc:chgData name="COUDENE Anthony" userId="328e29f9-3765-4980-b428-58efb5193605" providerId="ADAL" clId="{9C7769F5-E937-4195-8537-9D83F865C9D8}" dt="2023-01-11T13:41:23.540" v="707"/>
+        <pc:sldMkLst>
+          <pc:docMk/>
+          <pc:sldMk cId="1765880656" sldId="333"/>
+        </pc:sldMkLst>
+      </pc:sldChg>
+      <pc:sldChg chg="modSp add mod">
+        <pc:chgData name="COUDENE Anthony" userId="328e29f9-3765-4980-b428-58efb5193605" providerId="ADAL" clId="{9C7769F5-E937-4195-8537-9D83F865C9D8}" dt="2023-01-11T14:06:17.554" v="2723" actId="20577"/>
+        <pc:sldMkLst>
+          <pc:docMk/>
+          <pc:sldMk cId="2890173439" sldId="333"/>
+        </pc:sldMkLst>
+        <pc:spChg chg="mod">
+          <ac:chgData name="COUDENE Anthony" userId="328e29f9-3765-4980-b428-58efb5193605" providerId="ADAL" clId="{9C7769F5-E937-4195-8537-9D83F865C9D8}" dt="2023-01-11T14:06:17.554" v="2723" actId="20577"/>
+          <ac:spMkLst>
+            <pc:docMk/>
+            <pc:sldMk cId="2890173439" sldId="333"/>
+            <ac:spMk id="6" creationId="{00000000-0000-0000-0000-000000000000}"/>
+          </ac:spMkLst>
+        </pc:spChg>
+        <pc:spChg chg="mod">
+          <ac:chgData name="COUDENE Anthony" userId="328e29f9-3765-4980-b428-58efb5193605" providerId="ADAL" clId="{9C7769F5-E937-4195-8537-9D83F865C9D8}" dt="2023-01-11T14:01:20.503" v="2588" actId="113"/>
+          <ac:spMkLst>
+            <pc:docMk/>
+            <pc:sldMk cId="2890173439" sldId="333"/>
+            <ac:spMk id="7" creationId="{00000000-0000-0000-0000-000000000000}"/>
+          </ac:spMkLst>
+        </pc:spChg>
+      </pc:sldChg>
+      <pc:sldChg chg="modSp add mod ord">
+        <pc:chgData name="COUDENE Anthony" userId="328e29f9-3765-4980-b428-58efb5193605" providerId="ADAL" clId="{9C7769F5-E937-4195-8537-9D83F865C9D8}" dt="2023-01-11T14:05:59.718" v="2703" actId="20577"/>
+        <pc:sldMkLst>
+          <pc:docMk/>
+          <pc:sldMk cId="338967688" sldId="334"/>
+        </pc:sldMkLst>
+        <pc:spChg chg="mod">
+          <ac:chgData name="COUDENE Anthony" userId="328e29f9-3765-4980-b428-58efb5193605" providerId="ADAL" clId="{9C7769F5-E937-4195-8537-9D83F865C9D8}" dt="2023-01-11T14:05:59.718" v="2703" actId="20577"/>
+          <ac:spMkLst>
+            <pc:docMk/>
+            <pc:sldMk cId="338967688" sldId="334"/>
+            <ac:spMk id="6" creationId="{00000000-0000-0000-0000-000000000000}"/>
+          </ac:spMkLst>
+        </pc:spChg>
+        <pc:spChg chg="mod">
+          <ac:chgData name="COUDENE Anthony" userId="328e29f9-3765-4980-b428-58efb5193605" providerId="ADAL" clId="{9C7769F5-E937-4195-8537-9D83F865C9D8}" dt="2023-01-11T13:59:43.896" v="2379"/>
+          <ac:spMkLst>
+            <pc:docMk/>
+            <pc:sldMk cId="338967688" sldId="334"/>
+            <ac:spMk id="7" creationId="{00000000-0000-0000-0000-000000000000}"/>
+          </ac:spMkLst>
+        </pc:spChg>
+      </pc:sldChg>
+      <pc:sldChg chg="modSp add mod">
+        <pc:chgData name="COUDENE Anthony" userId="328e29f9-3765-4980-b428-58efb5193605" providerId="ADAL" clId="{9C7769F5-E937-4195-8537-9D83F865C9D8}" dt="2023-01-11T14:06:03.368" v="2709" actId="20577"/>
+        <pc:sldMkLst>
+          <pc:docMk/>
+          <pc:sldMk cId="3972913692" sldId="335"/>
+        </pc:sldMkLst>
+        <pc:spChg chg="mod">
+          <ac:chgData name="COUDENE Anthony" userId="328e29f9-3765-4980-b428-58efb5193605" providerId="ADAL" clId="{9C7769F5-E937-4195-8537-9D83F865C9D8}" dt="2023-01-11T14:06:03.368" v="2709" actId="20577"/>
+          <ac:spMkLst>
+            <pc:docMk/>
+            <pc:sldMk cId="3972913692" sldId="335"/>
+            <ac:spMk id="6" creationId="{00000000-0000-0000-0000-000000000000}"/>
+          </ac:spMkLst>
+        </pc:spChg>
+        <pc:spChg chg="mod">
+          <ac:chgData name="COUDENE Anthony" userId="328e29f9-3765-4980-b428-58efb5193605" providerId="ADAL" clId="{9C7769F5-E937-4195-8537-9D83F865C9D8}" dt="2023-01-11T14:05:31.454" v="2690" actId="113"/>
+          <ac:spMkLst>
+            <pc:docMk/>
+            <pc:sldMk cId="3972913692" sldId="335"/>
+            <ac:spMk id="7" creationId="{00000000-0000-0000-0000-000000000000}"/>
+          </ac:spMkLst>
+        </pc:spChg>
+      </pc:sldChg>
+      <pc:sldChg chg="addSp modSp add mod">
+        <pc:chgData name="COUDENE Anthony" userId="328e29f9-3765-4980-b428-58efb5193605" providerId="ADAL" clId="{9C7769F5-E937-4195-8537-9D83F865C9D8}" dt="2023-01-11T14:06:22.241" v="2731" actId="20577"/>
+        <pc:sldMkLst>
+          <pc:docMk/>
+          <pc:sldMk cId="2461535342" sldId="336"/>
+        </pc:sldMkLst>
+        <pc:spChg chg="mod">
+          <ac:chgData name="COUDENE Anthony" userId="328e29f9-3765-4980-b428-58efb5193605" providerId="ADAL" clId="{9C7769F5-E937-4195-8537-9D83F865C9D8}" dt="2023-01-11T14:06:22.241" v="2731" actId="20577"/>
+          <ac:spMkLst>
+            <pc:docMk/>
+            <pc:sldMk cId="2461535342" sldId="336"/>
+            <ac:spMk id="6" creationId="{00000000-0000-0000-0000-000000000000}"/>
+          </ac:spMkLst>
+        </pc:spChg>
+        <pc:spChg chg="mod">
+          <ac:chgData name="COUDENE Anthony" userId="328e29f9-3765-4980-b428-58efb5193605" providerId="ADAL" clId="{9C7769F5-E937-4195-8537-9D83F865C9D8}" dt="2023-01-11T14:03:25.952" v="2672" actId="6549"/>
+          <ac:spMkLst>
+            <pc:docMk/>
+            <pc:sldMk cId="2461535342" sldId="336"/>
+            <ac:spMk id="7" creationId="{00000000-0000-0000-0000-000000000000}"/>
+          </ac:spMkLst>
+        </pc:spChg>
+        <pc:picChg chg="add mod">
+          <ac:chgData name="COUDENE Anthony" userId="328e29f9-3765-4980-b428-58efb5193605" providerId="ADAL" clId="{9C7769F5-E937-4195-8537-9D83F865C9D8}" dt="2023-01-11T14:03:50.492" v="2674" actId="1076"/>
+          <ac:picMkLst>
+            <pc:docMk/>
+            <pc:sldMk cId="2461535342" sldId="336"/>
+            <ac:picMk id="3" creationId="{86E9D0DD-1B7E-495B-8063-8C77F870948F}"/>
+          </ac:picMkLst>
+        </pc:picChg>
+      </pc:sldChg>
+      <pc:sldChg chg="delSp modSp add mod">
+        <pc:chgData name="COUDENE Anthony" userId="328e29f9-3765-4980-b428-58efb5193605" providerId="ADAL" clId="{9C7769F5-E937-4195-8537-9D83F865C9D8}" dt="2023-01-11T14:09:32.105" v="2853" actId="20577"/>
+        <pc:sldMkLst>
+          <pc:docMk/>
+          <pc:sldMk cId="4244838733" sldId="337"/>
+        </pc:sldMkLst>
+        <pc:spChg chg="mod">
+          <ac:chgData name="COUDENE Anthony" userId="328e29f9-3765-4980-b428-58efb5193605" providerId="ADAL" clId="{9C7769F5-E937-4195-8537-9D83F865C9D8}" dt="2023-01-11T14:07:17.838" v="2742" actId="20577"/>
+          <ac:spMkLst>
+            <pc:docMk/>
+            <pc:sldMk cId="4244838733" sldId="337"/>
+            <ac:spMk id="6" creationId="{00000000-0000-0000-0000-000000000000}"/>
+          </ac:spMkLst>
+        </pc:spChg>
+        <pc:spChg chg="mod">
+          <ac:chgData name="COUDENE Anthony" userId="328e29f9-3765-4980-b428-58efb5193605" providerId="ADAL" clId="{9C7769F5-E937-4195-8537-9D83F865C9D8}" dt="2023-01-11T14:09:32.105" v="2853" actId="20577"/>
+          <ac:spMkLst>
+            <pc:docMk/>
+            <pc:sldMk cId="4244838733" sldId="337"/>
+            <ac:spMk id="7" creationId="{00000000-0000-0000-0000-000000000000}"/>
+          </ac:spMkLst>
+        </pc:spChg>
+        <pc:picChg chg="del">
+          <ac:chgData name="COUDENE Anthony" userId="328e29f9-3765-4980-b428-58efb5193605" providerId="ADAL" clId="{9C7769F5-E937-4195-8537-9D83F865C9D8}" dt="2023-01-11T14:07:23.377" v="2744" actId="478"/>
+          <ac:picMkLst>
+            <pc:docMk/>
+            <pc:sldMk cId="4244838733" sldId="337"/>
+            <ac:picMk id="3" creationId="{86E9D0DD-1B7E-495B-8063-8C77F870948F}"/>
+          </ac:picMkLst>
+        </pc:picChg>
+      </pc:sldChg>
+    </pc:docChg>
+  </pc:docChgLst>
   <pc:docChgLst>
     <pc:chgData name="COUDENE Anthony" userId="S::anthony.coudene_technidata-web.com#ext#@salviadev.onmicrosoft.com::68c465fa-d648-4caa-847f-65ecd93bc2af" providerId="AD" clId="Web-{5493096A-E36A-4EE3-A3CA-EFF6F2B9B771}"/>
     <pc:docChg chg="modSld">
@@ -738,287 +1022,6 @@
       </pc:sldChg>
     </pc:docChg>
   </pc:docChgLst>
-  <pc:docChgLst>
-    <pc:chgData name="COUDENE Anthony" userId="328e29f9-3765-4980-b428-58efb5193605" providerId="ADAL" clId="{9C7769F5-E937-4195-8537-9D83F865C9D8}"/>
-    <pc:docChg chg="undo redo custSel addSld delSld modSld sldOrd">
-      <pc:chgData name="COUDENE Anthony" userId="328e29f9-3765-4980-b428-58efb5193605" providerId="ADAL" clId="{9C7769F5-E937-4195-8537-9D83F865C9D8}" dt="2023-01-11T17:44:33.593" v="2855" actId="20577"/>
-      <pc:docMkLst>
-        <pc:docMk/>
-      </pc:docMkLst>
-      <pc:sldChg chg="modSp mod">
-        <pc:chgData name="COUDENE Anthony" userId="328e29f9-3765-4980-b428-58efb5193605" providerId="ADAL" clId="{9C7769F5-E937-4195-8537-9D83F865C9D8}" dt="2023-01-11T13:35:25.258" v="36" actId="6549"/>
-        <pc:sldMkLst>
-          <pc:docMk/>
-          <pc:sldMk cId="3352983731" sldId="287"/>
-        </pc:sldMkLst>
-        <pc:spChg chg="mod">
-          <ac:chgData name="COUDENE Anthony" userId="328e29f9-3765-4980-b428-58efb5193605" providerId="ADAL" clId="{9C7769F5-E937-4195-8537-9D83F865C9D8}" dt="2023-01-11T13:35:25.258" v="36" actId="6549"/>
-          <ac:spMkLst>
-            <pc:docMk/>
-            <pc:sldMk cId="3352983731" sldId="287"/>
-            <ac:spMk id="2" creationId="{00000000-0000-0000-0000-000000000000}"/>
-          </ac:spMkLst>
-        </pc:spChg>
-        <pc:spChg chg="mod">
-          <ac:chgData name="COUDENE Anthony" userId="328e29f9-3765-4980-b428-58efb5193605" providerId="ADAL" clId="{9C7769F5-E937-4195-8537-9D83F865C9D8}" dt="2023-01-11T13:35:05.936" v="6" actId="20577"/>
-          <ac:spMkLst>
-            <pc:docMk/>
-            <pc:sldMk cId="3352983731" sldId="287"/>
-            <ac:spMk id="5" creationId="{00000000-0000-0000-0000-000000000000}"/>
-          </ac:spMkLst>
-        </pc:spChg>
-      </pc:sldChg>
-      <pc:sldChg chg="del">
-        <pc:chgData name="COUDENE Anthony" userId="328e29f9-3765-4980-b428-58efb5193605" providerId="ADAL" clId="{9C7769F5-E937-4195-8537-9D83F865C9D8}" dt="2023-01-11T13:50:56.003" v="1359" actId="47"/>
-        <pc:sldMkLst>
-          <pc:docMk/>
-          <pc:sldMk cId="2609788196" sldId="302"/>
-        </pc:sldMkLst>
-      </pc:sldChg>
-      <pc:sldChg chg="modSp mod ord">
-        <pc:chgData name="COUDENE Anthony" userId="328e29f9-3765-4980-b428-58efb5193605" providerId="ADAL" clId="{9C7769F5-E937-4195-8537-9D83F865C9D8}" dt="2023-01-11T13:49:43.418" v="1329" actId="113"/>
-        <pc:sldMkLst>
-          <pc:docMk/>
-          <pc:sldMk cId="956034070" sldId="303"/>
-        </pc:sldMkLst>
-        <pc:spChg chg="mod">
-          <ac:chgData name="COUDENE Anthony" userId="328e29f9-3765-4980-b428-58efb5193605" providerId="ADAL" clId="{9C7769F5-E937-4195-8537-9D83F865C9D8}" dt="2023-01-11T13:37:05.463" v="48" actId="20577"/>
-          <ac:spMkLst>
-            <pc:docMk/>
-            <pc:sldMk cId="956034070" sldId="303"/>
-            <ac:spMk id="6" creationId="{00000000-0000-0000-0000-000000000000}"/>
-          </ac:spMkLst>
-        </pc:spChg>
-        <pc:spChg chg="mod">
-          <ac:chgData name="COUDENE Anthony" userId="328e29f9-3765-4980-b428-58efb5193605" providerId="ADAL" clId="{9C7769F5-E937-4195-8537-9D83F865C9D8}" dt="2023-01-11T13:49:43.418" v="1329" actId="113"/>
-          <ac:spMkLst>
-            <pc:docMk/>
-            <pc:sldMk cId="956034070" sldId="303"/>
-            <ac:spMk id="7" creationId="{00000000-0000-0000-0000-000000000000}"/>
-          </ac:spMkLst>
-        </pc:spChg>
-      </pc:sldChg>
-      <pc:sldChg chg="del">
-        <pc:chgData name="COUDENE Anthony" userId="328e29f9-3765-4980-b428-58efb5193605" providerId="ADAL" clId="{9C7769F5-E937-4195-8537-9D83F865C9D8}" dt="2023-01-11T13:50:56.003" v="1359" actId="47"/>
-        <pc:sldMkLst>
-          <pc:docMk/>
-          <pc:sldMk cId="3194762268" sldId="310"/>
-        </pc:sldMkLst>
-      </pc:sldChg>
-      <pc:sldChg chg="del">
-        <pc:chgData name="COUDENE Anthony" userId="328e29f9-3765-4980-b428-58efb5193605" providerId="ADAL" clId="{9C7769F5-E937-4195-8537-9D83F865C9D8}" dt="2023-01-11T13:50:56.003" v="1359" actId="47"/>
-        <pc:sldMkLst>
-          <pc:docMk/>
-          <pc:sldMk cId="1759487582" sldId="327"/>
-        </pc:sldMkLst>
-      </pc:sldChg>
-      <pc:sldChg chg="del">
-        <pc:chgData name="COUDENE Anthony" userId="328e29f9-3765-4980-b428-58efb5193605" providerId="ADAL" clId="{9C7769F5-E937-4195-8537-9D83F865C9D8}" dt="2023-01-11T13:50:56.003" v="1359" actId="47"/>
-        <pc:sldMkLst>
-          <pc:docMk/>
-          <pc:sldMk cId="1446864085" sldId="329"/>
-        </pc:sldMkLst>
-      </pc:sldChg>
-      <pc:sldChg chg="del">
-        <pc:chgData name="COUDENE Anthony" userId="328e29f9-3765-4980-b428-58efb5193605" providerId="ADAL" clId="{9C7769F5-E937-4195-8537-9D83F865C9D8}" dt="2023-01-11T13:50:56.003" v="1359" actId="47"/>
-        <pc:sldMkLst>
-          <pc:docMk/>
-          <pc:sldMk cId="435201604" sldId="330"/>
-        </pc:sldMkLst>
-      </pc:sldChg>
-      <pc:sldChg chg="modSp add mod">
-        <pc:chgData name="COUDENE Anthony" userId="328e29f9-3765-4980-b428-58efb5193605" providerId="ADAL" clId="{9C7769F5-E937-4195-8537-9D83F865C9D8}" dt="2023-01-11T13:50:31.154" v="1357" actId="113"/>
-        <pc:sldMkLst>
-          <pc:docMk/>
-          <pc:sldMk cId="4294268300" sldId="331"/>
-        </pc:sldMkLst>
-        <pc:spChg chg="mod">
-          <ac:chgData name="COUDENE Anthony" userId="328e29f9-3765-4980-b428-58efb5193605" providerId="ADAL" clId="{9C7769F5-E937-4195-8537-9D83F865C9D8}" dt="2023-01-11T13:37:22.900" v="58" actId="20577"/>
-          <ac:spMkLst>
-            <pc:docMk/>
-            <pc:sldMk cId="4294268300" sldId="331"/>
-            <ac:spMk id="6" creationId="{00000000-0000-0000-0000-000000000000}"/>
-          </ac:spMkLst>
-        </pc:spChg>
-        <pc:spChg chg="mod">
-          <ac:chgData name="COUDENE Anthony" userId="328e29f9-3765-4980-b428-58efb5193605" providerId="ADAL" clId="{9C7769F5-E937-4195-8537-9D83F865C9D8}" dt="2023-01-11T13:50:31.154" v="1357" actId="113"/>
-          <ac:spMkLst>
-            <pc:docMk/>
-            <pc:sldMk cId="4294268300" sldId="331"/>
-            <ac:spMk id="7" creationId="{00000000-0000-0000-0000-000000000000}"/>
-          </ac:spMkLst>
-        </pc:spChg>
-      </pc:sldChg>
-      <pc:sldChg chg="modSp add mod">
-        <pc:chgData name="COUDENE Anthony" userId="328e29f9-3765-4980-b428-58efb5193605" providerId="ADAL" clId="{9C7769F5-E937-4195-8537-9D83F865C9D8}" dt="2023-01-11T17:44:33.593" v="2855" actId="20577"/>
-        <pc:sldMkLst>
-          <pc:docMk/>
-          <pc:sldMk cId="3169926731" sldId="332"/>
-        </pc:sldMkLst>
-        <pc:spChg chg="mod">
-          <ac:chgData name="COUDENE Anthony" userId="328e29f9-3765-4980-b428-58efb5193605" providerId="ADAL" clId="{9C7769F5-E937-4195-8537-9D83F865C9D8}" dt="2023-01-11T14:06:09.911" v="2717" actId="20577"/>
-          <ac:spMkLst>
-            <pc:docMk/>
-            <pc:sldMk cId="3169926731" sldId="332"/>
-            <ac:spMk id="6" creationId="{00000000-0000-0000-0000-000000000000}"/>
-          </ac:spMkLst>
-        </pc:spChg>
-        <pc:spChg chg="mod">
-          <ac:chgData name="COUDENE Anthony" userId="328e29f9-3765-4980-b428-58efb5193605" providerId="ADAL" clId="{9C7769F5-E937-4195-8537-9D83F865C9D8}" dt="2023-01-11T17:44:33.593" v="2855" actId="20577"/>
-          <ac:spMkLst>
-            <pc:docMk/>
-            <pc:sldMk cId="3169926731" sldId="332"/>
-            <ac:spMk id="7" creationId="{00000000-0000-0000-0000-000000000000}"/>
-          </ac:spMkLst>
-        </pc:spChg>
-      </pc:sldChg>
-      <pc:sldChg chg="add del">
-        <pc:chgData name="COUDENE Anthony" userId="328e29f9-3765-4980-b428-58efb5193605" providerId="ADAL" clId="{9C7769F5-E937-4195-8537-9D83F865C9D8}" dt="2023-01-11T13:41:28.620" v="709"/>
-        <pc:sldMkLst>
-          <pc:docMk/>
-          <pc:sldMk cId="1285114636" sldId="333"/>
-        </pc:sldMkLst>
-      </pc:sldChg>
-      <pc:sldChg chg="add del">
-        <pc:chgData name="COUDENE Anthony" userId="328e29f9-3765-4980-b428-58efb5193605" providerId="ADAL" clId="{9C7769F5-E937-4195-8537-9D83F865C9D8}" dt="2023-01-11T13:41:23.540" v="707"/>
-        <pc:sldMkLst>
-          <pc:docMk/>
-          <pc:sldMk cId="1765880656" sldId="333"/>
-        </pc:sldMkLst>
-      </pc:sldChg>
-      <pc:sldChg chg="modSp add mod">
-        <pc:chgData name="COUDENE Anthony" userId="328e29f9-3765-4980-b428-58efb5193605" providerId="ADAL" clId="{9C7769F5-E937-4195-8537-9D83F865C9D8}" dt="2023-01-11T14:06:17.554" v="2723" actId="20577"/>
-        <pc:sldMkLst>
-          <pc:docMk/>
-          <pc:sldMk cId="2890173439" sldId="333"/>
-        </pc:sldMkLst>
-        <pc:spChg chg="mod">
-          <ac:chgData name="COUDENE Anthony" userId="328e29f9-3765-4980-b428-58efb5193605" providerId="ADAL" clId="{9C7769F5-E937-4195-8537-9D83F865C9D8}" dt="2023-01-11T14:06:17.554" v="2723" actId="20577"/>
-          <ac:spMkLst>
-            <pc:docMk/>
-            <pc:sldMk cId="2890173439" sldId="333"/>
-            <ac:spMk id="6" creationId="{00000000-0000-0000-0000-000000000000}"/>
-          </ac:spMkLst>
-        </pc:spChg>
-        <pc:spChg chg="mod">
-          <ac:chgData name="COUDENE Anthony" userId="328e29f9-3765-4980-b428-58efb5193605" providerId="ADAL" clId="{9C7769F5-E937-4195-8537-9D83F865C9D8}" dt="2023-01-11T14:01:20.503" v="2588" actId="113"/>
-          <ac:spMkLst>
-            <pc:docMk/>
-            <pc:sldMk cId="2890173439" sldId="333"/>
-            <ac:spMk id="7" creationId="{00000000-0000-0000-0000-000000000000}"/>
-          </ac:spMkLst>
-        </pc:spChg>
-      </pc:sldChg>
-      <pc:sldChg chg="modSp add mod ord">
-        <pc:chgData name="COUDENE Anthony" userId="328e29f9-3765-4980-b428-58efb5193605" providerId="ADAL" clId="{9C7769F5-E937-4195-8537-9D83F865C9D8}" dt="2023-01-11T14:05:59.718" v="2703" actId="20577"/>
-        <pc:sldMkLst>
-          <pc:docMk/>
-          <pc:sldMk cId="338967688" sldId="334"/>
-        </pc:sldMkLst>
-        <pc:spChg chg="mod">
-          <ac:chgData name="COUDENE Anthony" userId="328e29f9-3765-4980-b428-58efb5193605" providerId="ADAL" clId="{9C7769F5-E937-4195-8537-9D83F865C9D8}" dt="2023-01-11T14:05:59.718" v="2703" actId="20577"/>
-          <ac:spMkLst>
-            <pc:docMk/>
-            <pc:sldMk cId="338967688" sldId="334"/>
-            <ac:spMk id="6" creationId="{00000000-0000-0000-0000-000000000000}"/>
-          </ac:spMkLst>
-        </pc:spChg>
-        <pc:spChg chg="mod">
-          <ac:chgData name="COUDENE Anthony" userId="328e29f9-3765-4980-b428-58efb5193605" providerId="ADAL" clId="{9C7769F5-E937-4195-8537-9D83F865C9D8}" dt="2023-01-11T13:59:43.896" v="2379"/>
-          <ac:spMkLst>
-            <pc:docMk/>
-            <pc:sldMk cId="338967688" sldId="334"/>
-            <ac:spMk id="7" creationId="{00000000-0000-0000-0000-000000000000}"/>
-          </ac:spMkLst>
-        </pc:spChg>
-      </pc:sldChg>
-      <pc:sldChg chg="modSp add mod">
-        <pc:chgData name="COUDENE Anthony" userId="328e29f9-3765-4980-b428-58efb5193605" providerId="ADAL" clId="{9C7769F5-E937-4195-8537-9D83F865C9D8}" dt="2023-01-11T14:06:03.368" v="2709" actId="20577"/>
-        <pc:sldMkLst>
-          <pc:docMk/>
-          <pc:sldMk cId="3972913692" sldId="335"/>
-        </pc:sldMkLst>
-        <pc:spChg chg="mod">
-          <ac:chgData name="COUDENE Anthony" userId="328e29f9-3765-4980-b428-58efb5193605" providerId="ADAL" clId="{9C7769F5-E937-4195-8537-9D83F865C9D8}" dt="2023-01-11T14:06:03.368" v="2709" actId="20577"/>
-          <ac:spMkLst>
-            <pc:docMk/>
-            <pc:sldMk cId="3972913692" sldId="335"/>
-            <ac:spMk id="6" creationId="{00000000-0000-0000-0000-000000000000}"/>
-          </ac:spMkLst>
-        </pc:spChg>
-        <pc:spChg chg="mod">
-          <ac:chgData name="COUDENE Anthony" userId="328e29f9-3765-4980-b428-58efb5193605" providerId="ADAL" clId="{9C7769F5-E937-4195-8537-9D83F865C9D8}" dt="2023-01-11T14:05:31.454" v="2690" actId="113"/>
-          <ac:spMkLst>
-            <pc:docMk/>
-            <pc:sldMk cId="3972913692" sldId="335"/>
-            <ac:spMk id="7" creationId="{00000000-0000-0000-0000-000000000000}"/>
-          </ac:spMkLst>
-        </pc:spChg>
-      </pc:sldChg>
-      <pc:sldChg chg="addSp modSp add mod">
-        <pc:chgData name="COUDENE Anthony" userId="328e29f9-3765-4980-b428-58efb5193605" providerId="ADAL" clId="{9C7769F5-E937-4195-8537-9D83F865C9D8}" dt="2023-01-11T14:06:22.241" v="2731" actId="20577"/>
-        <pc:sldMkLst>
-          <pc:docMk/>
-          <pc:sldMk cId="2461535342" sldId="336"/>
-        </pc:sldMkLst>
-        <pc:spChg chg="mod">
-          <ac:chgData name="COUDENE Anthony" userId="328e29f9-3765-4980-b428-58efb5193605" providerId="ADAL" clId="{9C7769F5-E937-4195-8537-9D83F865C9D8}" dt="2023-01-11T14:06:22.241" v="2731" actId="20577"/>
-          <ac:spMkLst>
-            <pc:docMk/>
-            <pc:sldMk cId="2461535342" sldId="336"/>
-            <ac:spMk id="6" creationId="{00000000-0000-0000-0000-000000000000}"/>
-          </ac:spMkLst>
-        </pc:spChg>
-        <pc:spChg chg="mod">
-          <ac:chgData name="COUDENE Anthony" userId="328e29f9-3765-4980-b428-58efb5193605" providerId="ADAL" clId="{9C7769F5-E937-4195-8537-9D83F865C9D8}" dt="2023-01-11T14:03:25.952" v="2672" actId="6549"/>
-          <ac:spMkLst>
-            <pc:docMk/>
-            <pc:sldMk cId="2461535342" sldId="336"/>
-            <ac:spMk id="7" creationId="{00000000-0000-0000-0000-000000000000}"/>
-          </ac:spMkLst>
-        </pc:spChg>
-        <pc:picChg chg="add mod">
-          <ac:chgData name="COUDENE Anthony" userId="328e29f9-3765-4980-b428-58efb5193605" providerId="ADAL" clId="{9C7769F5-E937-4195-8537-9D83F865C9D8}" dt="2023-01-11T14:03:50.492" v="2674" actId="1076"/>
-          <ac:picMkLst>
-            <pc:docMk/>
-            <pc:sldMk cId="2461535342" sldId="336"/>
-            <ac:picMk id="3" creationId="{86E9D0DD-1B7E-495B-8063-8C77F870948F}"/>
-          </ac:picMkLst>
-        </pc:picChg>
-      </pc:sldChg>
-      <pc:sldChg chg="delSp modSp add mod">
-        <pc:chgData name="COUDENE Anthony" userId="328e29f9-3765-4980-b428-58efb5193605" providerId="ADAL" clId="{9C7769F5-E937-4195-8537-9D83F865C9D8}" dt="2023-01-11T14:09:32.105" v="2853" actId="20577"/>
-        <pc:sldMkLst>
-          <pc:docMk/>
-          <pc:sldMk cId="4244838733" sldId="337"/>
-        </pc:sldMkLst>
-        <pc:spChg chg="mod">
-          <ac:chgData name="COUDENE Anthony" userId="328e29f9-3765-4980-b428-58efb5193605" providerId="ADAL" clId="{9C7769F5-E937-4195-8537-9D83F865C9D8}" dt="2023-01-11T14:07:17.838" v="2742" actId="20577"/>
-          <ac:spMkLst>
-            <pc:docMk/>
-            <pc:sldMk cId="4244838733" sldId="337"/>
-            <ac:spMk id="6" creationId="{00000000-0000-0000-0000-000000000000}"/>
-          </ac:spMkLst>
-        </pc:spChg>
-        <pc:spChg chg="mod">
-          <ac:chgData name="COUDENE Anthony" userId="328e29f9-3765-4980-b428-58efb5193605" providerId="ADAL" clId="{9C7769F5-E937-4195-8537-9D83F865C9D8}" dt="2023-01-11T14:09:32.105" v="2853" actId="20577"/>
-          <ac:spMkLst>
-            <pc:docMk/>
-            <pc:sldMk cId="4244838733" sldId="337"/>
-            <ac:spMk id="7" creationId="{00000000-0000-0000-0000-000000000000}"/>
-          </ac:spMkLst>
-        </pc:spChg>
-        <pc:picChg chg="del">
-          <ac:chgData name="COUDENE Anthony" userId="328e29f9-3765-4980-b428-58efb5193605" providerId="ADAL" clId="{9C7769F5-E937-4195-8537-9D83F865C9D8}" dt="2023-01-11T14:07:23.377" v="2744" actId="478"/>
-          <ac:picMkLst>
-            <pc:docMk/>
-            <pc:sldMk cId="4244838733" sldId="337"/>
-            <ac:picMk id="3" creationId="{86E9D0DD-1B7E-495B-8063-8C77F870948F}"/>
-          </ac:picMkLst>
-        </pc:picChg>
-      </pc:sldChg>
-    </pc:docChg>
-  </pc:docChgLst>
 </pc:chgInfo>
 </file>
 
@@ -1548,6 +1551,348 @@
         <p:cNvPr id="1" name="">
           <a:extLst>
             <a:ext uri="{FF2B5EF4-FFF2-40B4-BE49-F238E27FC236}">
+              <a16:creationId xmlns:a16="http://schemas.microsoft.com/office/drawing/2014/main" id="{C1B6F00F-37DE-6B24-EE19-4B410D25CDF6}"/>
+            </a:ext>
+          </a:extLst>
+        </p:cNvPr>
+        <p:cNvGrpSpPr/>
+        <p:nvPr/>
+      </p:nvGrpSpPr>
+      <p:grpSpPr>
+        <a:xfrm>
+          <a:off x="0" y="0"/>
+          <a:ext cx="0" cy="0"/>
+          <a:chOff x="0" y="0"/>
+          <a:chExt cx="0" cy="0"/>
+        </a:xfrm>
+      </p:grpSpPr>
+      <p:sp>
+        <p:nvSpPr>
+          <p:cNvPr id="2" name="Espace réservé de l'image des diapositives 1">
+            <a:extLst>
+              <a:ext uri="{FF2B5EF4-FFF2-40B4-BE49-F238E27FC236}">
+                <a16:creationId xmlns:a16="http://schemas.microsoft.com/office/drawing/2014/main" id="{B0A2156B-1D63-5A0C-AEEC-C2654EFDD4F5}"/>
+              </a:ext>
+            </a:extLst>
+          </p:cNvPr>
+          <p:cNvSpPr>
+            <a:spLocks noGrp="1" noRot="1" noChangeAspect="1"/>
+          </p:cNvSpPr>
+          <p:nvPr>
+            <p:ph type="sldImg"/>
+          </p:nvPr>
+        </p:nvSpPr>
+        <p:spPr/>
+      </p:sp>
+      <p:sp>
+        <p:nvSpPr>
+          <p:cNvPr id="3" name="Espace réservé des notes 2">
+            <a:extLst>
+              <a:ext uri="{FF2B5EF4-FFF2-40B4-BE49-F238E27FC236}">
+                <a16:creationId xmlns:a16="http://schemas.microsoft.com/office/drawing/2014/main" id="{729C2335-EF69-4510-C418-3C1C4D7E72A0}"/>
+              </a:ext>
+            </a:extLst>
+          </p:cNvPr>
+          <p:cNvSpPr>
+            <a:spLocks noGrp="1"/>
+          </p:cNvSpPr>
+          <p:nvPr>
+            <p:ph type="body" idx="1"/>
+          </p:nvPr>
+        </p:nvSpPr>
+        <p:spPr/>
+        <p:txBody>
+          <a:bodyPr/>
+          <a:lstStyle/>
+          <a:p>
+            <a:endParaRPr lang="en-US" dirty="0"/>
+          </a:p>
+        </p:txBody>
+      </p:sp>
+      <p:sp>
+        <p:nvSpPr>
+          <p:cNvPr id="4" name="Espace réservé du numéro de diapositive 3">
+            <a:extLst>
+              <a:ext uri="{FF2B5EF4-FFF2-40B4-BE49-F238E27FC236}">
+                <a16:creationId xmlns:a16="http://schemas.microsoft.com/office/drawing/2014/main" id="{2EB8AA3F-CCF8-C399-B0B9-55E839C6D743}"/>
+              </a:ext>
+            </a:extLst>
+          </p:cNvPr>
+          <p:cNvSpPr>
+            <a:spLocks noGrp="1"/>
+          </p:cNvSpPr>
+          <p:nvPr>
+            <p:ph type="sldNum" sz="quarter" idx="10"/>
+          </p:nvPr>
+        </p:nvSpPr>
+        <p:spPr/>
+        <p:txBody>
+          <a:bodyPr/>
+          <a:lstStyle/>
+          <a:p>
+            <a:pPr>
+              <a:defRPr/>
+            </a:pPr>
+            <a:fld id="{FBCC3686-6725-4AFD-ADDC-6473F9C2C89C}" type="slidenum">
+              <a:rPr lang="fr-FR" smtClean="0"/>
+              <a:pPr>
+                <a:defRPr/>
+              </a:pPr>
+              <a:t>10</a:t>
+            </a:fld>
+            <a:endParaRPr lang="fr-FR" dirty="0"/>
+          </a:p>
+        </p:txBody>
+      </p:sp>
+    </p:spTree>
+    <p:extLst>
+      <p:ext uri="{BB962C8B-B14F-4D97-AF65-F5344CB8AC3E}">
+        <p14:creationId xmlns:p14="http://schemas.microsoft.com/office/powerpoint/2010/main" val="3277984508"/>
+      </p:ext>
+    </p:extLst>
+  </p:cSld>
+  <p:clrMapOvr>
+    <a:masterClrMapping/>
+  </p:clrMapOvr>
+</p:notes>
+</file>
+
+<file path=ppt/notesSlides/notesSlide11.xml><?xml version="1.0" encoding="utf-8"?>
+<p:notes xmlns:a="http://schemas.openxmlformats.org/drawingml/2006/main" xmlns:r="http://schemas.openxmlformats.org/officeDocument/2006/relationships" xmlns:p="http://schemas.openxmlformats.org/presentationml/2006/main">
+  <p:cSld>
+    <p:spTree>
+      <p:nvGrpSpPr>
+        <p:cNvPr id="1" name="">
+          <a:extLst>
+            <a:ext uri="{FF2B5EF4-FFF2-40B4-BE49-F238E27FC236}">
+              <a16:creationId xmlns:a16="http://schemas.microsoft.com/office/drawing/2014/main" id="{704D710E-3EB3-9F9C-8877-37ED8464C3A7}"/>
+            </a:ext>
+          </a:extLst>
+        </p:cNvPr>
+        <p:cNvGrpSpPr/>
+        <p:nvPr/>
+      </p:nvGrpSpPr>
+      <p:grpSpPr>
+        <a:xfrm>
+          <a:off x="0" y="0"/>
+          <a:ext cx="0" cy="0"/>
+          <a:chOff x="0" y="0"/>
+          <a:chExt cx="0" cy="0"/>
+        </a:xfrm>
+      </p:grpSpPr>
+      <p:sp>
+        <p:nvSpPr>
+          <p:cNvPr id="2" name="Espace réservé de l'image des diapositives 1">
+            <a:extLst>
+              <a:ext uri="{FF2B5EF4-FFF2-40B4-BE49-F238E27FC236}">
+                <a16:creationId xmlns:a16="http://schemas.microsoft.com/office/drawing/2014/main" id="{A81CEA2C-07CE-A211-1616-1B0BFF4CB62A}"/>
+              </a:ext>
+            </a:extLst>
+          </p:cNvPr>
+          <p:cNvSpPr>
+            <a:spLocks noGrp="1" noRot="1" noChangeAspect="1"/>
+          </p:cNvSpPr>
+          <p:nvPr>
+            <p:ph type="sldImg"/>
+          </p:nvPr>
+        </p:nvSpPr>
+        <p:spPr/>
+      </p:sp>
+      <p:sp>
+        <p:nvSpPr>
+          <p:cNvPr id="3" name="Espace réservé des notes 2">
+            <a:extLst>
+              <a:ext uri="{FF2B5EF4-FFF2-40B4-BE49-F238E27FC236}">
+                <a16:creationId xmlns:a16="http://schemas.microsoft.com/office/drawing/2014/main" id="{50E3EC90-895B-247D-2DB5-972BAE6D50C6}"/>
+              </a:ext>
+            </a:extLst>
+          </p:cNvPr>
+          <p:cNvSpPr>
+            <a:spLocks noGrp="1"/>
+          </p:cNvSpPr>
+          <p:nvPr>
+            <p:ph type="body" idx="1"/>
+          </p:nvPr>
+        </p:nvSpPr>
+        <p:spPr/>
+        <p:txBody>
+          <a:bodyPr/>
+          <a:lstStyle/>
+          <a:p>
+            <a:endParaRPr lang="en-US" dirty="0"/>
+          </a:p>
+        </p:txBody>
+      </p:sp>
+      <p:sp>
+        <p:nvSpPr>
+          <p:cNvPr id="4" name="Espace réservé du numéro de diapositive 3">
+            <a:extLst>
+              <a:ext uri="{FF2B5EF4-FFF2-40B4-BE49-F238E27FC236}">
+                <a16:creationId xmlns:a16="http://schemas.microsoft.com/office/drawing/2014/main" id="{A51D2995-59E4-4C17-C7F8-D58AA096387A}"/>
+              </a:ext>
+            </a:extLst>
+          </p:cNvPr>
+          <p:cNvSpPr>
+            <a:spLocks noGrp="1"/>
+          </p:cNvSpPr>
+          <p:nvPr>
+            <p:ph type="sldNum" sz="quarter" idx="10"/>
+          </p:nvPr>
+        </p:nvSpPr>
+        <p:spPr/>
+        <p:txBody>
+          <a:bodyPr/>
+          <a:lstStyle/>
+          <a:p>
+            <a:pPr>
+              <a:defRPr/>
+            </a:pPr>
+            <a:fld id="{FBCC3686-6725-4AFD-ADDC-6473F9C2C89C}" type="slidenum">
+              <a:rPr lang="fr-FR" smtClean="0"/>
+              <a:pPr>
+                <a:defRPr/>
+              </a:pPr>
+              <a:t>11</a:t>
+            </a:fld>
+            <a:endParaRPr lang="fr-FR" dirty="0"/>
+          </a:p>
+        </p:txBody>
+      </p:sp>
+    </p:spTree>
+    <p:extLst>
+      <p:ext uri="{BB962C8B-B14F-4D97-AF65-F5344CB8AC3E}">
+        <p14:creationId xmlns:p14="http://schemas.microsoft.com/office/powerpoint/2010/main" val="147115478"/>
+      </p:ext>
+    </p:extLst>
+  </p:cSld>
+  <p:clrMapOvr>
+    <a:masterClrMapping/>
+  </p:clrMapOvr>
+</p:notes>
+</file>
+
+<file path=ppt/notesSlides/notesSlide12.xml><?xml version="1.0" encoding="utf-8"?>
+<p:notes xmlns:a="http://schemas.openxmlformats.org/drawingml/2006/main" xmlns:r="http://schemas.openxmlformats.org/officeDocument/2006/relationships" xmlns:p="http://schemas.openxmlformats.org/presentationml/2006/main">
+  <p:cSld>
+    <p:spTree>
+      <p:nvGrpSpPr>
+        <p:cNvPr id="1" name="">
+          <a:extLst>
+            <a:ext uri="{FF2B5EF4-FFF2-40B4-BE49-F238E27FC236}">
+              <a16:creationId xmlns:a16="http://schemas.microsoft.com/office/drawing/2014/main" id="{9B3118E0-0BB8-6083-BBA8-6BD6F5E14E28}"/>
+            </a:ext>
+          </a:extLst>
+        </p:cNvPr>
+        <p:cNvGrpSpPr/>
+        <p:nvPr/>
+      </p:nvGrpSpPr>
+      <p:grpSpPr>
+        <a:xfrm>
+          <a:off x="0" y="0"/>
+          <a:ext cx="0" cy="0"/>
+          <a:chOff x="0" y="0"/>
+          <a:chExt cx="0" cy="0"/>
+        </a:xfrm>
+      </p:grpSpPr>
+      <p:sp>
+        <p:nvSpPr>
+          <p:cNvPr id="2" name="Espace réservé de l'image des diapositives 1">
+            <a:extLst>
+              <a:ext uri="{FF2B5EF4-FFF2-40B4-BE49-F238E27FC236}">
+                <a16:creationId xmlns:a16="http://schemas.microsoft.com/office/drawing/2014/main" id="{BD286BE1-5F39-855E-6119-7E1A5174F75D}"/>
+              </a:ext>
+            </a:extLst>
+          </p:cNvPr>
+          <p:cNvSpPr>
+            <a:spLocks noGrp="1" noRot="1" noChangeAspect="1"/>
+          </p:cNvSpPr>
+          <p:nvPr>
+            <p:ph type="sldImg"/>
+          </p:nvPr>
+        </p:nvSpPr>
+        <p:spPr/>
+      </p:sp>
+      <p:sp>
+        <p:nvSpPr>
+          <p:cNvPr id="3" name="Espace réservé des notes 2">
+            <a:extLst>
+              <a:ext uri="{FF2B5EF4-FFF2-40B4-BE49-F238E27FC236}">
+                <a16:creationId xmlns:a16="http://schemas.microsoft.com/office/drawing/2014/main" id="{28586A7B-878D-0F8B-143A-E68ADFC57931}"/>
+              </a:ext>
+            </a:extLst>
+          </p:cNvPr>
+          <p:cNvSpPr>
+            <a:spLocks noGrp="1"/>
+          </p:cNvSpPr>
+          <p:nvPr>
+            <p:ph type="body" idx="1"/>
+          </p:nvPr>
+        </p:nvSpPr>
+        <p:spPr/>
+        <p:txBody>
+          <a:bodyPr/>
+          <a:lstStyle/>
+          <a:p>
+            <a:endParaRPr lang="en-US" dirty="0"/>
+          </a:p>
+        </p:txBody>
+      </p:sp>
+      <p:sp>
+        <p:nvSpPr>
+          <p:cNvPr id="4" name="Espace réservé du numéro de diapositive 3">
+            <a:extLst>
+              <a:ext uri="{FF2B5EF4-FFF2-40B4-BE49-F238E27FC236}">
+                <a16:creationId xmlns:a16="http://schemas.microsoft.com/office/drawing/2014/main" id="{A9A00DF8-9E49-1998-A8E2-5F5C8A5CFCBD}"/>
+              </a:ext>
+            </a:extLst>
+          </p:cNvPr>
+          <p:cNvSpPr>
+            <a:spLocks noGrp="1"/>
+          </p:cNvSpPr>
+          <p:nvPr>
+            <p:ph type="sldNum" sz="quarter" idx="10"/>
+          </p:nvPr>
+        </p:nvSpPr>
+        <p:spPr/>
+        <p:txBody>
+          <a:bodyPr/>
+          <a:lstStyle/>
+          <a:p>
+            <a:pPr>
+              <a:defRPr/>
+            </a:pPr>
+            <a:fld id="{FBCC3686-6725-4AFD-ADDC-6473F9C2C89C}" type="slidenum">
+              <a:rPr lang="fr-FR" smtClean="0"/>
+              <a:pPr>
+                <a:defRPr/>
+              </a:pPr>
+              <a:t>12</a:t>
+            </a:fld>
+            <a:endParaRPr lang="fr-FR" dirty="0"/>
+          </a:p>
+        </p:txBody>
+      </p:sp>
+    </p:spTree>
+    <p:extLst>
+      <p:ext uri="{BB962C8B-B14F-4D97-AF65-F5344CB8AC3E}">
+        <p14:creationId xmlns:p14="http://schemas.microsoft.com/office/powerpoint/2010/main" val="988006693"/>
+      </p:ext>
+    </p:extLst>
+  </p:cSld>
+  <p:clrMapOvr>
+    <a:masterClrMapping/>
+  </p:clrMapOvr>
+</p:notes>
+</file>
+
+<file path=ppt/notesSlides/notesSlide13.xml><?xml version="1.0" encoding="utf-8"?>
+<p:notes xmlns:a="http://schemas.openxmlformats.org/drawingml/2006/main" xmlns:r="http://schemas.openxmlformats.org/officeDocument/2006/relationships" xmlns:p="http://schemas.openxmlformats.org/presentationml/2006/main">
+  <p:cSld>
+    <p:spTree>
+      <p:nvGrpSpPr>
+        <p:cNvPr id="1" name="">
+          <a:extLst>
+            <a:ext uri="{FF2B5EF4-FFF2-40B4-BE49-F238E27FC236}">
               <a16:creationId xmlns:a16="http://schemas.microsoft.com/office/drawing/2014/main" id="{265BAB64-DD47-697B-7C86-56FEC4B24D6A}"/>
             </a:ext>
           </a:extLst>
@@ -1635,7 +1980,7 @@
               <a:pPr>
                 <a:defRPr/>
               </a:pPr>
-              <a:t>10</a:t>
+              <a:t>13</a:t>
             </a:fld>
             <a:endParaRPr lang="fr-FR" dirty="0"/>
           </a:p>
@@ -1654,7 +1999,7 @@
 </p:notes>
 </file>
 
-<file path=ppt/notesSlides/notesSlide11.xml><?xml version="1.0" encoding="utf-8"?>
+<file path=ppt/notesSlides/notesSlide14.xml><?xml version="1.0" encoding="utf-8"?>
 <p:notes xmlns:a="http://schemas.openxmlformats.org/drawingml/2006/main" xmlns:r="http://schemas.openxmlformats.org/officeDocument/2006/relationships" xmlns:p="http://schemas.openxmlformats.org/presentationml/2006/main">
   <p:cSld>
     <p:spTree>
@@ -1749,7 +2094,7 @@
               <a:pPr>
                 <a:defRPr/>
               </a:pPr>
-              <a:t>11</a:t>
+              <a:t>14</a:t>
             </a:fld>
             <a:endParaRPr lang="fr-FR" dirty="0"/>
           </a:p>
@@ -1768,7 +2113,7 @@
 </p:notes>
 </file>
 
-<file path=ppt/notesSlides/notesSlide12.xml><?xml version="1.0" encoding="utf-8"?>
+<file path=ppt/notesSlides/notesSlide15.xml><?xml version="1.0" encoding="utf-8"?>
 <p:notes xmlns:a="http://schemas.openxmlformats.org/drawingml/2006/main" xmlns:r="http://schemas.openxmlformats.org/officeDocument/2006/relationships" xmlns:p="http://schemas.openxmlformats.org/presentationml/2006/main">
   <p:cSld>
     <p:spTree>
@@ -1863,7 +2208,7 @@
               <a:pPr>
                 <a:defRPr/>
               </a:pPr>
-              <a:t>12</a:t>
+              <a:t>15</a:t>
             </a:fld>
             <a:endParaRPr lang="fr-FR" dirty="0"/>
           </a:p>
@@ -1882,7 +2227,7 @@
 </p:notes>
 </file>
 
-<file path=ppt/notesSlides/notesSlide13.xml><?xml version="1.0" encoding="utf-8"?>
+<file path=ppt/notesSlides/notesSlide16.xml><?xml version="1.0" encoding="utf-8"?>
 <p:notes xmlns:a="http://schemas.openxmlformats.org/drawingml/2006/main" xmlns:r="http://schemas.openxmlformats.org/officeDocument/2006/relationships" xmlns:p="http://schemas.openxmlformats.org/presentationml/2006/main">
   <p:cSld>
     <p:spTree>
@@ -1977,7 +2322,7 @@
               <a:pPr>
                 <a:defRPr/>
               </a:pPr>
-              <a:t>13</a:t>
+              <a:t>16</a:t>
             </a:fld>
             <a:endParaRPr lang="fr-FR" dirty="0"/>
           </a:p>
@@ -1996,7 +2341,7 @@
 </p:notes>
 </file>
 
-<file path=ppt/notesSlides/notesSlide14.xml><?xml version="1.0" encoding="utf-8"?>
+<file path=ppt/notesSlides/notesSlide17.xml><?xml version="1.0" encoding="utf-8"?>
 <p:notes xmlns:a="http://schemas.openxmlformats.org/drawingml/2006/main" xmlns:r="http://schemas.openxmlformats.org/officeDocument/2006/relationships" xmlns:p="http://schemas.openxmlformats.org/presentationml/2006/main">
   <p:cSld>
     <p:spTree>
@@ -2091,7 +2436,7 @@
               <a:pPr>
                 <a:defRPr/>
               </a:pPr>
-              <a:t>14</a:t>
+              <a:t>17</a:t>
             </a:fld>
             <a:endParaRPr lang="fr-FR" dirty="0"/>
           </a:p>
@@ -2110,7 +2455,7 @@
 </p:notes>
 </file>
 
-<file path=ppt/notesSlides/notesSlide15.xml><?xml version="1.0" encoding="utf-8"?>
+<file path=ppt/notesSlides/notesSlide18.xml><?xml version="1.0" encoding="utf-8"?>
 <p:notes xmlns:a="http://schemas.openxmlformats.org/drawingml/2006/main" xmlns:r="http://schemas.openxmlformats.org/officeDocument/2006/relationships" xmlns:p="http://schemas.openxmlformats.org/presentationml/2006/main">
   <p:cSld>
     <p:spTree>
@@ -2205,7 +2550,7 @@
               <a:pPr>
                 <a:defRPr/>
               </a:pPr>
-              <a:t>15</a:t>
+              <a:t>18</a:t>
             </a:fld>
             <a:endParaRPr lang="fr-FR" dirty="0"/>
           </a:p>
@@ -2224,7 +2569,7 @@
 </p:notes>
 </file>
 
-<file path=ppt/notesSlides/notesSlide16.xml><?xml version="1.0" encoding="utf-8"?>
+<file path=ppt/notesSlides/notesSlide19.xml><?xml version="1.0" encoding="utf-8"?>
 <p:notes xmlns:a="http://schemas.openxmlformats.org/drawingml/2006/main" xmlns:r="http://schemas.openxmlformats.org/officeDocument/2006/relationships" xmlns:p="http://schemas.openxmlformats.org/presentationml/2006/main">
   <p:cSld>
     <p:spTree>
@@ -2319,7 +2664,7 @@
               <a:pPr>
                 <a:defRPr/>
               </a:pPr>
-              <a:t>16</a:t>
+              <a:t>19</a:t>
             </a:fld>
             <a:endParaRPr lang="fr-FR" dirty="0"/>
           </a:p>
@@ -2338,7 +2683,121 @@
 </p:notes>
 </file>
 
-<file path=ppt/notesSlides/notesSlide17.xml><?xml version="1.0" encoding="utf-8"?>
+<file path=ppt/notesSlides/notesSlide2.xml><?xml version="1.0" encoding="utf-8"?>
+<p:notes xmlns:a="http://schemas.openxmlformats.org/drawingml/2006/main" xmlns:r="http://schemas.openxmlformats.org/officeDocument/2006/relationships" xmlns:p="http://schemas.openxmlformats.org/presentationml/2006/main">
+  <p:cSld>
+    <p:spTree>
+      <p:nvGrpSpPr>
+        <p:cNvPr id="1" name="">
+          <a:extLst>
+            <a:ext uri="{FF2B5EF4-FFF2-40B4-BE49-F238E27FC236}">
+              <a16:creationId xmlns:a16="http://schemas.microsoft.com/office/drawing/2014/main" id="{808919BE-9866-9DC2-5776-39EDB8D5E7E2}"/>
+            </a:ext>
+          </a:extLst>
+        </p:cNvPr>
+        <p:cNvGrpSpPr/>
+        <p:nvPr/>
+      </p:nvGrpSpPr>
+      <p:grpSpPr>
+        <a:xfrm>
+          <a:off x="0" y="0"/>
+          <a:ext cx="0" cy="0"/>
+          <a:chOff x="0" y="0"/>
+          <a:chExt cx="0" cy="0"/>
+        </a:xfrm>
+      </p:grpSpPr>
+      <p:sp>
+        <p:nvSpPr>
+          <p:cNvPr id="2" name="Espace réservé de l'image des diapositives 1">
+            <a:extLst>
+              <a:ext uri="{FF2B5EF4-FFF2-40B4-BE49-F238E27FC236}">
+                <a16:creationId xmlns:a16="http://schemas.microsoft.com/office/drawing/2014/main" id="{2328D52E-5EF5-29FE-06A0-BCBBB210249D}"/>
+              </a:ext>
+            </a:extLst>
+          </p:cNvPr>
+          <p:cNvSpPr>
+            <a:spLocks noGrp="1" noRot="1" noChangeAspect="1"/>
+          </p:cNvSpPr>
+          <p:nvPr>
+            <p:ph type="sldImg"/>
+          </p:nvPr>
+        </p:nvSpPr>
+        <p:spPr/>
+      </p:sp>
+      <p:sp>
+        <p:nvSpPr>
+          <p:cNvPr id="3" name="Espace réservé des notes 2">
+            <a:extLst>
+              <a:ext uri="{FF2B5EF4-FFF2-40B4-BE49-F238E27FC236}">
+                <a16:creationId xmlns:a16="http://schemas.microsoft.com/office/drawing/2014/main" id="{B2DE9FC9-1E45-783C-2898-670A7DEA5132}"/>
+              </a:ext>
+            </a:extLst>
+          </p:cNvPr>
+          <p:cNvSpPr>
+            <a:spLocks noGrp="1"/>
+          </p:cNvSpPr>
+          <p:nvPr>
+            <p:ph type="body" idx="1"/>
+          </p:nvPr>
+        </p:nvSpPr>
+        <p:spPr/>
+        <p:txBody>
+          <a:bodyPr/>
+          <a:lstStyle/>
+          <a:p>
+            <a:endParaRPr lang="en-US" dirty="0"/>
+          </a:p>
+        </p:txBody>
+      </p:sp>
+      <p:sp>
+        <p:nvSpPr>
+          <p:cNvPr id="4" name="Espace réservé du numéro de diapositive 3">
+            <a:extLst>
+              <a:ext uri="{FF2B5EF4-FFF2-40B4-BE49-F238E27FC236}">
+                <a16:creationId xmlns:a16="http://schemas.microsoft.com/office/drawing/2014/main" id="{3DBE950D-C3FB-16D0-573B-8B1C4104AA3A}"/>
+              </a:ext>
+            </a:extLst>
+          </p:cNvPr>
+          <p:cNvSpPr>
+            <a:spLocks noGrp="1"/>
+          </p:cNvSpPr>
+          <p:nvPr>
+            <p:ph type="sldNum" sz="quarter" idx="10"/>
+          </p:nvPr>
+        </p:nvSpPr>
+        <p:spPr/>
+        <p:txBody>
+          <a:bodyPr/>
+          <a:lstStyle/>
+          <a:p>
+            <a:pPr>
+              <a:defRPr/>
+            </a:pPr>
+            <a:fld id="{FBCC3686-6725-4AFD-ADDC-6473F9C2C89C}" type="slidenum">
+              <a:rPr lang="fr-FR" smtClean="0"/>
+              <a:pPr>
+                <a:defRPr/>
+              </a:pPr>
+              <a:t>2</a:t>
+            </a:fld>
+            <a:endParaRPr lang="fr-FR" dirty="0"/>
+          </a:p>
+        </p:txBody>
+      </p:sp>
+    </p:spTree>
+    <p:extLst>
+      <p:ext uri="{BB962C8B-B14F-4D97-AF65-F5344CB8AC3E}">
+        <p14:creationId xmlns:p14="http://schemas.microsoft.com/office/powerpoint/2010/main" val="1337482408"/>
+      </p:ext>
+    </p:extLst>
+  </p:cSld>
+  <p:clrMapOvr>
+    <a:masterClrMapping/>
+  </p:clrMapOvr>
+</p:notes>
+</file>
+
+<file path=ppt/notesSlides/notesSlide20.xml><?xml version="1.0" encoding="utf-8"?>
 <p:notes xmlns:a="http://schemas.openxmlformats.org/drawingml/2006/main" xmlns:r="http://schemas.openxmlformats.org/officeDocument/2006/relationships" xmlns:p="http://schemas.openxmlformats.org/presentationml/2006/main">
   <p:cSld>
     <p:spTree>
@@ -2433,7 +2892,7 @@
               <a:pPr>
                 <a:defRPr/>
               </a:pPr>
-              <a:t>17</a:t>
+              <a:t>20</a:t>
             </a:fld>
             <a:endParaRPr lang="fr-FR" dirty="0"/>
           </a:p>
@@ -2452,7 +2911,7 @@
 </p:notes>
 </file>
 
-<file path=ppt/notesSlides/notesSlide18.xml><?xml version="1.0" encoding="utf-8"?>
+<file path=ppt/notesSlides/notesSlide21.xml><?xml version="1.0" encoding="utf-8"?>
 <p:notes xmlns:a="http://schemas.openxmlformats.org/drawingml/2006/main" xmlns:r="http://schemas.openxmlformats.org/officeDocument/2006/relationships" xmlns:p="http://schemas.openxmlformats.org/presentationml/2006/main">
   <p:cSld>
     <p:spTree>
@@ -2547,7 +3006,7 @@
               <a:pPr>
                 <a:defRPr/>
               </a:pPr>
-              <a:t>18</a:t>
+              <a:t>21</a:t>
             </a:fld>
             <a:endParaRPr lang="fr-FR" dirty="0"/>
           </a:p>
@@ -2566,7 +3025,7 @@
 </p:notes>
 </file>
 
-<file path=ppt/notesSlides/notesSlide19.xml><?xml version="1.0" encoding="utf-8"?>
+<file path=ppt/notesSlides/notesSlide22.xml><?xml version="1.0" encoding="utf-8"?>
 <p:notes xmlns:a="http://schemas.openxmlformats.org/drawingml/2006/main" xmlns:r="http://schemas.openxmlformats.org/officeDocument/2006/relationships" xmlns:p="http://schemas.openxmlformats.org/presentationml/2006/main">
   <p:cSld>
     <p:spTree>
@@ -2661,7 +3120,7 @@
               <a:pPr>
                 <a:defRPr/>
               </a:pPr>
-              <a:t>19</a:t>
+              <a:t>22</a:t>
             </a:fld>
             <a:endParaRPr lang="fr-FR" dirty="0"/>
           </a:p>
@@ -2671,96 +3130,6 @@
     <p:extLst>
       <p:ext uri="{BB962C8B-B14F-4D97-AF65-F5344CB8AC3E}">
         <p14:creationId xmlns:p14="http://schemas.microsoft.com/office/powerpoint/2010/main" val="3442753755"/>
-      </p:ext>
-    </p:extLst>
-  </p:cSld>
-  <p:clrMapOvr>
-    <a:masterClrMapping/>
-  </p:clrMapOvr>
-</p:notes>
-</file>
-
-<file path=ppt/notesSlides/notesSlide2.xml><?xml version="1.0" encoding="utf-8"?>
-<p:notes xmlns:a="http://schemas.openxmlformats.org/drawingml/2006/main" xmlns:r="http://schemas.openxmlformats.org/officeDocument/2006/relationships" xmlns:p="http://schemas.openxmlformats.org/presentationml/2006/main">
-  <p:cSld>
-    <p:spTree>
-      <p:nvGrpSpPr>
-        <p:cNvPr id="1" name=""/>
-        <p:cNvGrpSpPr/>
-        <p:nvPr/>
-      </p:nvGrpSpPr>
-      <p:grpSpPr>
-        <a:xfrm>
-          <a:off x="0" y="0"/>
-          <a:ext cx="0" cy="0"/>
-          <a:chOff x="0" y="0"/>
-          <a:chExt cx="0" cy="0"/>
-        </a:xfrm>
-      </p:grpSpPr>
-      <p:sp>
-        <p:nvSpPr>
-          <p:cNvPr id="2" name="Espace réservé de l'image des diapositives 1"/>
-          <p:cNvSpPr>
-            <a:spLocks noGrp="1" noRot="1" noChangeAspect="1"/>
-          </p:cNvSpPr>
-          <p:nvPr>
-            <p:ph type="sldImg"/>
-          </p:nvPr>
-        </p:nvSpPr>
-        <p:spPr/>
-      </p:sp>
-      <p:sp>
-        <p:nvSpPr>
-          <p:cNvPr id="3" name="Espace réservé des notes 2"/>
-          <p:cNvSpPr>
-            <a:spLocks noGrp="1"/>
-          </p:cNvSpPr>
-          <p:nvPr>
-            <p:ph type="body" idx="1"/>
-          </p:nvPr>
-        </p:nvSpPr>
-        <p:spPr/>
-        <p:txBody>
-          <a:bodyPr/>
-          <a:lstStyle/>
-          <a:p>
-            <a:endParaRPr lang="en-US" dirty="0"/>
-          </a:p>
-        </p:txBody>
-      </p:sp>
-      <p:sp>
-        <p:nvSpPr>
-          <p:cNvPr id="4" name="Espace réservé du numéro de diapositive 3"/>
-          <p:cNvSpPr>
-            <a:spLocks noGrp="1"/>
-          </p:cNvSpPr>
-          <p:nvPr>
-            <p:ph type="sldNum" sz="quarter" idx="10"/>
-          </p:nvPr>
-        </p:nvSpPr>
-        <p:spPr/>
-        <p:txBody>
-          <a:bodyPr/>
-          <a:lstStyle/>
-          <a:p>
-            <a:pPr>
-              <a:defRPr/>
-            </a:pPr>
-            <a:fld id="{FBCC3686-6725-4AFD-ADDC-6473F9C2C89C}" type="slidenum">
-              <a:rPr lang="fr-FR" smtClean="0"/>
-              <a:pPr>
-                <a:defRPr/>
-              </a:pPr>
-              <a:t>2</a:t>
-            </a:fld>
-            <a:endParaRPr lang="fr-FR" dirty="0"/>
-          </a:p>
-        </p:txBody>
-      </p:sp>
-    </p:spTree>
-    <p:extLst>
-      <p:ext uri="{BB962C8B-B14F-4D97-AF65-F5344CB8AC3E}">
-        <p14:creationId xmlns:p14="http://schemas.microsoft.com/office/powerpoint/2010/main" val="313167382"/>
       </p:ext>
     </p:extLst>
   </p:cSld>
@@ -2850,6 +3219,96 @@
     </p:spTree>
     <p:extLst>
       <p:ext uri="{BB962C8B-B14F-4D97-AF65-F5344CB8AC3E}">
+        <p14:creationId xmlns:p14="http://schemas.microsoft.com/office/powerpoint/2010/main" val="313167382"/>
+      </p:ext>
+    </p:extLst>
+  </p:cSld>
+  <p:clrMapOvr>
+    <a:masterClrMapping/>
+  </p:clrMapOvr>
+</p:notes>
+</file>
+
+<file path=ppt/notesSlides/notesSlide4.xml><?xml version="1.0" encoding="utf-8"?>
+<p:notes xmlns:a="http://schemas.openxmlformats.org/drawingml/2006/main" xmlns:r="http://schemas.openxmlformats.org/officeDocument/2006/relationships" xmlns:p="http://schemas.openxmlformats.org/presentationml/2006/main">
+  <p:cSld>
+    <p:spTree>
+      <p:nvGrpSpPr>
+        <p:cNvPr id="1" name=""/>
+        <p:cNvGrpSpPr/>
+        <p:nvPr/>
+      </p:nvGrpSpPr>
+      <p:grpSpPr>
+        <a:xfrm>
+          <a:off x="0" y="0"/>
+          <a:ext cx="0" cy="0"/>
+          <a:chOff x="0" y="0"/>
+          <a:chExt cx="0" cy="0"/>
+        </a:xfrm>
+      </p:grpSpPr>
+      <p:sp>
+        <p:nvSpPr>
+          <p:cNvPr id="2" name="Espace réservé de l'image des diapositives 1"/>
+          <p:cNvSpPr>
+            <a:spLocks noGrp="1" noRot="1" noChangeAspect="1"/>
+          </p:cNvSpPr>
+          <p:nvPr>
+            <p:ph type="sldImg"/>
+          </p:nvPr>
+        </p:nvSpPr>
+        <p:spPr/>
+      </p:sp>
+      <p:sp>
+        <p:nvSpPr>
+          <p:cNvPr id="3" name="Espace réservé des notes 2"/>
+          <p:cNvSpPr>
+            <a:spLocks noGrp="1"/>
+          </p:cNvSpPr>
+          <p:nvPr>
+            <p:ph type="body" idx="1"/>
+          </p:nvPr>
+        </p:nvSpPr>
+        <p:spPr/>
+        <p:txBody>
+          <a:bodyPr/>
+          <a:lstStyle/>
+          <a:p>
+            <a:endParaRPr lang="en-US" dirty="0"/>
+          </a:p>
+        </p:txBody>
+      </p:sp>
+      <p:sp>
+        <p:nvSpPr>
+          <p:cNvPr id="4" name="Espace réservé du numéro de diapositive 3"/>
+          <p:cNvSpPr>
+            <a:spLocks noGrp="1"/>
+          </p:cNvSpPr>
+          <p:nvPr>
+            <p:ph type="sldNum" sz="quarter" idx="10"/>
+          </p:nvPr>
+        </p:nvSpPr>
+        <p:spPr/>
+        <p:txBody>
+          <a:bodyPr/>
+          <a:lstStyle/>
+          <a:p>
+            <a:pPr>
+              <a:defRPr/>
+            </a:pPr>
+            <a:fld id="{FBCC3686-6725-4AFD-ADDC-6473F9C2C89C}" type="slidenum">
+              <a:rPr lang="fr-FR" smtClean="0"/>
+              <a:pPr>
+                <a:defRPr/>
+              </a:pPr>
+              <a:t>4</a:t>
+            </a:fld>
+            <a:endParaRPr lang="fr-FR" dirty="0"/>
+          </a:p>
+        </p:txBody>
+      </p:sp>
+    </p:spTree>
+    <p:extLst>
+      <p:ext uri="{BB962C8B-B14F-4D97-AF65-F5344CB8AC3E}">
         <p14:creationId xmlns:p14="http://schemas.microsoft.com/office/powerpoint/2010/main" val="4289980986"/>
       </p:ext>
     </p:extLst>
@@ -2860,7 +3319,121 @@
 </p:notes>
 </file>
 
-<file path=ppt/notesSlides/notesSlide4.xml><?xml version="1.0" encoding="utf-8"?>
+<file path=ppt/notesSlides/notesSlide5.xml><?xml version="1.0" encoding="utf-8"?>
+<p:notes xmlns:a="http://schemas.openxmlformats.org/drawingml/2006/main" xmlns:r="http://schemas.openxmlformats.org/officeDocument/2006/relationships" xmlns:p="http://schemas.openxmlformats.org/presentationml/2006/main">
+  <p:cSld>
+    <p:spTree>
+      <p:nvGrpSpPr>
+        <p:cNvPr id="1" name="">
+          <a:extLst>
+            <a:ext uri="{FF2B5EF4-FFF2-40B4-BE49-F238E27FC236}">
+              <a16:creationId xmlns:a16="http://schemas.microsoft.com/office/drawing/2014/main" id="{C082F820-C0FC-9B8E-8CCC-A71B8B1C36E8}"/>
+            </a:ext>
+          </a:extLst>
+        </p:cNvPr>
+        <p:cNvGrpSpPr/>
+        <p:nvPr/>
+      </p:nvGrpSpPr>
+      <p:grpSpPr>
+        <a:xfrm>
+          <a:off x="0" y="0"/>
+          <a:ext cx="0" cy="0"/>
+          <a:chOff x="0" y="0"/>
+          <a:chExt cx="0" cy="0"/>
+        </a:xfrm>
+      </p:grpSpPr>
+      <p:sp>
+        <p:nvSpPr>
+          <p:cNvPr id="2" name="Espace réservé de l'image des diapositives 1">
+            <a:extLst>
+              <a:ext uri="{FF2B5EF4-FFF2-40B4-BE49-F238E27FC236}">
+                <a16:creationId xmlns:a16="http://schemas.microsoft.com/office/drawing/2014/main" id="{F0024B4D-E257-0340-D6F6-391EAE951FB6}"/>
+              </a:ext>
+            </a:extLst>
+          </p:cNvPr>
+          <p:cNvSpPr>
+            <a:spLocks noGrp="1" noRot="1" noChangeAspect="1"/>
+          </p:cNvSpPr>
+          <p:nvPr>
+            <p:ph type="sldImg"/>
+          </p:nvPr>
+        </p:nvSpPr>
+        <p:spPr/>
+      </p:sp>
+      <p:sp>
+        <p:nvSpPr>
+          <p:cNvPr id="3" name="Espace réservé des notes 2">
+            <a:extLst>
+              <a:ext uri="{FF2B5EF4-FFF2-40B4-BE49-F238E27FC236}">
+                <a16:creationId xmlns:a16="http://schemas.microsoft.com/office/drawing/2014/main" id="{50965AC1-561C-3CF4-5EEB-B396BD9D8695}"/>
+              </a:ext>
+            </a:extLst>
+          </p:cNvPr>
+          <p:cNvSpPr>
+            <a:spLocks noGrp="1"/>
+          </p:cNvSpPr>
+          <p:nvPr>
+            <p:ph type="body" idx="1"/>
+          </p:nvPr>
+        </p:nvSpPr>
+        <p:spPr/>
+        <p:txBody>
+          <a:bodyPr/>
+          <a:lstStyle/>
+          <a:p>
+            <a:endParaRPr lang="en-US" dirty="0"/>
+          </a:p>
+        </p:txBody>
+      </p:sp>
+      <p:sp>
+        <p:nvSpPr>
+          <p:cNvPr id="4" name="Espace réservé du numéro de diapositive 3">
+            <a:extLst>
+              <a:ext uri="{FF2B5EF4-FFF2-40B4-BE49-F238E27FC236}">
+                <a16:creationId xmlns:a16="http://schemas.microsoft.com/office/drawing/2014/main" id="{85F2E8D3-6848-6A24-F8C1-84799CFA8E39}"/>
+              </a:ext>
+            </a:extLst>
+          </p:cNvPr>
+          <p:cNvSpPr>
+            <a:spLocks noGrp="1"/>
+          </p:cNvSpPr>
+          <p:nvPr>
+            <p:ph type="sldNum" sz="quarter" idx="10"/>
+          </p:nvPr>
+        </p:nvSpPr>
+        <p:spPr/>
+        <p:txBody>
+          <a:bodyPr/>
+          <a:lstStyle/>
+          <a:p>
+            <a:pPr>
+              <a:defRPr/>
+            </a:pPr>
+            <a:fld id="{FBCC3686-6725-4AFD-ADDC-6473F9C2C89C}" type="slidenum">
+              <a:rPr lang="fr-FR" smtClean="0"/>
+              <a:pPr>
+                <a:defRPr/>
+              </a:pPr>
+              <a:t>5</a:t>
+            </a:fld>
+            <a:endParaRPr lang="fr-FR" dirty="0"/>
+          </a:p>
+        </p:txBody>
+      </p:sp>
+    </p:spTree>
+    <p:extLst>
+      <p:ext uri="{BB962C8B-B14F-4D97-AF65-F5344CB8AC3E}">
+        <p14:creationId xmlns:p14="http://schemas.microsoft.com/office/powerpoint/2010/main" val="222948143"/>
+      </p:ext>
+    </p:extLst>
+  </p:cSld>
+  <p:clrMapOvr>
+    <a:masterClrMapping/>
+  </p:clrMapOvr>
+</p:notes>
+</file>
+
+<file path=ppt/notesSlides/notesSlide6.xml><?xml version="1.0" encoding="utf-8"?>
 <p:notes xmlns:a="http://schemas.openxmlformats.org/drawingml/2006/main" xmlns:r="http://schemas.openxmlformats.org/officeDocument/2006/relationships" xmlns:p="http://schemas.openxmlformats.org/presentationml/2006/main">
   <p:cSld>
     <p:spTree>
@@ -2955,7 +3528,7 @@
               <a:pPr>
                 <a:defRPr/>
               </a:pPr>
-              <a:t>4</a:t>
+              <a:t>6</a:t>
             </a:fld>
             <a:endParaRPr lang="fr-FR" dirty="0"/>
           </a:p>
@@ -2974,7 +3547,7 @@
 </p:notes>
 </file>
 
-<file path=ppt/notesSlides/notesSlide5.xml><?xml version="1.0" encoding="utf-8"?>
+<file path=ppt/notesSlides/notesSlide7.xml><?xml version="1.0" encoding="utf-8"?>
 <p:notes xmlns:a="http://schemas.openxmlformats.org/drawingml/2006/main" xmlns:r="http://schemas.openxmlformats.org/officeDocument/2006/relationships" xmlns:p="http://schemas.openxmlformats.org/presentationml/2006/main">
   <p:cSld>
     <p:spTree>
@@ -3045,7 +3618,7 @@
               <a:pPr>
                 <a:defRPr/>
               </a:pPr>
-              <a:t>5</a:t>
+              <a:t>7</a:t>
             </a:fld>
             <a:endParaRPr lang="fr-FR" dirty="0"/>
           </a:p>
@@ -3064,7 +3637,7 @@
 </p:notes>
 </file>
 
-<file path=ppt/notesSlides/notesSlide6.xml><?xml version="1.0" encoding="utf-8"?>
+<file path=ppt/notesSlides/notesSlide8.xml><?xml version="1.0" encoding="utf-8"?>
 <p:notes xmlns:a="http://schemas.openxmlformats.org/drawingml/2006/main" xmlns:r="http://schemas.openxmlformats.org/officeDocument/2006/relationships" xmlns:p="http://schemas.openxmlformats.org/presentationml/2006/main">
   <p:cSld>
     <p:spTree>
@@ -3159,7 +3732,7 @@
               <a:pPr>
                 <a:defRPr/>
               </a:pPr>
-              <a:t>6</a:t>
+              <a:t>8</a:t>
             </a:fld>
             <a:endParaRPr lang="fr-FR" dirty="0"/>
           </a:p>
@@ -3178,7 +3751,7 @@
 </p:notes>
 </file>
 
-<file path=ppt/notesSlides/notesSlide7.xml><?xml version="1.0" encoding="utf-8"?>
+<file path=ppt/notesSlides/notesSlide9.xml><?xml version="1.0" encoding="utf-8"?>
 <p:notes xmlns:a="http://schemas.openxmlformats.org/drawingml/2006/main" xmlns:r="http://schemas.openxmlformats.org/officeDocument/2006/relationships" xmlns:p="http://schemas.openxmlformats.org/presentationml/2006/main">
   <p:cSld>
     <p:spTree>
@@ -3273,7 +3846,7 @@
               <a:pPr>
                 <a:defRPr/>
               </a:pPr>
-              <a:t>7</a:t>
+              <a:t>9</a:t>
             </a:fld>
             <a:endParaRPr lang="fr-FR" dirty="0"/>
           </a:p>
@@ -3283,234 +3856,6 @@
     <p:extLst>
       <p:ext uri="{BB962C8B-B14F-4D97-AF65-F5344CB8AC3E}">
         <p14:creationId xmlns:p14="http://schemas.microsoft.com/office/powerpoint/2010/main" val="2100352485"/>
-      </p:ext>
-    </p:extLst>
-  </p:cSld>
-  <p:clrMapOvr>
-    <a:masterClrMapping/>
-  </p:clrMapOvr>
-</p:notes>
-</file>
-
-<file path=ppt/notesSlides/notesSlide8.xml><?xml version="1.0" encoding="utf-8"?>
-<p:notes xmlns:a="http://schemas.openxmlformats.org/drawingml/2006/main" xmlns:r="http://schemas.openxmlformats.org/officeDocument/2006/relationships" xmlns:p="http://schemas.openxmlformats.org/presentationml/2006/main">
-  <p:cSld>
-    <p:spTree>
-      <p:nvGrpSpPr>
-        <p:cNvPr id="1" name="">
-          <a:extLst>
-            <a:ext uri="{FF2B5EF4-FFF2-40B4-BE49-F238E27FC236}">
-              <a16:creationId xmlns:a16="http://schemas.microsoft.com/office/drawing/2014/main" id="{C1B6F00F-37DE-6B24-EE19-4B410D25CDF6}"/>
-            </a:ext>
-          </a:extLst>
-        </p:cNvPr>
-        <p:cNvGrpSpPr/>
-        <p:nvPr/>
-      </p:nvGrpSpPr>
-      <p:grpSpPr>
-        <a:xfrm>
-          <a:off x="0" y="0"/>
-          <a:ext cx="0" cy="0"/>
-          <a:chOff x="0" y="0"/>
-          <a:chExt cx="0" cy="0"/>
-        </a:xfrm>
-      </p:grpSpPr>
-      <p:sp>
-        <p:nvSpPr>
-          <p:cNvPr id="2" name="Espace réservé de l'image des diapositives 1">
-            <a:extLst>
-              <a:ext uri="{FF2B5EF4-FFF2-40B4-BE49-F238E27FC236}">
-                <a16:creationId xmlns:a16="http://schemas.microsoft.com/office/drawing/2014/main" id="{B0A2156B-1D63-5A0C-AEEC-C2654EFDD4F5}"/>
-              </a:ext>
-            </a:extLst>
-          </p:cNvPr>
-          <p:cNvSpPr>
-            <a:spLocks noGrp="1" noRot="1" noChangeAspect="1"/>
-          </p:cNvSpPr>
-          <p:nvPr>
-            <p:ph type="sldImg"/>
-          </p:nvPr>
-        </p:nvSpPr>
-        <p:spPr/>
-      </p:sp>
-      <p:sp>
-        <p:nvSpPr>
-          <p:cNvPr id="3" name="Espace réservé des notes 2">
-            <a:extLst>
-              <a:ext uri="{FF2B5EF4-FFF2-40B4-BE49-F238E27FC236}">
-                <a16:creationId xmlns:a16="http://schemas.microsoft.com/office/drawing/2014/main" id="{729C2335-EF69-4510-C418-3C1C4D7E72A0}"/>
-              </a:ext>
-            </a:extLst>
-          </p:cNvPr>
-          <p:cNvSpPr>
-            <a:spLocks noGrp="1"/>
-          </p:cNvSpPr>
-          <p:nvPr>
-            <p:ph type="body" idx="1"/>
-          </p:nvPr>
-        </p:nvSpPr>
-        <p:spPr/>
-        <p:txBody>
-          <a:bodyPr/>
-          <a:lstStyle/>
-          <a:p>
-            <a:endParaRPr lang="en-US" dirty="0"/>
-          </a:p>
-        </p:txBody>
-      </p:sp>
-      <p:sp>
-        <p:nvSpPr>
-          <p:cNvPr id="4" name="Espace réservé du numéro de diapositive 3">
-            <a:extLst>
-              <a:ext uri="{FF2B5EF4-FFF2-40B4-BE49-F238E27FC236}">
-                <a16:creationId xmlns:a16="http://schemas.microsoft.com/office/drawing/2014/main" id="{2EB8AA3F-CCF8-C399-B0B9-55E839C6D743}"/>
-              </a:ext>
-            </a:extLst>
-          </p:cNvPr>
-          <p:cNvSpPr>
-            <a:spLocks noGrp="1"/>
-          </p:cNvSpPr>
-          <p:nvPr>
-            <p:ph type="sldNum" sz="quarter" idx="10"/>
-          </p:nvPr>
-        </p:nvSpPr>
-        <p:spPr/>
-        <p:txBody>
-          <a:bodyPr/>
-          <a:lstStyle/>
-          <a:p>
-            <a:pPr>
-              <a:defRPr/>
-            </a:pPr>
-            <a:fld id="{FBCC3686-6725-4AFD-ADDC-6473F9C2C89C}" type="slidenum">
-              <a:rPr lang="fr-FR" smtClean="0"/>
-              <a:pPr>
-                <a:defRPr/>
-              </a:pPr>
-              <a:t>8</a:t>
-            </a:fld>
-            <a:endParaRPr lang="fr-FR" dirty="0"/>
-          </a:p>
-        </p:txBody>
-      </p:sp>
-    </p:spTree>
-    <p:extLst>
-      <p:ext uri="{BB962C8B-B14F-4D97-AF65-F5344CB8AC3E}">
-        <p14:creationId xmlns:p14="http://schemas.microsoft.com/office/powerpoint/2010/main" val="3277984508"/>
-      </p:ext>
-    </p:extLst>
-  </p:cSld>
-  <p:clrMapOvr>
-    <a:masterClrMapping/>
-  </p:clrMapOvr>
-</p:notes>
-</file>
-
-<file path=ppt/notesSlides/notesSlide9.xml><?xml version="1.0" encoding="utf-8"?>
-<p:notes xmlns:a="http://schemas.openxmlformats.org/drawingml/2006/main" xmlns:r="http://schemas.openxmlformats.org/officeDocument/2006/relationships" xmlns:p="http://schemas.openxmlformats.org/presentationml/2006/main">
-  <p:cSld>
-    <p:spTree>
-      <p:nvGrpSpPr>
-        <p:cNvPr id="1" name="">
-          <a:extLst>
-            <a:ext uri="{FF2B5EF4-FFF2-40B4-BE49-F238E27FC236}">
-              <a16:creationId xmlns:a16="http://schemas.microsoft.com/office/drawing/2014/main" id="{704D710E-3EB3-9F9C-8877-37ED8464C3A7}"/>
-            </a:ext>
-          </a:extLst>
-        </p:cNvPr>
-        <p:cNvGrpSpPr/>
-        <p:nvPr/>
-      </p:nvGrpSpPr>
-      <p:grpSpPr>
-        <a:xfrm>
-          <a:off x="0" y="0"/>
-          <a:ext cx="0" cy="0"/>
-          <a:chOff x="0" y="0"/>
-          <a:chExt cx="0" cy="0"/>
-        </a:xfrm>
-      </p:grpSpPr>
-      <p:sp>
-        <p:nvSpPr>
-          <p:cNvPr id="2" name="Espace réservé de l'image des diapositives 1">
-            <a:extLst>
-              <a:ext uri="{FF2B5EF4-FFF2-40B4-BE49-F238E27FC236}">
-                <a16:creationId xmlns:a16="http://schemas.microsoft.com/office/drawing/2014/main" id="{A81CEA2C-07CE-A211-1616-1B0BFF4CB62A}"/>
-              </a:ext>
-            </a:extLst>
-          </p:cNvPr>
-          <p:cNvSpPr>
-            <a:spLocks noGrp="1" noRot="1" noChangeAspect="1"/>
-          </p:cNvSpPr>
-          <p:nvPr>
-            <p:ph type="sldImg"/>
-          </p:nvPr>
-        </p:nvSpPr>
-        <p:spPr/>
-      </p:sp>
-      <p:sp>
-        <p:nvSpPr>
-          <p:cNvPr id="3" name="Espace réservé des notes 2">
-            <a:extLst>
-              <a:ext uri="{FF2B5EF4-FFF2-40B4-BE49-F238E27FC236}">
-                <a16:creationId xmlns:a16="http://schemas.microsoft.com/office/drawing/2014/main" id="{50E3EC90-895B-247D-2DB5-972BAE6D50C6}"/>
-              </a:ext>
-            </a:extLst>
-          </p:cNvPr>
-          <p:cNvSpPr>
-            <a:spLocks noGrp="1"/>
-          </p:cNvSpPr>
-          <p:nvPr>
-            <p:ph type="body" idx="1"/>
-          </p:nvPr>
-        </p:nvSpPr>
-        <p:spPr/>
-        <p:txBody>
-          <a:bodyPr/>
-          <a:lstStyle/>
-          <a:p>
-            <a:endParaRPr lang="en-US" dirty="0"/>
-          </a:p>
-        </p:txBody>
-      </p:sp>
-      <p:sp>
-        <p:nvSpPr>
-          <p:cNvPr id="4" name="Espace réservé du numéro de diapositive 3">
-            <a:extLst>
-              <a:ext uri="{FF2B5EF4-FFF2-40B4-BE49-F238E27FC236}">
-                <a16:creationId xmlns:a16="http://schemas.microsoft.com/office/drawing/2014/main" id="{A51D2995-59E4-4C17-C7F8-D58AA096387A}"/>
-              </a:ext>
-            </a:extLst>
-          </p:cNvPr>
-          <p:cNvSpPr>
-            <a:spLocks noGrp="1"/>
-          </p:cNvSpPr>
-          <p:nvPr>
-            <p:ph type="sldNum" sz="quarter" idx="10"/>
-          </p:nvPr>
-        </p:nvSpPr>
-        <p:spPr/>
-        <p:txBody>
-          <a:bodyPr/>
-          <a:lstStyle/>
-          <a:p>
-            <a:pPr>
-              <a:defRPr/>
-            </a:pPr>
-            <a:fld id="{FBCC3686-6725-4AFD-ADDC-6473F9C2C89C}" type="slidenum">
-              <a:rPr lang="fr-FR" smtClean="0"/>
-              <a:pPr>
-                <a:defRPr/>
-              </a:pPr>
-              <a:t>9</a:t>
-            </a:fld>
-            <a:endParaRPr lang="fr-FR" dirty="0"/>
-          </a:p>
-        </p:txBody>
-      </p:sp>
-    </p:spTree>
-    <p:extLst>
-      <p:ext uri="{BB962C8B-B14F-4D97-AF65-F5344CB8AC3E}">
-        <p14:creationId xmlns:p14="http://schemas.microsoft.com/office/powerpoint/2010/main" val="147115478"/>
       </p:ext>
     </p:extLst>
   </p:cSld>
@@ -4247,187 +4592,6 @@
     <p:extLst>
       <p:ext uri="{BB962C8B-B14F-4D97-AF65-F5344CB8AC3E}">
         <p14:creationId xmlns:p14="http://schemas.microsoft.com/office/powerpoint/2010/main" val="71849139"/>
-      </p:ext>
-    </p:extLst>
-  </p:cSld>
-  <p:clrMapOvr>
-    <a:masterClrMapping/>
-  </p:clrMapOvr>
-</p:sldLayout>
-</file>
-
-<file path=ppt/slideLayouts/slideLayout14.xml><?xml version="1.0" encoding="utf-8"?>
-<p:sldLayout xmlns:a="http://schemas.openxmlformats.org/drawingml/2006/main" xmlns:r="http://schemas.openxmlformats.org/officeDocument/2006/relationships" xmlns:p="http://schemas.openxmlformats.org/presentationml/2006/main" userDrawn="1">
-  <p:cSld name="First slide_introduction">
-    <p:spTree>
-      <p:nvGrpSpPr>
-        <p:cNvPr id="1" name=""/>
-        <p:cNvGrpSpPr/>
-        <p:nvPr/>
-      </p:nvGrpSpPr>
-      <p:grpSpPr>
-        <a:xfrm>
-          <a:off x="0" y="0"/>
-          <a:ext cx="0" cy="0"/>
-          <a:chOff x="0" y="0"/>
-          <a:chExt cx="0" cy="0"/>
-        </a:xfrm>
-      </p:grpSpPr>
-      <p:pic>
-        <p:nvPicPr>
-          <p:cNvPr id="3" name="Picture 2"/>
-          <p:cNvPicPr>
-            <a:picLocks noChangeAspect="1"/>
-          </p:cNvPicPr>
-          <p:nvPr userDrawn="1"/>
-        </p:nvPicPr>
-        <p:blipFill>
-          <a:blip r:embed="rId2">
-            <a:extLst>
-              <a:ext uri="{28A0092B-C50C-407E-A947-70E740481C1C}">
-                <a14:useLocalDpi xmlns:a14="http://schemas.microsoft.com/office/drawing/2010/main" val="0"/>
-              </a:ext>
-            </a:extLst>
-          </a:blip>
-          <a:stretch>
-            <a:fillRect/>
-          </a:stretch>
-        </p:blipFill>
-        <p:spPr>
-          <a:xfrm>
-            <a:off x="0" y="0"/>
-            <a:ext cx="9144000" cy="6858000"/>
-          </a:xfrm>
-          <a:prstGeom prst="rect">
-            <a:avLst/>
-          </a:prstGeom>
-        </p:spPr>
-      </p:pic>
-      <p:pic>
-        <p:nvPicPr>
-          <p:cNvPr id="4" name="Picture 3"/>
-          <p:cNvPicPr>
-            <a:picLocks noChangeAspect="1"/>
-          </p:cNvPicPr>
-          <p:nvPr userDrawn="1"/>
-        </p:nvPicPr>
-        <p:blipFill>
-          <a:blip r:embed="rId3">
-            <a:extLst>
-              <a:ext uri="{28A0092B-C50C-407E-A947-70E740481C1C}">
-                <a14:useLocalDpi xmlns:a14="http://schemas.microsoft.com/office/drawing/2010/main" val="0"/>
-              </a:ext>
-            </a:extLst>
-          </a:blip>
-          <a:stretch>
-            <a:fillRect/>
-          </a:stretch>
-        </p:blipFill>
-        <p:spPr>
-          <a:xfrm>
-            <a:off x="7597825" y="5845629"/>
-            <a:ext cx="1286882" cy="772129"/>
-          </a:xfrm>
-          <a:prstGeom prst="rect">
-            <a:avLst/>
-          </a:prstGeom>
-        </p:spPr>
-      </p:pic>
-      <p:sp>
-        <p:nvSpPr>
-          <p:cNvPr id="9" name="TextBox 8"/>
-          <p:cNvSpPr txBox="1"/>
-          <p:nvPr userDrawn="1"/>
-        </p:nvSpPr>
-        <p:spPr>
-          <a:xfrm>
-            <a:off x="2948491" y="2482056"/>
-            <a:ext cx="5936216" cy="941387"/>
-          </a:xfrm>
-          <a:prstGeom prst="rect">
-            <a:avLst/>
-          </a:prstGeom>
-          <a:noFill/>
-        </p:spPr>
-        <p:txBody>
-          <a:bodyPr wrap="square" lIns="90000" tIns="46800" rIns="90000" bIns="46800" rtlCol="0" anchor="t" anchorCtr="0">
-            <a:noAutofit/>
-          </a:bodyPr>
-          <a:lstStyle/>
-          <a:p>
-            <a:pPr>
-              <a:lnSpc>
-                <a:spcPct val="90000"/>
-              </a:lnSpc>
-            </a:pPr>
-            <a:r>
-              <a:rPr lang="en-US" sz="6000" dirty="0">
-                <a:latin typeface="Arial" panose="020B0604020202020204" pitchFamily="34" charset="0"/>
-                <a:cs typeface="Arial" panose="020B0604020202020204" pitchFamily="34" charset="0"/>
-              </a:rPr>
-              <a:t>&lt;Presentation</a:t>
-            </a:r>
-            <a:br>
-              <a:rPr lang="en-US" sz="6000" dirty="0">
-                <a:latin typeface="Arial" panose="020B0604020202020204" pitchFamily="34" charset="0"/>
-                <a:cs typeface="Arial" panose="020B0604020202020204" pitchFamily="34" charset="0"/>
-              </a:rPr>
-            </a:br>
-            <a:r>
-              <a:rPr lang="en-US" sz="6000" dirty="0">
-                <a:latin typeface="Arial" panose="020B0604020202020204" pitchFamily="34" charset="0"/>
-                <a:cs typeface="Arial" panose="020B0604020202020204" pitchFamily="34" charset="0"/>
-              </a:rPr>
-              <a:t>Title&gt;</a:t>
-            </a:r>
-            <a:endParaRPr lang="en-US" sz="4400" dirty="0">
-              <a:latin typeface="Arial" pitchFamily="34" charset="0"/>
-              <a:cs typeface="Arial" pitchFamily="34" charset="0"/>
-            </a:endParaRPr>
-          </a:p>
-        </p:txBody>
-      </p:sp>
-      <p:sp>
-        <p:nvSpPr>
-          <p:cNvPr id="10" name="TextBox 9"/>
-          <p:cNvSpPr txBox="1"/>
-          <p:nvPr userDrawn="1"/>
-        </p:nvSpPr>
-        <p:spPr>
-          <a:xfrm>
-            <a:off x="2950281" y="4151287"/>
-            <a:ext cx="2525361" cy="409955"/>
-          </a:xfrm>
-          <a:prstGeom prst="rect">
-            <a:avLst/>
-          </a:prstGeom>
-          <a:noFill/>
-        </p:spPr>
-        <p:txBody>
-          <a:bodyPr wrap="square" lIns="90000" tIns="46800" rIns="90000" bIns="46800" rtlCol="0" anchor="t" anchorCtr="0">
-            <a:noAutofit/>
-          </a:bodyPr>
-          <a:lstStyle/>
-          <a:p>
-            <a:pPr>
-              <a:lnSpc>
-                <a:spcPct val="90000"/>
-              </a:lnSpc>
-            </a:pPr>
-            <a:r>
-              <a:rPr lang="en-US" sz="2000" dirty="0">
-                <a:latin typeface="Arial" panose="020B0604020202020204" pitchFamily="34" charset="0"/>
-                <a:cs typeface="Arial" panose="020B0604020202020204" pitchFamily="34" charset="0"/>
-              </a:rPr>
-              <a:t>&lt;Subtitle&gt;</a:t>
-            </a:r>
-          </a:p>
-        </p:txBody>
-      </p:sp>
-    </p:spTree>
-    <p:extLst>
-      <p:ext uri="{BB962C8B-B14F-4D97-AF65-F5344CB8AC3E}">
-        <p14:creationId xmlns:p14="http://schemas.microsoft.com/office/powerpoint/2010/main" val="2852762224"/>
       </p:ext>
     </p:extLst>
   </p:cSld>
@@ -7377,7 +7541,6 @@
   <p:sldLayoutIdLst>
     <p:sldLayoutId id="2147485425" r:id="rId1"/>
     <p:sldLayoutId id="2147485432" r:id="rId2"/>
-    <p:sldLayoutId id="2147485431" r:id="rId3"/>
   </p:sldLayoutIdLst>
   <p:txStyles>
     <p:titleStyle>
@@ -7818,6 +7981,652 @@
         <p:cNvPr id="1" name="">
           <a:extLst>
             <a:ext uri="{FF2B5EF4-FFF2-40B4-BE49-F238E27FC236}">
+              <a16:creationId xmlns:a16="http://schemas.microsoft.com/office/drawing/2014/main" id="{5B3FB07E-151B-E113-AD43-3FD6AD62B700}"/>
+            </a:ext>
+          </a:extLst>
+        </p:cNvPr>
+        <p:cNvGrpSpPr/>
+        <p:nvPr/>
+      </p:nvGrpSpPr>
+      <p:grpSpPr>
+        <a:xfrm>
+          <a:off x="0" y="0"/>
+          <a:ext cx="0" cy="0"/>
+          <a:chOff x="0" y="0"/>
+          <a:chExt cx="0" cy="0"/>
+        </a:xfrm>
+      </p:grpSpPr>
+      <p:sp>
+        <p:nvSpPr>
+          <p:cNvPr id="6" name="Title 5">
+            <a:extLst>
+              <a:ext uri="{FF2B5EF4-FFF2-40B4-BE49-F238E27FC236}">
+                <a16:creationId xmlns:a16="http://schemas.microsoft.com/office/drawing/2014/main" id="{130739AA-470D-0B16-0F28-5105E2F530E0}"/>
+              </a:ext>
+            </a:extLst>
+          </p:cNvPr>
+          <p:cNvSpPr>
+            <a:spLocks noGrp="1"/>
+          </p:cNvSpPr>
+          <p:nvPr>
+            <p:ph type="title"/>
+          </p:nvPr>
+        </p:nvSpPr>
+        <p:spPr/>
+        <p:txBody>
+          <a:bodyPr/>
+          <a:lstStyle/>
+          <a:p>
+            <a:r>
+              <a:rPr lang="fr-FR" dirty="0" err="1"/>
+              <a:t>I-nterface</a:t>
+            </a:r>
+            <a:r>
+              <a:rPr lang="fr-FR" dirty="0"/>
+              <a:t> </a:t>
+            </a:r>
+            <a:r>
+              <a:rPr lang="fr-FR" dirty="0" err="1"/>
+              <a:t>Segregation</a:t>
+            </a:r>
+            <a:r>
+              <a:rPr lang="fr-FR" dirty="0"/>
+              <a:t> </a:t>
+            </a:r>
+            <a:r>
+              <a:rPr lang="fr-FR" dirty="0" err="1"/>
+              <a:t>Principle</a:t>
+            </a:r>
+            <a:r>
+              <a:rPr lang="fr-FR" dirty="0"/>
+              <a:t> (ISP)</a:t>
+            </a:r>
+            <a:br>
+              <a:rPr lang="fr-FR" dirty="0"/>
+            </a:br>
+            <a:br>
+              <a:rPr lang="fr-FR" dirty="0"/>
+            </a:br>
+            <a:endParaRPr lang="fr-FR" dirty="0"/>
+          </a:p>
+        </p:txBody>
+      </p:sp>
+      <p:sp>
+        <p:nvSpPr>
+          <p:cNvPr id="7" name="Rectangle 3">
+            <a:extLst>
+              <a:ext uri="{FF2B5EF4-FFF2-40B4-BE49-F238E27FC236}">
+                <a16:creationId xmlns:a16="http://schemas.microsoft.com/office/drawing/2014/main" id="{20B50B99-EEB3-8EAF-48E3-E816770CCF87}"/>
+              </a:ext>
+            </a:extLst>
+          </p:cNvPr>
+          <p:cNvSpPr>
+            <a:spLocks noGrp="1" noChangeArrowheads="1"/>
+          </p:cNvSpPr>
+          <p:nvPr>
+            <p:ph type="body" sz="half" idx="2"/>
+          </p:nvPr>
+        </p:nvSpPr>
+        <p:spPr>
+          <a:xfrm>
+            <a:off x="285749" y="1082188"/>
+            <a:ext cx="8518282" cy="5457157"/>
+          </a:xfrm>
+        </p:spPr>
+        <p:txBody>
+          <a:bodyPr/>
+          <a:lstStyle/>
+          <a:p>
+            <a:pPr marL="285750" indent="-285750" algn="just">
+              <a:buFont typeface="Arial" panose="020B0604020202020204" pitchFamily="34" charset="0"/>
+              <a:buChar char="•"/>
+            </a:pPr>
+            <a:endParaRPr lang="fr-FR" dirty="0">
+              <a:solidFill>
+                <a:schemeClr val="tx1"/>
+              </a:solidFill>
+            </a:endParaRPr>
+          </a:p>
+          <a:p>
+            <a:pPr marL="285750" indent="-285750" algn="just">
+              <a:buFont typeface="Arial" panose="020B0604020202020204" pitchFamily="34" charset="0"/>
+              <a:buChar char="•"/>
+            </a:pPr>
+            <a:r>
+              <a:rPr lang="fr-FR" dirty="0">
+                <a:solidFill>
+                  <a:schemeClr val="tx1"/>
+                </a:solidFill>
+              </a:rPr>
+              <a:t>Interface </a:t>
+            </a:r>
+            <a:r>
+              <a:rPr lang="fr-FR" dirty="0" err="1">
+                <a:solidFill>
+                  <a:schemeClr val="tx1"/>
+                </a:solidFill>
+              </a:rPr>
+              <a:t>Segregation</a:t>
+            </a:r>
+            <a:endParaRPr lang="fr-FR" dirty="0">
+              <a:solidFill>
+                <a:schemeClr val="tx1"/>
+              </a:solidFill>
+            </a:endParaRPr>
+          </a:p>
+          <a:p>
+            <a:pPr marL="285750" indent="-285750" algn="just">
+              <a:buFont typeface="Arial" panose="020B0604020202020204" pitchFamily="34" charset="0"/>
+              <a:buChar char="•"/>
+            </a:pPr>
+            <a:endParaRPr lang="fr-FR" dirty="0">
+              <a:solidFill>
+                <a:schemeClr val="tx1"/>
+              </a:solidFill>
+            </a:endParaRPr>
+          </a:p>
+          <a:p>
+            <a:pPr marL="285750" indent="-285750" algn="just">
+              <a:buFont typeface="Arial" panose="020B0604020202020204" pitchFamily="34" charset="0"/>
+              <a:buChar char="•"/>
+            </a:pPr>
+            <a:r>
+              <a:rPr lang="fr-FR" dirty="0">
+                <a:solidFill>
+                  <a:schemeClr val="tx1"/>
+                </a:solidFill>
+              </a:rPr>
+              <a:t>Une classe implémentant une interface doit avoir l'utilité de toutes les éléments définis dans cette même interface.</a:t>
+            </a:r>
+            <a:endParaRPr lang="fr-FR" dirty="0"/>
+          </a:p>
+          <a:p>
+            <a:pPr marL="914400" lvl="1" indent="-285750" algn="just"/>
+            <a:endParaRPr lang="fr-FR" dirty="0"/>
+          </a:p>
+          <a:p>
+            <a:pPr marL="285750" indent="-285750" algn="just"/>
+            <a:endParaRPr lang="fr-FR" dirty="0"/>
+          </a:p>
+          <a:p>
+            <a:pPr marL="914400" lvl="1" indent="-285750" algn="just"/>
+            <a:endParaRPr lang="fr-FR" dirty="0">
+              <a:solidFill>
+                <a:schemeClr val="tx1"/>
+              </a:solidFill>
+            </a:endParaRPr>
+          </a:p>
+          <a:p>
+            <a:pPr marL="914400" lvl="1" indent="-285750" algn="just"/>
+            <a:endParaRPr lang="fr-FR" dirty="0"/>
+          </a:p>
+          <a:p>
+            <a:pPr marL="285750" indent="-285750" algn="just"/>
+            <a:endParaRPr lang="fr-FR" dirty="0"/>
+          </a:p>
+          <a:p>
+            <a:pPr marL="285750" indent="-285750" algn="just"/>
+            <a:endParaRPr lang="fr-FR" dirty="0"/>
+          </a:p>
+          <a:p>
+            <a:pPr marL="285750" indent="-285750" algn="just"/>
+            <a:endParaRPr lang="fr-FR" dirty="0"/>
+          </a:p>
+          <a:p>
+            <a:pPr marL="914400" lvl="1" indent="-285750" algn="just"/>
+            <a:endParaRPr lang="fr-FR" dirty="0"/>
+          </a:p>
+          <a:p>
+            <a:pPr marL="914400" lvl="1" indent="-285750" algn="just"/>
+            <a:endParaRPr lang="fr-FR" dirty="0">
+              <a:solidFill>
+                <a:schemeClr val="tx1"/>
+              </a:solidFill>
+            </a:endParaRPr>
+          </a:p>
+          <a:p>
+            <a:pPr marL="285750" indent="-285750" algn="just">
+              <a:buFont typeface="Arial" panose="020B0604020202020204" pitchFamily="34" charset="0"/>
+              <a:buChar char="•"/>
+            </a:pPr>
+            <a:endParaRPr lang="fr-FR" dirty="0">
+              <a:solidFill>
+                <a:schemeClr val="tx1"/>
+              </a:solidFill>
+            </a:endParaRPr>
+          </a:p>
+          <a:p>
+            <a:pPr algn="just"/>
+            <a:endParaRPr lang="fr-FR" dirty="0"/>
+          </a:p>
+          <a:p>
+            <a:pPr marL="457200" lvl="1" indent="0" algn="just">
+              <a:buNone/>
+            </a:pPr>
+            <a:endParaRPr lang="fr-FR" dirty="0"/>
+          </a:p>
+        </p:txBody>
+      </p:sp>
+    </p:spTree>
+    <p:extLst>
+      <p:ext uri="{BB962C8B-B14F-4D97-AF65-F5344CB8AC3E}">
+        <p14:creationId xmlns:p14="http://schemas.microsoft.com/office/powerpoint/2010/main" val="981680145"/>
+      </p:ext>
+    </p:extLst>
+  </p:cSld>
+  <p:clrMapOvr>
+    <a:masterClrMapping/>
+  </p:clrMapOvr>
+</p:sld>
+</file>
+
+<file path=ppt/slides/slide11.xml><?xml version="1.0" encoding="utf-8"?>
+<p:sld xmlns:a="http://schemas.openxmlformats.org/drawingml/2006/main" xmlns:r="http://schemas.openxmlformats.org/officeDocument/2006/relationships" xmlns:p="http://schemas.openxmlformats.org/presentationml/2006/main">
+  <p:cSld>
+    <p:spTree>
+      <p:nvGrpSpPr>
+        <p:cNvPr id="1" name="">
+          <a:extLst>
+            <a:ext uri="{FF2B5EF4-FFF2-40B4-BE49-F238E27FC236}">
+              <a16:creationId xmlns:a16="http://schemas.microsoft.com/office/drawing/2014/main" id="{C14EAAA9-9B3B-98CA-ED93-28B2FE217CC1}"/>
+            </a:ext>
+          </a:extLst>
+        </p:cNvPr>
+        <p:cNvGrpSpPr/>
+        <p:nvPr/>
+      </p:nvGrpSpPr>
+      <p:grpSpPr>
+        <a:xfrm>
+          <a:off x="0" y="0"/>
+          <a:ext cx="0" cy="0"/>
+          <a:chOff x="0" y="0"/>
+          <a:chExt cx="0" cy="0"/>
+        </a:xfrm>
+      </p:grpSpPr>
+      <p:sp>
+        <p:nvSpPr>
+          <p:cNvPr id="6" name="Title 5">
+            <a:extLst>
+              <a:ext uri="{FF2B5EF4-FFF2-40B4-BE49-F238E27FC236}">
+                <a16:creationId xmlns:a16="http://schemas.microsoft.com/office/drawing/2014/main" id="{A462C08C-C405-4601-7BDF-EAA60DD31DDA}"/>
+              </a:ext>
+            </a:extLst>
+          </p:cNvPr>
+          <p:cNvSpPr>
+            <a:spLocks noGrp="1"/>
+          </p:cNvSpPr>
+          <p:nvPr>
+            <p:ph type="title"/>
+          </p:nvPr>
+        </p:nvSpPr>
+        <p:spPr/>
+        <p:txBody>
+          <a:bodyPr/>
+          <a:lstStyle/>
+          <a:p>
+            <a:r>
+              <a:rPr lang="fr-FR" dirty="0"/>
+              <a:t>D-</a:t>
+            </a:r>
+            <a:r>
+              <a:rPr lang="fr-FR" dirty="0" err="1"/>
+              <a:t>ependency</a:t>
+            </a:r>
+            <a:r>
+              <a:rPr lang="fr-FR" dirty="0"/>
+              <a:t> Inversion </a:t>
+            </a:r>
+            <a:r>
+              <a:rPr lang="fr-FR" dirty="0" err="1"/>
+              <a:t>Principle</a:t>
+            </a:r>
+            <a:r>
+              <a:rPr lang="fr-FR" dirty="0"/>
+              <a:t> (DIP)</a:t>
+            </a:r>
+            <a:br>
+              <a:rPr lang="fr-FR" dirty="0"/>
+            </a:br>
+            <a:br>
+              <a:rPr lang="fr-FR" dirty="0"/>
+            </a:br>
+            <a:endParaRPr lang="fr-FR" dirty="0"/>
+          </a:p>
+        </p:txBody>
+      </p:sp>
+      <p:sp>
+        <p:nvSpPr>
+          <p:cNvPr id="7" name="Rectangle 3">
+            <a:extLst>
+              <a:ext uri="{FF2B5EF4-FFF2-40B4-BE49-F238E27FC236}">
+                <a16:creationId xmlns:a16="http://schemas.microsoft.com/office/drawing/2014/main" id="{D1885CAA-DA80-B196-5633-104F1F05FB18}"/>
+              </a:ext>
+            </a:extLst>
+          </p:cNvPr>
+          <p:cNvSpPr>
+            <a:spLocks noGrp="1" noChangeArrowheads="1"/>
+          </p:cNvSpPr>
+          <p:nvPr>
+            <p:ph type="body" sz="half" idx="2"/>
+          </p:nvPr>
+        </p:nvSpPr>
+        <p:spPr>
+          <a:xfrm>
+            <a:off x="285749" y="1082188"/>
+            <a:ext cx="8518282" cy="5457157"/>
+          </a:xfrm>
+        </p:spPr>
+        <p:txBody>
+          <a:bodyPr/>
+          <a:lstStyle/>
+          <a:p>
+            <a:pPr marL="285750" indent="-285750" algn="just">
+              <a:buFont typeface="Arial" panose="020B0604020202020204" pitchFamily="34" charset="0"/>
+              <a:buChar char="•"/>
+            </a:pPr>
+            <a:endParaRPr lang="fr-FR" dirty="0">
+              <a:solidFill>
+                <a:schemeClr val="tx1"/>
+              </a:solidFill>
+            </a:endParaRPr>
+          </a:p>
+          <a:p>
+            <a:pPr marL="285750" indent="-285750" algn="just">
+              <a:buFont typeface="Arial" panose="020B0604020202020204" pitchFamily="34" charset="0"/>
+              <a:buChar char="•"/>
+            </a:pPr>
+            <a:r>
+              <a:rPr lang="fr-FR" dirty="0">
+                <a:solidFill>
+                  <a:schemeClr val="tx1"/>
+                </a:solidFill>
+              </a:rPr>
+              <a:t>Inversion Of Control / </a:t>
+            </a:r>
+            <a:r>
+              <a:rPr lang="fr-FR" dirty="0" err="1">
+                <a:solidFill>
+                  <a:schemeClr val="tx1"/>
+                </a:solidFill>
+              </a:rPr>
+              <a:t>Dependency</a:t>
+            </a:r>
+            <a:r>
+              <a:rPr lang="fr-FR" dirty="0">
+                <a:solidFill>
+                  <a:schemeClr val="tx1"/>
+                </a:solidFill>
+              </a:rPr>
+              <a:t> Injection</a:t>
+            </a:r>
+          </a:p>
+          <a:p>
+            <a:pPr marL="285750" indent="-285750" algn="just">
+              <a:buFont typeface="Arial" panose="020B0604020202020204" pitchFamily="34" charset="0"/>
+              <a:buChar char="•"/>
+            </a:pPr>
+            <a:endParaRPr lang="fr-FR" dirty="0">
+              <a:solidFill>
+                <a:schemeClr val="tx1"/>
+              </a:solidFill>
+            </a:endParaRPr>
+          </a:p>
+          <a:p>
+            <a:pPr marL="285750" indent="-285750" algn="just">
+              <a:buFont typeface="Arial" panose="020B0604020202020204" pitchFamily="34" charset="0"/>
+              <a:buChar char="•"/>
+            </a:pPr>
+            <a:r>
+              <a:rPr lang="fr-FR" dirty="0">
+                <a:solidFill>
+                  <a:schemeClr val="tx1"/>
+                </a:solidFill>
+              </a:rPr>
+              <a:t>Il s'agit d'assurer un couplage faible entre le contrat d'utilisation d'un objet agrégé avec l'implémentation de ce même objet agrégé afin de pouvoir l'injecter.</a:t>
+            </a:r>
+            <a:endParaRPr lang="fr-FR" dirty="0"/>
+          </a:p>
+          <a:p>
+            <a:pPr marL="914400" lvl="1" indent="-285750" algn="just"/>
+            <a:endParaRPr lang="fr-FR" dirty="0"/>
+          </a:p>
+          <a:p>
+            <a:pPr marL="285750" indent="-285750" algn="just"/>
+            <a:endParaRPr lang="fr-FR" dirty="0"/>
+          </a:p>
+          <a:p>
+            <a:pPr marL="914400" lvl="1" indent="-285750" algn="just"/>
+            <a:endParaRPr lang="fr-FR" dirty="0">
+              <a:solidFill>
+                <a:schemeClr val="tx1"/>
+              </a:solidFill>
+            </a:endParaRPr>
+          </a:p>
+          <a:p>
+            <a:pPr marL="914400" lvl="1" indent="-285750" algn="just"/>
+            <a:endParaRPr lang="fr-FR" dirty="0"/>
+          </a:p>
+          <a:p>
+            <a:pPr marL="285750" indent="-285750" algn="just"/>
+            <a:endParaRPr lang="fr-FR" dirty="0"/>
+          </a:p>
+          <a:p>
+            <a:pPr marL="285750" indent="-285750" algn="just"/>
+            <a:endParaRPr lang="fr-FR" dirty="0"/>
+          </a:p>
+          <a:p>
+            <a:pPr marL="285750" indent="-285750" algn="just"/>
+            <a:endParaRPr lang="fr-FR" dirty="0"/>
+          </a:p>
+          <a:p>
+            <a:pPr marL="914400" lvl="1" indent="-285750" algn="just"/>
+            <a:endParaRPr lang="fr-FR" dirty="0"/>
+          </a:p>
+          <a:p>
+            <a:pPr marL="914400" lvl="1" indent="-285750" algn="just"/>
+            <a:endParaRPr lang="fr-FR" dirty="0">
+              <a:solidFill>
+                <a:schemeClr val="tx1"/>
+              </a:solidFill>
+            </a:endParaRPr>
+          </a:p>
+          <a:p>
+            <a:pPr marL="285750" indent="-285750" algn="just">
+              <a:buFont typeface="Arial" panose="020B0604020202020204" pitchFamily="34" charset="0"/>
+              <a:buChar char="•"/>
+            </a:pPr>
+            <a:endParaRPr lang="fr-FR" dirty="0">
+              <a:solidFill>
+                <a:schemeClr val="tx1"/>
+              </a:solidFill>
+            </a:endParaRPr>
+          </a:p>
+          <a:p>
+            <a:pPr algn="just"/>
+            <a:endParaRPr lang="fr-FR" dirty="0"/>
+          </a:p>
+          <a:p>
+            <a:pPr marL="457200" lvl="1" indent="0" algn="just">
+              <a:buNone/>
+            </a:pPr>
+            <a:endParaRPr lang="fr-FR" dirty="0"/>
+          </a:p>
+        </p:txBody>
+      </p:sp>
+    </p:spTree>
+    <p:extLst>
+      <p:ext uri="{BB962C8B-B14F-4D97-AF65-F5344CB8AC3E}">
+        <p14:creationId xmlns:p14="http://schemas.microsoft.com/office/powerpoint/2010/main" val="4107304474"/>
+      </p:ext>
+    </p:extLst>
+  </p:cSld>
+  <p:clrMapOvr>
+    <a:masterClrMapping/>
+  </p:clrMapOvr>
+</p:sld>
+</file>
+
+<file path=ppt/slides/slide12.xml><?xml version="1.0" encoding="utf-8"?>
+<p:sld xmlns:a="http://schemas.openxmlformats.org/drawingml/2006/main" xmlns:r="http://schemas.openxmlformats.org/officeDocument/2006/relationships" xmlns:p="http://schemas.openxmlformats.org/presentationml/2006/main">
+  <p:cSld>
+    <p:spTree>
+      <p:nvGrpSpPr>
+        <p:cNvPr id="1" name="">
+          <a:extLst>
+            <a:ext uri="{FF2B5EF4-FFF2-40B4-BE49-F238E27FC236}">
+              <a16:creationId xmlns:a16="http://schemas.microsoft.com/office/drawing/2014/main" id="{7E4F522D-4741-121A-DD90-F68AE5F55005}"/>
+            </a:ext>
+          </a:extLst>
+        </p:cNvPr>
+        <p:cNvGrpSpPr/>
+        <p:nvPr/>
+      </p:nvGrpSpPr>
+      <p:grpSpPr>
+        <a:xfrm>
+          <a:off x="0" y="0"/>
+          <a:ext cx="0" cy="0"/>
+          <a:chOff x="0" y="0"/>
+          <a:chExt cx="0" cy="0"/>
+        </a:xfrm>
+      </p:grpSpPr>
+      <p:pic>
+        <p:nvPicPr>
+          <p:cNvPr id="8" name="Picture Placeholder 7">
+            <a:extLst>
+              <a:ext uri="{FF2B5EF4-FFF2-40B4-BE49-F238E27FC236}">
+                <a16:creationId xmlns:a16="http://schemas.microsoft.com/office/drawing/2014/main" id="{5D62941B-1549-5011-A5F5-8DEFD8CE24EA}"/>
+              </a:ext>
+            </a:extLst>
+          </p:cNvPr>
+          <p:cNvPicPr>
+            <a:picLocks noGrp="1" noChangeAspect="1"/>
+          </p:cNvPicPr>
+          <p:nvPr>
+            <p:ph type="pic" idx="1"/>
+          </p:nvPr>
+        </p:nvPicPr>
+        <p:blipFill>
+          <a:blip r:embed="rId3">
+            <a:extLst>
+              <a:ext uri="{28A0092B-C50C-407E-A947-70E740481C1C}">
+                <a14:useLocalDpi xmlns:a14="http://schemas.microsoft.com/office/drawing/2010/main" val="0"/>
+              </a:ext>
+            </a:extLst>
+          </a:blip>
+          <a:srcRect/>
+          <a:stretch>
+            <a:fillRect/>
+          </a:stretch>
+        </p:blipFill>
+        <p:spPr>
+          <a:xfrm>
+            <a:off x="0" y="12357"/>
+            <a:ext cx="9144000" cy="6858000"/>
+          </a:xfrm>
+        </p:spPr>
+      </p:pic>
+      <p:sp>
+        <p:nvSpPr>
+          <p:cNvPr id="5" name="Subtitle 4">
+            <a:extLst>
+              <a:ext uri="{FF2B5EF4-FFF2-40B4-BE49-F238E27FC236}">
+                <a16:creationId xmlns:a16="http://schemas.microsoft.com/office/drawing/2014/main" id="{31303645-FF59-0714-2CD1-B713754E8735}"/>
+              </a:ext>
+            </a:extLst>
+          </p:cNvPr>
+          <p:cNvSpPr>
+            <a:spLocks noGrp="1"/>
+          </p:cNvSpPr>
+          <p:nvPr>
+            <p:ph type="body" sz="half" idx="2"/>
+          </p:nvPr>
+        </p:nvSpPr>
+        <p:spPr>
+          <a:xfrm>
+            <a:off x="3959999" y="5399999"/>
+            <a:ext cx="4571158" cy="1296891"/>
+          </a:xfrm>
+          <a:prstGeom prst="rect">
+            <a:avLst/>
+          </a:prstGeom>
+        </p:spPr>
+        <p:txBody>
+          <a:bodyPr/>
+          <a:lstStyle/>
+          <a:p>
+            <a:endParaRPr lang="en-US" sz="900" dirty="0"/>
+          </a:p>
+        </p:txBody>
+      </p:sp>
+      <p:sp>
+        <p:nvSpPr>
+          <p:cNvPr id="2" name="TextBox 1">
+            <a:extLst>
+              <a:ext uri="{FF2B5EF4-FFF2-40B4-BE49-F238E27FC236}">
+                <a16:creationId xmlns:a16="http://schemas.microsoft.com/office/drawing/2014/main" id="{FEA0E680-BC4E-5745-DC2F-15A9A5359CBF}"/>
+              </a:ext>
+            </a:extLst>
+          </p:cNvPr>
+          <p:cNvSpPr txBox="1"/>
+          <p:nvPr/>
+        </p:nvSpPr>
+        <p:spPr>
+          <a:xfrm>
+            <a:off x="3959999" y="2514599"/>
+            <a:ext cx="4571158" cy="1048621"/>
+          </a:xfrm>
+          <a:prstGeom prst="rect">
+            <a:avLst/>
+          </a:prstGeom>
+          <a:noFill/>
+        </p:spPr>
+        <p:txBody>
+          <a:bodyPr wrap="square" lIns="90000" tIns="46800" rIns="90000" bIns="46800" rtlCol="0" anchor="t" anchorCtr="0">
+            <a:spAutoFit/>
+          </a:bodyPr>
+          <a:lstStyle/>
+          <a:p>
+            <a:pPr>
+              <a:lnSpc>
+                <a:spcPct val="90000"/>
+              </a:lnSpc>
+            </a:pPr>
+            <a:endParaRPr lang="nl-NL" sz="3100" b="1" dirty="0"/>
+          </a:p>
+          <a:p>
+            <a:pPr>
+              <a:lnSpc>
+                <a:spcPct val="90000"/>
+              </a:lnSpc>
+            </a:pPr>
+            <a:r>
+              <a:rPr lang="nl-NL" sz="3100" b="1" dirty="0"/>
+              <a:t>Object Calisthenics</a:t>
+            </a:r>
+          </a:p>
+        </p:txBody>
+      </p:sp>
+    </p:spTree>
+    <p:extLst>
+      <p:ext uri="{BB962C8B-B14F-4D97-AF65-F5344CB8AC3E}">
+        <p14:creationId xmlns:p14="http://schemas.microsoft.com/office/powerpoint/2010/main" val="460382904"/>
+      </p:ext>
+    </p:extLst>
+  </p:cSld>
+  <p:clrMapOvr>
+    <a:masterClrMapping/>
+  </p:clrMapOvr>
+</p:sld>
+</file>
+
+<file path=ppt/slides/slide13.xml><?xml version="1.0" encoding="utf-8"?>
+<p:sld xmlns:a="http://schemas.openxmlformats.org/drawingml/2006/main" xmlns:r="http://schemas.openxmlformats.org/officeDocument/2006/relationships" xmlns:p="http://schemas.openxmlformats.org/presentationml/2006/main">
+  <p:cSld>
+    <p:spTree>
+      <p:nvGrpSpPr>
+        <p:cNvPr id="1" name="">
+          <a:extLst>
+            <a:ext uri="{FF2B5EF4-FFF2-40B4-BE49-F238E27FC236}">
               <a16:creationId xmlns:a16="http://schemas.microsoft.com/office/drawing/2014/main" id="{0EC3BCFC-03E6-599B-ADB5-4DD18E224345}"/>
             </a:ext>
           </a:extLst>
@@ -8224,7 +9033,7 @@
 </p:sld>
 </file>
 
-<file path=ppt/slides/slide11.xml><?xml version="1.0" encoding="utf-8"?>
+<file path=ppt/slides/slide14.xml><?xml version="1.0" encoding="utf-8"?>
 <p:sld xmlns:a="http://schemas.openxmlformats.org/drawingml/2006/main" xmlns:r="http://schemas.openxmlformats.org/officeDocument/2006/relationships" xmlns:p="http://schemas.openxmlformats.org/presentationml/2006/main">
   <p:cSld>
     <p:spTree>
@@ -8387,7 +9196,7 @@
 </p:sld>
 </file>
 
-<file path=ppt/slides/slide12.xml><?xml version="1.0" encoding="utf-8"?>
+<file path=ppt/slides/slide15.xml><?xml version="1.0" encoding="utf-8"?>
 <p:sld xmlns:a="http://schemas.openxmlformats.org/drawingml/2006/main" xmlns:r="http://schemas.openxmlformats.org/officeDocument/2006/relationships" xmlns:p="http://schemas.openxmlformats.org/presentationml/2006/main">
   <p:cSld>
     <p:spTree>
@@ -8584,23 +9393,7 @@
                   <a:schemeClr val="tx1"/>
                 </a:solidFill>
               </a:rPr>
-              <a:t>Fail fast (</a:t>
-            </a:r>
-            <a:r>
-              <a:rPr lang="fr-FR" dirty="0" err="1">
-                <a:solidFill>
-                  <a:schemeClr val="tx1"/>
-                </a:solidFill>
-              </a:rPr>
-              <a:t>exceptionsliés</a:t>
-            </a:r>
-            <a:r>
-              <a:rPr lang="fr-FR" dirty="0">
-                <a:solidFill>
-                  <a:schemeClr val="tx1"/>
-                </a:solidFill>
-              </a:rPr>
-              <a:t> aux prérequis selon respect des préconditions)</a:t>
+              <a:t>Fail fast (exceptions liées aux prérequis selon respect des préconditions)</a:t>
             </a:r>
           </a:p>
           <a:p>
@@ -8637,7 +9430,7 @@
 </p:sld>
 </file>
 
-<file path=ppt/slides/slide13.xml><?xml version="1.0" encoding="utf-8"?>
+<file path=ppt/slides/slide16.xml><?xml version="1.0" encoding="utf-8"?>
 <p:sld xmlns:a="http://schemas.openxmlformats.org/drawingml/2006/main" xmlns:r="http://schemas.openxmlformats.org/officeDocument/2006/relationships" xmlns:p="http://schemas.openxmlformats.org/presentationml/2006/main">
   <p:cSld>
     <p:spTree>
@@ -8805,7 +9598,7 @@
 </p:sld>
 </file>
 
-<file path=ppt/slides/slide14.xml><?xml version="1.0" encoding="utf-8"?>
+<file path=ppt/slides/slide17.xml><?xml version="1.0" encoding="utf-8"?>
 <p:sld xmlns:a="http://schemas.openxmlformats.org/drawingml/2006/main" xmlns:r="http://schemas.openxmlformats.org/officeDocument/2006/relationships" xmlns:p="http://schemas.openxmlformats.org/presentationml/2006/main">
   <p:cSld>
     <p:spTree>
@@ -8932,7 +9725,7 @@
 </p:sld>
 </file>
 
-<file path=ppt/slides/slide15.xml><?xml version="1.0" encoding="utf-8"?>
+<file path=ppt/slides/slide18.xml><?xml version="1.0" encoding="utf-8"?>
 <p:sld xmlns:a="http://schemas.openxmlformats.org/drawingml/2006/main" xmlns:r="http://schemas.openxmlformats.org/officeDocument/2006/relationships" xmlns:p="http://schemas.openxmlformats.org/presentationml/2006/main">
   <p:cSld>
     <p:spTree>
@@ -9166,7 +9959,7 @@
 </p:sld>
 </file>
 
-<file path=ppt/slides/slide16.xml><?xml version="1.0" encoding="utf-8"?>
+<file path=ppt/slides/slide19.xml><?xml version="1.0" encoding="utf-8"?>
 <p:sld xmlns:a="http://schemas.openxmlformats.org/drawingml/2006/main" xmlns:r="http://schemas.openxmlformats.org/officeDocument/2006/relationships" xmlns:p="http://schemas.openxmlformats.org/presentationml/2006/main">
   <p:cSld>
     <p:spTree>
@@ -9339,7 +10132,169 @@
 </p:sld>
 </file>
 
-<file path=ppt/slides/slide17.xml><?xml version="1.0" encoding="utf-8"?>
+<file path=ppt/slides/slide2.xml><?xml version="1.0" encoding="utf-8"?>
+<p:sld xmlns:a="http://schemas.openxmlformats.org/drawingml/2006/main" xmlns:r="http://schemas.openxmlformats.org/officeDocument/2006/relationships" xmlns:p="http://schemas.openxmlformats.org/presentationml/2006/main">
+  <p:cSld>
+    <p:spTree>
+      <p:nvGrpSpPr>
+        <p:cNvPr id="1" name="">
+          <a:extLst>
+            <a:ext uri="{FF2B5EF4-FFF2-40B4-BE49-F238E27FC236}">
+              <a16:creationId xmlns:a16="http://schemas.microsoft.com/office/drawing/2014/main" id="{9C745DF2-0351-5781-455E-5210F54C74B7}"/>
+            </a:ext>
+          </a:extLst>
+        </p:cNvPr>
+        <p:cNvGrpSpPr/>
+        <p:nvPr/>
+      </p:nvGrpSpPr>
+      <p:grpSpPr>
+        <a:xfrm>
+          <a:off x="0" y="0"/>
+          <a:ext cx="0" cy="0"/>
+          <a:chOff x="0" y="0"/>
+          <a:chExt cx="0" cy="0"/>
+        </a:xfrm>
+      </p:grpSpPr>
+      <p:pic>
+        <p:nvPicPr>
+          <p:cNvPr id="8" name="Picture Placeholder 7">
+            <a:extLst>
+              <a:ext uri="{FF2B5EF4-FFF2-40B4-BE49-F238E27FC236}">
+                <a16:creationId xmlns:a16="http://schemas.microsoft.com/office/drawing/2014/main" id="{E4C45B3C-522F-16B0-66AB-C8673906EF15}"/>
+              </a:ext>
+            </a:extLst>
+          </p:cNvPr>
+          <p:cNvPicPr>
+            <a:picLocks noGrp="1" noChangeAspect="1"/>
+          </p:cNvPicPr>
+          <p:nvPr>
+            <p:ph type="pic" idx="1"/>
+          </p:nvPr>
+        </p:nvPicPr>
+        <p:blipFill>
+          <a:blip r:embed="rId3">
+            <a:extLst>
+              <a:ext uri="{28A0092B-C50C-407E-A947-70E740481C1C}">
+                <a14:useLocalDpi xmlns:a14="http://schemas.microsoft.com/office/drawing/2010/main" val="0"/>
+              </a:ext>
+            </a:extLst>
+          </a:blip>
+          <a:srcRect/>
+          <a:stretch>
+            <a:fillRect/>
+          </a:stretch>
+        </p:blipFill>
+        <p:spPr>
+          <a:xfrm>
+            <a:off x="0" y="12357"/>
+            <a:ext cx="9144000" cy="6858000"/>
+          </a:xfrm>
+        </p:spPr>
+      </p:pic>
+      <p:sp>
+        <p:nvSpPr>
+          <p:cNvPr id="5" name="Subtitle 4">
+            <a:extLst>
+              <a:ext uri="{FF2B5EF4-FFF2-40B4-BE49-F238E27FC236}">
+                <a16:creationId xmlns:a16="http://schemas.microsoft.com/office/drawing/2014/main" id="{06C3E8F4-E9AF-5CFC-4049-D5B6FDDF8759}"/>
+              </a:ext>
+            </a:extLst>
+          </p:cNvPr>
+          <p:cNvSpPr>
+            <a:spLocks noGrp="1"/>
+          </p:cNvSpPr>
+          <p:nvPr>
+            <p:ph type="body" sz="half" idx="2"/>
+          </p:nvPr>
+        </p:nvSpPr>
+        <p:spPr>
+          <a:xfrm>
+            <a:off x="3959999" y="5399999"/>
+            <a:ext cx="4571158" cy="1296891"/>
+          </a:xfrm>
+          <a:prstGeom prst="rect">
+            <a:avLst/>
+          </a:prstGeom>
+        </p:spPr>
+        <p:txBody>
+          <a:bodyPr/>
+          <a:lstStyle/>
+          <a:p>
+            <a:endParaRPr lang="en-US" sz="900" dirty="0"/>
+          </a:p>
+        </p:txBody>
+      </p:sp>
+      <p:sp>
+        <p:nvSpPr>
+          <p:cNvPr id="2" name="TextBox 1">
+            <a:extLst>
+              <a:ext uri="{FF2B5EF4-FFF2-40B4-BE49-F238E27FC236}">
+                <a16:creationId xmlns:a16="http://schemas.microsoft.com/office/drawing/2014/main" id="{020228CF-0C93-26DB-7A99-2F9630855CFE}"/>
+              </a:ext>
+            </a:extLst>
+          </p:cNvPr>
+          <p:cNvSpPr txBox="1"/>
+          <p:nvPr/>
+        </p:nvSpPr>
+        <p:spPr>
+          <a:xfrm>
+            <a:off x="3959999" y="2514599"/>
+            <a:ext cx="4571158" cy="953211"/>
+          </a:xfrm>
+          <a:prstGeom prst="rect">
+            <a:avLst/>
+          </a:prstGeom>
+          <a:noFill/>
+        </p:spPr>
+        <p:txBody>
+          <a:bodyPr wrap="square" lIns="90000" tIns="46800" rIns="90000" bIns="46800" rtlCol="0" anchor="t" anchorCtr="0">
+            <a:spAutoFit/>
+          </a:bodyPr>
+          <a:lstStyle/>
+          <a:p>
+            <a:pPr>
+              <a:lnSpc>
+                <a:spcPct val="90000"/>
+              </a:lnSpc>
+            </a:pPr>
+            <a:r>
+              <a:rPr lang="nl-NL" sz="3100" b="1" dirty="0" err="1"/>
+              <a:t>Objectifs</a:t>
+            </a:r>
+            <a:r>
+              <a:rPr lang="nl-NL" sz="3100" b="1" dirty="0"/>
+              <a:t> et </a:t>
+            </a:r>
+            <a:r>
+              <a:rPr lang="nl-NL" sz="3100" b="1" dirty="0" err="1"/>
+              <a:t>thématiques</a:t>
+            </a:r>
+            <a:r>
+              <a:rPr lang="nl-NL" sz="3100" b="1" dirty="0"/>
+              <a:t> </a:t>
+            </a:r>
+            <a:r>
+              <a:rPr lang="nl-NL" sz="3100" b="1" dirty="0" err="1"/>
+              <a:t>visées</a:t>
+            </a:r>
+            <a:endParaRPr lang="nl-NL" sz="3100" b="1" dirty="0"/>
+          </a:p>
+        </p:txBody>
+      </p:sp>
+    </p:spTree>
+    <p:extLst>
+      <p:ext uri="{BB962C8B-B14F-4D97-AF65-F5344CB8AC3E}">
+        <p14:creationId xmlns:p14="http://schemas.microsoft.com/office/powerpoint/2010/main" val="379167711"/>
+      </p:ext>
+    </p:extLst>
+  </p:cSld>
+  <p:clrMapOvr>
+    <a:masterClrMapping/>
+  </p:clrMapOvr>
+</p:sld>
+</file>
+
+<file path=ppt/slides/slide20.xml><?xml version="1.0" encoding="utf-8"?>
 <p:sld xmlns:a="http://schemas.openxmlformats.org/drawingml/2006/main" xmlns:r="http://schemas.openxmlformats.org/officeDocument/2006/relationships" xmlns:p="http://schemas.openxmlformats.org/presentationml/2006/main">
   <p:cSld>
     <p:spTree>
@@ -9525,7 +10480,7 @@
 </p:sld>
 </file>
 
-<file path=ppt/slides/slide18.xml><?xml version="1.0" encoding="utf-8"?>
+<file path=ppt/slides/slide21.xml><?xml version="1.0" encoding="utf-8"?>
 <p:sld xmlns:a="http://schemas.openxmlformats.org/drawingml/2006/main" xmlns:r="http://schemas.openxmlformats.org/officeDocument/2006/relationships" xmlns:p="http://schemas.openxmlformats.org/presentationml/2006/main">
   <p:cSld>
     <p:spTree>
@@ -9667,7 +10622,7 @@
 </p:sld>
 </file>
 
-<file path=ppt/slides/slide19.xml><?xml version="1.0" encoding="utf-8"?>
+<file path=ppt/slides/slide22.xml><?xml version="1.0" encoding="utf-8"?>
 <p:sld xmlns:a="http://schemas.openxmlformats.org/drawingml/2006/main" xmlns:r="http://schemas.openxmlformats.org/officeDocument/2006/relationships" xmlns:p="http://schemas.openxmlformats.org/presentationml/2006/main">
   <p:cSld>
     <p:spTree>
@@ -9871,232 +10826,7 @@
 </p:sld>
 </file>
 
-<file path=ppt/slides/slide2.xml><?xml version="1.0" encoding="utf-8"?>
-<p:sld xmlns:a="http://schemas.openxmlformats.org/drawingml/2006/main" xmlns:r="http://schemas.openxmlformats.org/officeDocument/2006/relationships" xmlns:p="http://schemas.openxmlformats.org/presentationml/2006/main">
-  <p:cSld>
-    <p:spTree>
-      <p:nvGrpSpPr>
-        <p:cNvPr id="1" name=""/>
-        <p:cNvGrpSpPr/>
-        <p:nvPr/>
-      </p:nvGrpSpPr>
-      <p:grpSpPr>
-        <a:xfrm>
-          <a:off x="0" y="0"/>
-          <a:ext cx="0" cy="0"/>
-          <a:chOff x="0" y="0"/>
-          <a:chExt cx="0" cy="0"/>
-        </a:xfrm>
-      </p:grpSpPr>
-      <p:sp>
-        <p:nvSpPr>
-          <p:cNvPr id="6" name="Title 5"/>
-          <p:cNvSpPr>
-            <a:spLocks noGrp="1"/>
-          </p:cNvSpPr>
-          <p:nvPr>
-            <p:ph type="title"/>
-          </p:nvPr>
-        </p:nvSpPr>
-        <p:spPr/>
-        <p:txBody>
-          <a:bodyPr/>
-          <a:lstStyle/>
-          <a:p>
-            <a:r>
-              <a:rPr lang="fr-FR" dirty="0"/>
-              <a:t>Objectifs</a:t>
-            </a:r>
-            <a:br>
-              <a:rPr lang="fr-FR" dirty="0"/>
-            </a:br>
-            <a:br>
-              <a:rPr lang="fr-FR" dirty="0"/>
-            </a:br>
-            <a:endParaRPr lang="fr-FR" dirty="0"/>
-          </a:p>
-        </p:txBody>
-      </p:sp>
-      <p:sp>
-        <p:nvSpPr>
-          <p:cNvPr id="7" name="Rectangle 3"/>
-          <p:cNvSpPr>
-            <a:spLocks noGrp="1" noChangeArrowheads="1"/>
-          </p:cNvSpPr>
-          <p:nvPr>
-            <p:ph type="body" sz="half" idx="2"/>
-          </p:nvPr>
-        </p:nvSpPr>
-        <p:spPr>
-          <a:xfrm>
-            <a:off x="285749" y="1082188"/>
-            <a:ext cx="8518282" cy="5457157"/>
-          </a:xfrm>
-        </p:spPr>
-        <p:txBody>
-          <a:bodyPr/>
-          <a:lstStyle/>
-          <a:p>
-            <a:pPr marL="285750" indent="-285750" algn="just">
-              <a:buFont typeface="Arial" panose="020B0604020202020204" pitchFamily="34" charset="0"/>
-              <a:buChar char="•"/>
-            </a:pPr>
-            <a:endParaRPr lang="fr-FR" dirty="0">
-              <a:solidFill>
-                <a:schemeClr val="tx1"/>
-              </a:solidFill>
-            </a:endParaRPr>
-          </a:p>
-          <a:p>
-            <a:pPr marL="285750" indent="-285750" algn="just">
-              <a:buFont typeface="Arial" panose="020B0604020202020204" pitchFamily="34" charset="0"/>
-              <a:buChar char="•"/>
-            </a:pPr>
-            <a:endParaRPr lang="fr-FR" dirty="0">
-              <a:solidFill>
-                <a:schemeClr val="tx1"/>
-              </a:solidFill>
-            </a:endParaRPr>
-          </a:p>
-          <a:p>
-            <a:pPr marL="285750" indent="-285750" algn="just">
-              <a:buFont typeface="Arial" panose="020B0604020202020204" pitchFamily="34" charset="0"/>
-              <a:buChar char="•"/>
-            </a:pPr>
-            <a:r>
-              <a:rPr lang="fr-FR" dirty="0">
-                <a:solidFill>
-                  <a:schemeClr val="tx1"/>
-                </a:solidFill>
-              </a:rPr>
-              <a:t>L'objectif de ce document est de vous présenter différentes approches pour coder selon des approches industrielles éprouvées. </a:t>
-            </a:r>
-          </a:p>
-          <a:p>
-            <a:pPr marL="285750" indent="-285750" algn="just">
-              <a:buFont typeface="Arial" panose="020B0604020202020204" pitchFamily="34" charset="0"/>
-              <a:buChar char="•"/>
-            </a:pPr>
-            <a:endParaRPr lang="fr-FR" dirty="0">
-              <a:solidFill>
-                <a:schemeClr val="tx1"/>
-              </a:solidFill>
-            </a:endParaRPr>
-          </a:p>
-          <a:p>
-            <a:pPr marL="285750" indent="-285750" algn="just">
-              <a:buFont typeface="Arial" panose="020B0604020202020204" pitchFamily="34" charset="0"/>
-              <a:buChar char="•"/>
-            </a:pPr>
-            <a:endParaRPr lang="fr-FR" dirty="0">
-              <a:solidFill>
-                <a:schemeClr val="tx1"/>
-              </a:solidFill>
-            </a:endParaRPr>
-          </a:p>
-          <a:p>
-            <a:pPr marL="285750" indent="-285750" algn="just">
-              <a:buFont typeface="Arial" panose="020B0604020202020204" pitchFamily="34" charset="0"/>
-              <a:buChar char="•"/>
-            </a:pPr>
-            <a:r>
-              <a:rPr lang="fr-FR" dirty="0">
-                <a:solidFill>
-                  <a:schemeClr val="tx1"/>
-                </a:solidFill>
-              </a:rPr>
-              <a:t>Nous ne parlerons pas ici de Design-Patterns d'architecture mais bien de la pratique concrète du codage.</a:t>
-            </a:r>
-          </a:p>
-          <a:p>
-            <a:pPr marL="1371600" lvl="2" indent="-285750" algn="just"/>
-            <a:endParaRPr lang="fr-FR" dirty="0">
-              <a:solidFill>
-                <a:schemeClr val="tx1"/>
-              </a:solidFill>
-            </a:endParaRPr>
-          </a:p>
-          <a:p>
-            <a:pPr marL="914400" lvl="1" indent="-285750" algn="just"/>
-            <a:endParaRPr lang="fr-FR" dirty="0"/>
-          </a:p>
-          <a:p>
-            <a:pPr marL="285750" indent="-285750" algn="just"/>
-            <a:endParaRPr lang="fr-FR" dirty="0"/>
-          </a:p>
-          <a:p>
-            <a:pPr marL="914400" lvl="1" indent="-285750" algn="just"/>
-            <a:endParaRPr lang="fr-FR" dirty="0">
-              <a:solidFill>
-                <a:schemeClr val="tx1"/>
-              </a:solidFill>
-            </a:endParaRPr>
-          </a:p>
-          <a:p>
-            <a:pPr marL="914400" lvl="1" indent="-285750" algn="just"/>
-            <a:endParaRPr lang="fr-FR" dirty="0"/>
-          </a:p>
-          <a:p>
-            <a:pPr marL="285750" indent="-285750" algn="just"/>
-            <a:endParaRPr lang="fr-FR" dirty="0"/>
-          </a:p>
-          <a:p>
-            <a:pPr marL="285750" indent="-285750" algn="just"/>
-            <a:endParaRPr lang="fr-FR" dirty="0"/>
-          </a:p>
-          <a:p>
-            <a:pPr marL="285750" indent="-285750" algn="just"/>
-            <a:endParaRPr lang="fr-FR" dirty="0"/>
-          </a:p>
-          <a:p>
-            <a:pPr marL="914400" lvl="1" indent="-285750" algn="just"/>
-            <a:endParaRPr lang="fr-FR" dirty="0"/>
-          </a:p>
-          <a:p>
-            <a:pPr marL="914400" lvl="1" indent="-285750" algn="just"/>
-            <a:endParaRPr lang="fr-FR" dirty="0">
-              <a:solidFill>
-                <a:schemeClr val="tx1"/>
-              </a:solidFill>
-            </a:endParaRPr>
-          </a:p>
-          <a:p>
-            <a:pPr marL="285750" indent="-285750" algn="just">
-              <a:buFont typeface="Arial" panose="020B0604020202020204" pitchFamily="34" charset="0"/>
-              <a:buChar char="•"/>
-            </a:pPr>
-            <a:endParaRPr lang="fr-FR" dirty="0">
-              <a:solidFill>
-                <a:schemeClr val="tx1"/>
-              </a:solidFill>
-            </a:endParaRPr>
-          </a:p>
-          <a:p>
-            <a:pPr algn="just"/>
-            <a:endParaRPr lang="fr-FR" dirty="0"/>
-          </a:p>
-          <a:p>
-            <a:pPr marL="457200" lvl="1" indent="0" algn="just">
-              <a:buNone/>
-            </a:pPr>
-            <a:endParaRPr lang="fr-FR" dirty="0"/>
-          </a:p>
-        </p:txBody>
-      </p:sp>
-    </p:spTree>
-    <p:extLst>
-      <p:ext uri="{BB962C8B-B14F-4D97-AF65-F5344CB8AC3E}">
-        <p14:creationId xmlns:p14="http://schemas.microsoft.com/office/powerpoint/2010/main" val="956034070"/>
-      </p:ext>
-    </p:extLst>
-  </p:cSld>
-  <p:clrMapOvr>
-    <a:masterClrMapping/>
-  </p:clrMapOvr>
-</p:sld>
-</file>
-
-<file path=ppt/slides/slide20.xml><?xml version="1.0" encoding="utf-8"?>
+<file path=ppt/slides/slide23.xml><?xml version="1.0" encoding="utf-8"?>
 <p:sld xmlns:a="http://schemas.openxmlformats.org/drawingml/2006/main" xmlns:r="http://schemas.openxmlformats.org/officeDocument/2006/relationships" xmlns:p="http://schemas.openxmlformats.org/presentationml/2006/main">
   <p:cSld>
     <p:spTree>
@@ -10215,7 +10945,7 @@
           <a:p>
             <a:r>
               <a:rPr lang="fr-FR" dirty="0"/>
-              <a:t>Thématiques visées</a:t>
+              <a:t>Objectifs</a:t>
             </a:r>
             <a:br>
               <a:rPr lang="fr-FR" dirty="0"/>
@@ -10262,6 +10992,231 @@
               <a:buFont typeface="Arial" panose="020B0604020202020204" pitchFamily="34" charset="0"/>
               <a:buChar char="•"/>
             </a:pPr>
+            <a:endParaRPr lang="fr-FR" dirty="0">
+              <a:solidFill>
+                <a:schemeClr val="tx1"/>
+              </a:solidFill>
+            </a:endParaRPr>
+          </a:p>
+          <a:p>
+            <a:pPr marL="285750" indent="-285750" algn="just">
+              <a:buFont typeface="Arial" panose="020B0604020202020204" pitchFamily="34" charset="0"/>
+              <a:buChar char="•"/>
+            </a:pPr>
+            <a:r>
+              <a:rPr lang="fr-FR" dirty="0">
+                <a:solidFill>
+                  <a:schemeClr val="tx1"/>
+                </a:solidFill>
+              </a:rPr>
+              <a:t>L'objectif de ce document est de vous présenter différentes approches pour coder selon des approches industrielles éprouvées. </a:t>
+            </a:r>
+          </a:p>
+          <a:p>
+            <a:pPr marL="285750" indent="-285750" algn="just">
+              <a:buFont typeface="Arial" panose="020B0604020202020204" pitchFamily="34" charset="0"/>
+              <a:buChar char="•"/>
+            </a:pPr>
+            <a:endParaRPr lang="fr-FR" dirty="0">
+              <a:solidFill>
+                <a:schemeClr val="tx1"/>
+              </a:solidFill>
+            </a:endParaRPr>
+          </a:p>
+          <a:p>
+            <a:pPr marL="285750" indent="-285750" algn="just">
+              <a:buFont typeface="Arial" panose="020B0604020202020204" pitchFamily="34" charset="0"/>
+              <a:buChar char="•"/>
+            </a:pPr>
+            <a:endParaRPr lang="fr-FR" dirty="0">
+              <a:solidFill>
+                <a:schemeClr val="tx1"/>
+              </a:solidFill>
+            </a:endParaRPr>
+          </a:p>
+          <a:p>
+            <a:pPr marL="285750" indent="-285750" algn="just">
+              <a:buFont typeface="Arial" panose="020B0604020202020204" pitchFamily="34" charset="0"/>
+              <a:buChar char="•"/>
+            </a:pPr>
+            <a:r>
+              <a:rPr lang="fr-FR" dirty="0">
+                <a:solidFill>
+                  <a:schemeClr val="tx1"/>
+                </a:solidFill>
+              </a:rPr>
+              <a:t>Nous ne parlerons pas ici de Design-Patterns d'architecture mais bien de la pratique concrète du codage.</a:t>
+            </a:r>
+          </a:p>
+          <a:p>
+            <a:pPr marL="1371600" lvl="2" indent="-285750" algn="just"/>
+            <a:endParaRPr lang="fr-FR" dirty="0">
+              <a:solidFill>
+                <a:schemeClr val="tx1"/>
+              </a:solidFill>
+            </a:endParaRPr>
+          </a:p>
+          <a:p>
+            <a:pPr marL="914400" lvl="1" indent="-285750" algn="just"/>
+            <a:endParaRPr lang="fr-FR" dirty="0"/>
+          </a:p>
+          <a:p>
+            <a:pPr marL="285750" indent="-285750" algn="just"/>
+            <a:endParaRPr lang="fr-FR" dirty="0"/>
+          </a:p>
+          <a:p>
+            <a:pPr marL="914400" lvl="1" indent="-285750" algn="just"/>
+            <a:endParaRPr lang="fr-FR" dirty="0">
+              <a:solidFill>
+                <a:schemeClr val="tx1"/>
+              </a:solidFill>
+            </a:endParaRPr>
+          </a:p>
+          <a:p>
+            <a:pPr marL="914400" lvl="1" indent="-285750" algn="just"/>
+            <a:endParaRPr lang="fr-FR" dirty="0"/>
+          </a:p>
+          <a:p>
+            <a:pPr marL="285750" indent="-285750" algn="just"/>
+            <a:endParaRPr lang="fr-FR" dirty="0"/>
+          </a:p>
+          <a:p>
+            <a:pPr marL="285750" indent="-285750" algn="just"/>
+            <a:endParaRPr lang="fr-FR" dirty="0"/>
+          </a:p>
+          <a:p>
+            <a:pPr marL="285750" indent="-285750" algn="just"/>
+            <a:endParaRPr lang="fr-FR" dirty="0"/>
+          </a:p>
+          <a:p>
+            <a:pPr marL="914400" lvl="1" indent="-285750" algn="just"/>
+            <a:endParaRPr lang="fr-FR" dirty="0"/>
+          </a:p>
+          <a:p>
+            <a:pPr marL="914400" lvl="1" indent="-285750" algn="just"/>
+            <a:endParaRPr lang="fr-FR" dirty="0">
+              <a:solidFill>
+                <a:schemeClr val="tx1"/>
+              </a:solidFill>
+            </a:endParaRPr>
+          </a:p>
+          <a:p>
+            <a:pPr marL="285750" indent="-285750" algn="just">
+              <a:buFont typeface="Arial" panose="020B0604020202020204" pitchFamily="34" charset="0"/>
+              <a:buChar char="•"/>
+            </a:pPr>
+            <a:endParaRPr lang="fr-FR" dirty="0">
+              <a:solidFill>
+                <a:schemeClr val="tx1"/>
+              </a:solidFill>
+            </a:endParaRPr>
+          </a:p>
+          <a:p>
+            <a:pPr algn="just"/>
+            <a:endParaRPr lang="fr-FR" dirty="0"/>
+          </a:p>
+          <a:p>
+            <a:pPr marL="457200" lvl="1" indent="0" algn="just">
+              <a:buNone/>
+            </a:pPr>
+            <a:endParaRPr lang="fr-FR" dirty="0"/>
+          </a:p>
+        </p:txBody>
+      </p:sp>
+    </p:spTree>
+    <p:extLst>
+      <p:ext uri="{BB962C8B-B14F-4D97-AF65-F5344CB8AC3E}">
+        <p14:creationId xmlns:p14="http://schemas.microsoft.com/office/powerpoint/2010/main" val="956034070"/>
+      </p:ext>
+    </p:extLst>
+  </p:cSld>
+  <p:clrMapOvr>
+    <a:masterClrMapping/>
+  </p:clrMapOvr>
+</p:sld>
+</file>
+
+<file path=ppt/slides/slide4.xml><?xml version="1.0" encoding="utf-8"?>
+<p:sld xmlns:a="http://schemas.openxmlformats.org/drawingml/2006/main" xmlns:r="http://schemas.openxmlformats.org/officeDocument/2006/relationships" xmlns:p="http://schemas.openxmlformats.org/presentationml/2006/main">
+  <p:cSld>
+    <p:spTree>
+      <p:nvGrpSpPr>
+        <p:cNvPr id="1" name=""/>
+        <p:cNvGrpSpPr/>
+        <p:nvPr/>
+      </p:nvGrpSpPr>
+      <p:grpSpPr>
+        <a:xfrm>
+          <a:off x="0" y="0"/>
+          <a:ext cx="0" cy="0"/>
+          <a:chOff x="0" y="0"/>
+          <a:chExt cx="0" cy="0"/>
+        </a:xfrm>
+      </p:grpSpPr>
+      <p:sp>
+        <p:nvSpPr>
+          <p:cNvPr id="6" name="Title 5"/>
+          <p:cNvSpPr>
+            <a:spLocks noGrp="1"/>
+          </p:cNvSpPr>
+          <p:nvPr>
+            <p:ph type="title"/>
+          </p:nvPr>
+        </p:nvSpPr>
+        <p:spPr/>
+        <p:txBody>
+          <a:bodyPr/>
+          <a:lstStyle/>
+          <a:p>
+            <a:r>
+              <a:rPr lang="fr-FR" dirty="0"/>
+              <a:t>Thématiques visées</a:t>
+            </a:r>
+            <a:br>
+              <a:rPr lang="fr-FR" dirty="0"/>
+            </a:br>
+            <a:br>
+              <a:rPr lang="fr-FR" dirty="0"/>
+            </a:br>
+            <a:endParaRPr lang="fr-FR" dirty="0"/>
+          </a:p>
+        </p:txBody>
+      </p:sp>
+      <p:sp>
+        <p:nvSpPr>
+          <p:cNvPr id="7" name="Rectangle 3"/>
+          <p:cNvSpPr>
+            <a:spLocks noGrp="1" noChangeArrowheads="1"/>
+          </p:cNvSpPr>
+          <p:nvPr>
+            <p:ph type="body" sz="half" idx="2"/>
+          </p:nvPr>
+        </p:nvSpPr>
+        <p:spPr>
+          <a:xfrm>
+            <a:off x="285749" y="1082188"/>
+            <a:ext cx="8518282" cy="5457157"/>
+          </a:xfrm>
+        </p:spPr>
+        <p:txBody>
+          <a:bodyPr/>
+          <a:lstStyle/>
+          <a:p>
+            <a:pPr marL="285750" indent="-285750" algn="just">
+              <a:buFont typeface="Arial" panose="020B0604020202020204" pitchFamily="34" charset="0"/>
+              <a:buChar char="•"/>
+            </a:pPr>
+            <a:endParaRPr lang="fr-FR" dirty="0">
+              <a:solidFill>
+                <a:schemeClr val="tx1"/>
+              </a:solidFill>
+            </a:endParaRPr>
+          </a:p>
+          <a:p>
+            <a:pPr marL="285750" indent="-285750" algn="just">
+              <a:buFont typeface="Arial" panose="020B0604020202020204" pitchFamily="34" charset="0"/>
+              <a:buChar char="•"/>
+            </a:pPr>
             <a:r>
               <a:rPr lang="fr-FR" dirty="0">
                 <a:solidFill>
@@ -10288,6 +11243,14 @@
           </a:p>
           <a:p>
             <a:pPr marL="914400" lvl="1" indent="-285750" algn="just"/>
+            <a:endParaRPr lang="fr-FR" dirty="0">
+              <a:solidFill>
+                <a:schemeClr val="tx1"/>
+              </a:solidFill>
+            </a:endParaRPr>
+          </a:p>
+          <a:p>
+            <a:pPr marL="914400" lvl="1" indent="-285750" algn="just"/>
             <a:r>
               <a:rPr lang="fr-FR" dirty="0">
                 <a:solidFill>
@@ -10308,6 +11271,14 @@
           </a:p>
           <a:p>
             <a:pPr marL="914400" lvl="1" indent="-285750" algn="just"/>
+            <a:endParaRPr lang="fr-FR" dirty="0">
+              <a:solidFill>
+                <a:schemeClr val="tx1"/>
+              </a:solidFill>
+            </a:endParaRPr>
+          </a:p>
+          <a:p>
+            <a:pPr marL="914400" lvl="1" indent="-285750" algn="just"/>
             <a:r>
               <a:rPr lang="fr-FR" dirty="0">
                 <a:solidFill>
@@ -10316,6 +11287,14 @@
               </a:rPr>
               <a:t>Loi de Demeter</a:t>
             </a:r>
+          </a:p>
+          <a:p>
+            <a:pPr marL="914400" lvl="1" indent="-285750" algn="just"/>
+            <a:endParaRPr lang="fr-FR" dirty="0">
+              <a:solidFill>
+                <a:schemeClr val="tx1"/>
+              </a:solidFill>
+            </a:endParaRPr>
           </a:p>
           <a:p>
             <a:pPr marL="914400" lvl="1" indent="-285750" algn="just"/>
@@ -10451,7 +11430,160 @@
 </p:sld>
 </file>
 
-<file path=ppt/slides/slide4.xml><?xml version="1.0" encoding="utf-8"?>
+<file path=ppt/slides/slide5.xml><?xml version="1.0" encoding="utf-8"?>
+<p:sld xmlns:a="http://schemas.openxmlformats.org/drawingml/2006/main" xmlns:r="http://schemas.openxmlformats.org/officeDocument/2006/relationships" xmlns:p="http://schemas.openxmlformats.org/presentationml/2006/main">
+  <p:cSld>
+    <p:spTree>
+      <p:nvGrpSpPr>
+        <p:cNvPr id="1" name="">
+          <a:extLst>
+            <a:ext uri="{FF2B5EF4-FFF2-40B4-BE49-F238E27FC236}">
+              <a16:creationId xmlns:a16="http://schemas.microsoft.com/office/drawing/2014/main" id="{9F45FED5-6B88-440D-278A-227FC9256B4B}"/>
+            </a:ext>
+          </a:extLst>
+        </p:cNvPr>
+        <p:cNvGrpSpPr/>
+        <p:nvPr/>
+      </p:nvGrpSpPr>
+      <p:grpSpPr>
+        <a:xfrm>
+          <a:off x="0" y="0"/>
+          <a:ext cx="0" cy="0"/>
+          <a:chOff x="0" y="0"/>
+          <a:chExt cx="0" cy="0"/>
+        </a:xfrm>
+      </p:grpSpPr>
+      <p:pic>
+        <p:nvPicPr>
+          <p:cNvPr id="8" name="Picture Placeholder 7">
+            <a:extLst>
+              <a:ext uri="{FF2B5EF4-FFF2-40B4-BE49-F238E27FC236}">
+                <a16:creationId xmlns:a16="http://schemas.microsoft.com/office/drawing/2014/main" id="{3B934591-D27E-459D-4021-EAA786AA7731}"/>
+              </a:ext>
+            </a:extLst>
+          </p:cNvPr>
+          <p:cNvPicPr>
+            <a:picLocks noGrp="1" noChangeAspect="1"/>
+          </p:cNvPicPr>
+          <p:nvPr>
+            <p:ph type="pic" idx="1"/>
+          </p:nvPr>
+        </p:nvPicPr>
+        <p:blipFill>
+          <a:blip r:embed="rId3">
+            <a:extLst>
+              <a:ext uri="{28A0092B-C50C-407E-A947-70E740481C1C}">
+                <a14:useLocalDpi xmlns:a14="http://schemas.microsoft.com/office/drawing/2010/main" val="0"/>
+              </a:ext>
+            </a:extLst>
+          </a:blip>
+          <a:srcRect/>
+          <a:stretch>
+            <a:fillRect/>
+          </a:stretch>
+        </p:blipFill>
+        <p:spPr>
+          <a:xfrm>
+            <a:off x="0" y="12357"/>
+            <a:ext cx="9144000" cy="6858000"/>
+          </a:xfrm>
+        </p:spPr>
+      </p:pic>
+      <p:sp>
+        <p:nvSpPr>
+          <p:cNvPr id="5" name="Subtitle 4">
+            <a:extLst>
+              <a:ext uri="{FF2B5EF4-FFF2-40B4-BE49-F238E27FC236}">
+                <a16:creationId xmlns:a16="http://schemas.microsoft.com/office/drawing/2014/main" id="{B9813073-8BD4-9F8B-D000-8081BD3EF1DA}"/>
+              </a:ext>
+            </a:extLst>
+          </p:cNvPr>
+          <p:cNvSpPr>
+            <a:spLocks noGrp="1"/>
+          </p:cNvSpPr>
+          <p:nvPr>
+            <p:ph type="body" sz="half" idx="2"/>
+          </p:nvPr>
+        </p:nvSpPr>
+        <p:spPr>
+          <a:xfrm>
+            <a:off x="3959999" y="5399999"/>
+            <a:ext cx="4571158" cy="1296891"/>
+          </a:xfrm>
+          <a:prstGeom prst="rect">
+            <a:avLst/>
+          </a:prstGeom>
+        </p:spPr>
+        <p:txBody>
+          <a:bodyPr/>
+          <a:lstStyle/>
+          <a:p>
+            <a:endParaRPr lang="en-US" sz="900" dirty="0"/>
+          </a:p>
+        </p:txBody>
+      </p:sp>
+      <p:sp>
+        <p:nvSpPr>
+          <p:cNvPr id="2" name="TextBox 1">
+            <a:extLst>
+              <a:ext uri="{FF2B5EF4-FFF2-40B4-BE49-F238E27FC236}">
+                <a16:creationId xmlns:a16="http://schemas.microsoft.com/office/drawing/2014/main" id="{E4D5CA6F-127A-E7D0-50B6-371BF4FED2DA}"/>
+              </a:ext>
+            </a:extLst>
+          </p:cNvPr>
+          <p:cNvSpPr txBox="1"/>
+          <p:nvPr/>
+        </p:nvSpPr>
+        <p:spPr>
+          <a:xfrm>
+            <a:off x="3959999" y="2514599"/>
+            <a:ext cx="4571158" cy="1048621"/>
+          </a:xfrm>
+          <a:prstGeom prst="rect">
+            <a:avLst/>
+          </a:prstGeom>
+          <a:noFill/>
+        </p:spPr>
+        <p:txBody>
+          <a:bodyPr wrap="square" lIns="90000" tIns="46800" rIns="90000" bIns="46800" rtlCol="0" anchor="t" anchorCtr="0">
+            <a:spAutoFit/>
+          </a:bodyPr>
+          <a:lstStyle/>
+          <a:p>
+            <a:pPr>
+              <a:lnSpc>
+                <a:spcPct val="90000"/>
+              </a:lnSpc>
+            </a:pPr>
+            <a:endParaRPr lang="nl-NL" sz="3100" b="1" dirty="0"/>
+          </a:p>
+          <a:p>
+            <a:pPr>
+              <a:lnSpc>
+                <a:spcPct val="90000"/>
+              </a:lnSpc>
+            </a:pPr>
+            <a:r>
+              <a:rPr lang="nl-NL" sz="3100" b="1" dirty="0"/>
+              <a:t>Principes SOLID</a:t>
+            </a:r>
+          </a:p>
+        </p:txBody>
+      </p:sp>
+    </p:spTree>
+    <p:extLst>
+      <p:ext uri="{BB962C8B-B14F-4D97-AF65-F5344CB8AC3E}">
+        <p14:creationId xmlns:p14="http://schemas.microsoft.com/office/powerpoint/2010/main" val="3649987222"/>
+      </p:ext>
+    </p:extLst>
+  </p:cSld>
+  <p:clrMapOvr>
+    <a:masterClrMapping/>
+  </p:clrMapOvr>
+</p:sld>
+</file>
+
+<file path=ppt/slides/slide6.xml><?xml version="1.0" encoding="utf-8"?>
 <p:sld xmlns:a="http://schemas.openxmlformats.org/drawingml/2006/main" xmlns:r="http://schemas.openxmlformats.org/officeDocument/2006/relationships" xmlns:p="http://schemas.openxmlformats.org/presentationml/2006/main">
   <p:cSld>
     <p:spTree>
@@ -10497,11 +11629,8 @@
           <a:p>
             <a:r>
               <a:rPr lang="fr-FR" dirty="0"/>
-              <a:t>Thématiques visées</a:t>
-            </a:r>
-            <a:br>
-              <a:rPr lang="fr-FR" dirty="0"/>
-            </a:br>
+              <a:t>Principes SOLID</a:t>
+            </a:r>
             <a:br>
               <a:rPr lang="fr-FR" dirty="0"/>
             </a:br>
@@ -10572,6 +11701,14 @@
           </a:p>
           <a:p>
             <a:pPr marL="914400" lvl="1" indent="-285750" algn="just"/>
+            <a:endParaRPr lang="fr-FR" dirty="0">
+              <a:solidFill>
+                <a:schemeClr val="tx1"/>
+              </a:solidFill>
+            </a:endParaRPr>
+          </a:p>
+          <a:p>
+            <a:pPr marL="914400" lvl="1" indent="-285750" algn="just"/>
             <a:r>
               <a:rPr lang="fr-FR" dirty="0">
                 <a:solidFill>
@@ -10583,6 +11720,14 @@
           </a:p>
           <a:p>
             <a:pPr marL="914400" lvl="1" indent="-285750" algn="just"/>
+            <a:endParaRPr lang="fr-FR" dirty="0">
+              <a:solidFill>
+                <a:schemeClr val="tx1"/>
+              </a:solidFill>
+            </a:endParaRPr>
+          </a:p>
+          <a:p>
+            <a:pPr marL="914400" lvl="1" indent="-285750" algn="just"/>
             <a:r>
               <a:rPr lang="fr-FR" dirty="0">
                 <a:solidFill>
@@ -10591,6 +11736,14 @@
               </a:rPr>
               <a:t>une maintenabilité </a:t>
             </a:r>
+          </a:p>
+          <a:p>
+            <a:pPr marL="914400" lvl="1" indent="-285750" algn="just"/>
+            <a:endParaRPr lang="fr-FR" dirty="0">
+              <a:solidFill>
+                <a:schemeClr val="tx1"/>
+              </a:solidFill>
+            </a:endParaRPr>
           </a:p>
           <a:p>
             <a:pPr marL="914400" lvl="1" indent="-285750" algn="just"/>
@@ -10680,7 +11833,7 @@
 </p:sld>
 </file>
 
-<file path=ppt/slides/slide5.xml><?xml version="1.0" encoding="utf-8"?>
+<file path=ppt/slides/slide7.xml><?xml version="1.0" encoding="utf-8"?>
 <p:sld xmlns:a="http://schemas.openxmlformats.org/drawingml/2006/main" xmlns:r="http://schemas.openxmlformats.org/officeDocument/2006/relationships" xmlns:p="http://schemas.openxmlformats.org/presentationml/2006/main">
   <p:cSld>
     <p:spTree>
@@ -10781,6 +11934,25 @@
               <a:buFont typeface="Arial" panose="020B0604020202020204" pitchFamily="34" charset="0"/>
               <a:buChar char="•"/>
             </a:pPr>
+            <a:r>
+              <a:rPr lang="fr-FR" dirty="0" err="1">
+                <a:solidFill>
+                  <a:schemeClr val="tx1"/>
+                </a:solidFill>
+              </a:rPr>
+              <a:t>Responsibility</a:t>
+            </a:r>
+            <a:endParaRPr lang="fr-FR" dirty="0">
+              <a:solidFill>
+                <a:schemeClr val="tx1"/>
+              </a:solidFill>
+            </a:endParaRPr>
+          </a:p>
+          <a:p>
+            <a:pPr marL="285750" indent="-285750" algn="just">
+              <a:buFont typeface="Arial" panose="020B0604020202020204" pitchFamily="34" charset="0"/>
+              <a:buChar char="•"/>
+            </a:pPr>
             <a:endParaRPr lang="fr-FR" dirty="0">
               <a:solidFill>
                 <a:schemeClr val="tx1"/>
@@ -10889,7 +12061,7 @@
 </p:sld>
 </file>
 
-<file path=ppt/slides/slide6.xml><?xml version="1.0" encoding="utf-8"?>
+<file path=ppt/slides/slide8.xml><?xml version="1.0" encoding="utf-8"?>
 <p:sld xmlns:a="http://schemas.openxmlformats.org/drawingml/2006/main" xmlns:r="http://schemas.openxmlformats.org/officeDocument/2006/relationships" xmlns:p="http://schemas.openxmlformats.org/presentationml/2006/main">
   <p:cSld>
     <p:spTree>
@@ -11008,6 +12180,22 @@
               <a:buFont typeface="Arial" panose="020B0604020202020204" pitchFamily="34" charset="0"/>
               <a:buChar char="•"/>
             </a:pPr>
+            <a:r>
+              <a:rPr lang="fr-FR" dirty="0">
+                <a:solidFill>
+                  <a:schemeClr val="tx1"/>
+                </a:solidFill>
+              </a:rPr>
+              <a:t>Open/</a:t>
+            </a:r>
+            <a:r>
+              <a:rPr lang="fr-FR" dirty="0" err="1">
+                <a:solidFill>
+                  <a:schemeClr val="tx1"/>
+                </a:solidFill>
+              </a:rPr>
+              <a:t>Closed</a:t>
+            </a:r>
             <a:endParaRPr lang="fr-FR" dirty="0">
               <a:solidFill>
                 <a:schemeClr val="tx1"/>
@@ -11019,13 +12207,24 @@
               <a:buFont typeface="Arial" panose="020B0604020202020204" pitchFamily="34" charset="0"/>
               <a:buChar char="•"/>
             </a:pPr>
+            <a:endParaRPr lang="fr-FR" dirty="0">
+              <a:solidFill>
+                <a:schemeClr val="tx1"/>
+              </a:solidFill>
+            </a:endParaRPr>
+          </a:p>
+          <a:p>
+            <a:pPr marL="285750" indent="-285750" algn="just">
+              <a:buFont typeface="Arial" panose="020B0604020202020204" pitchFamily="34" charset="0"/>
+              <a:buChar char="•"/>
+            </a:pPr>
             <a:r>
               <a:rPr lang="fr-FR" dirty="0">
                 <a:solidFill>
                   <a:schemeClr val="tx1"/>
                 </a:solidFill>
               </a:rPr>
-              <a:t>Tout code ou classe ne devrait jamais être modifiés pour une évolution (sauf bug), mais devrait être suffisamment ouverte aux évolutions futures.</a:t>
+              <a:t>Tout code ou classe ne devrait jamais être modifiés pour une évolution (sauf bug), mais devrait être suffisamment ouverts aux évolutions futures.</a:t>
             </a:r>
             <a:endParaRPr lang="fr-FR" dirty="0"/>
           </a:p>
@@ -11113,7 +12312,7 @@
 </p:sld>
 </file>
 
-<file path=ppt/slides/slide7.xml><?xml version="1.0" encoding="utf-8"?>
+<file path=ppt/slides/slide9.xml><?xml version="1.0" encoding="utf-8"?>
 <p:sld xmlns:a="http://schemas.openxmlformats.org/drawingml/2006/main" xmlns:r="http://schemas.openxmlformats.org/officeDocument/2006/relationships" xmlns:p="http://schemas.openxmlformats.org/presentationml/2006/main">
   <p:cSld>
     <p:spTree>
@@ -11228,70 +12427,22 @@
               <a:buFont typeface="Arial" panose="020B0604020202020204" pitchFamily="34" charset="0"/>
               <a:buChar char="•"/>
             </a:pPr>
-            <a:endParaRPr lang="fr-FR" dirty="0">
-              <a:solidFill>
-                <a:schemeClr val="tx1"/>
-              </a:solidFill>
-            </a:endParaRPr>
-          </a:p>
-          <a:p>
-            <a:pPr marL="285750" indent="-285750" algn="just">
-              <a:buFont typeface="Arial" panose="020B0604020202020204" pitchFamily="34" charset="0"/>
-              <a:buChar char="•"/>
-            </a:pPr>
+            <a:r>
+              <a:rPr lang="fr-FR" dirty="0" err="1">
+                <a:solidFill>
+                  <a:schemeClr val="tx1"/>
+                </a:solidFill>
+              </a:rPr>
+              <a:t>Liskov</a:t>
+            </a:r>
             <a:r>
               <a:rPr lang="fr-FR" dirty="0">
                 <a:solidFill>
                   <a:schemeClr val="tx1"/>
                 </a:solidFill>
               </a:rPr>
-              <a:t>Toute nouvelle classe dérivée ne doit pas changer le comportement induit par sa classe de base et peut donc se substituer à sa classe de base.</a:t>
-            </a:r>
-            <a:endParaRPr lang="fr-FR" dirty="0"/>
-          </a:p>
-          <a:p>
-            <a:pPr marL="914400" lvl="1" indent="-285750" algn="just"/>
-            <a:endParaRPr lang="fr-FR" dirty="0"/>
-          </a:p>
-          <a:p>
-            <a:pPr marL="285750" indent="-285750" algn="just"/>
-            <a:endParaRPr lang="fr-FR" dirty="0"/>
-          </a:p>
-          <a:p>
-            <a:pPr marL="914400" lvl="1" indent="-285750" algn="just"/>
-            <a:endParaRPr lang="fr-FR" dirty="0">
-              <a:solidFill>
-                <a:schemeClr val="tx1"/>
-              </a:solidFill>
-            </a:endParaRPr>
-          </a:p>
-          <a:p>
-            <a:pPr marL="914400" lvl="1" indent="-285750" algn="just"/>
-            <a:endParaRPr lang="fr-FR" dirty="0"/>
-          </a:p>
-          <a:p>
-            <a:pPr marL="285750" indent="-285750" algn="just"/>
-            <a:endParaRPr lang="fr-FR" dirty="0"/>
-          </a:p>
-          <a:p>
-            <a:pPr marL="285750" indent="-285750" algn="just"/>
-            <a:endParaRPr lang="fr-FR" dirty="0"/>
-          </a:p>
-          <a:p>
-            <a:pPr marL="285750" indent="-285750" algn="just"/>
-            <a:endParaRPr lang="fr-FR" dirty="0"/>
-          </a:p>
-          <a:p>
-            <a:pPr marL="914400" lvl="1" indent="-285750" algn="just"/>
-            <a:endParaRPr lang="fr-FR" dirty="0"/>
-          </a:p>
-          <a:p>
-            <a:pPr marL="914400" lvl="1" indent="-285750" algn="just"/>
-            <a:endParaRPr lang="fr-FR" dirty="0">
-              <a:solidFill>
-                <a:schemeClr val="tx1"/>
-              </a:solidFill>
-            </a:endParaRPr>
+              <a:t> substitution</a:t>
+            </a:r>
           </a:p>
           <a:p>
             <a:pPr marL="285750" indent="-285750" algn="just">
@@ -11305,133 +12456,64 @@
             </a:endParaRPr>
           </a:p>
           <a:p>
-            <a:pPr algn="just"/>
-            <a:endParaRPr lang="fr-FR" dirty="0"/>
-          </a:p>
-          <a:p>
-            <a:pPr marL="457200" lvl="1" indent="0" algn="just">
-              <a:buNone/>
+            <a:pPr marL="285750" indent="-285750" algn="just">
+              <a:buFont typeface="Arial" panose="020B0604020202020204" pitchFamily="34" charset="0"/>
+              <a:buChar char="•"/>
             </a:pPr>
-            <a:endParaRPr lang="fr-FR" dirty="0"/>
-          </a:p>
-        </p:txBody>
-      </p:sp>
-    </p:spTree>
-    <p:extLst>
-      <p:ext uri="{BB962C8B-B14F-4D97-AF65-F5344CB8AC3E}">
-        <p14:creationId xmlns:p14="http://schemas.microsoft.com/office/powerpoint/2010/main" val="4127206"/>
-      </p:ext>
-    </p:extLst>
-  </p:cSld>
-  <p:clrMapOvr>
-    <a:masterClrMapping/>
-  </p:clrMapOvr>
-</p:sld>
-</file>
-
-<file path=ppt/slides/slide8.xml><?xml version="1.0" encoding="utf-8"?>
-<p:sld xmlns:a="http://schemas.openxmlformats.org/drawingml/2006/main" xmlns:r="http://schemas.openxmlformats.org/officeDocument/2006/relationships" xmlns:p="http://schemas.openxmlformats.org/presentationml/2006/main">
-  <p:cSld>
-    <p:spTree>
-      <p:nvGrpSpPr>
-        <p:cNvPr id="1" name="">
-          <a:extLst>
-            <a:ext uri="{FF2B5EF4-FFF2-40B4-BE49-F238E27FC236}">
-              <a16:creationId xmlns:a16="http://schemas.microsoft.com/office/drawing/2014/main" id="{5B3FB07E-151B-E113-AD43-3FD6AD62B700}"/>
-            </a:ext>
-          </a:extLst>
-        </p:cNvPr>
-        <p:cNvGrpSpPr/>
-        <p:nvPr/>
-      </p:nvGrpSpPr>
-      <p:grpSpPr>
-        <a:xfrm>
-          <a:off x="0" y="0"/>
-          <a:ext cx="0" cy="0"/>
-          <a:chOff x="0" y="0"/>
-          <a:chExt cx="0" cy="0"/>
-        </a:xfrm>
-      </p:grpSpPr>
-      <p:sp>
-        <p:nvSpPr>
-          <p:cNvPr id="6" name="Title 5">
-            <a:extLst>
-              <a:ext uri="{FF2B5EF4-FFF2-40B4-BE49-F238E27FC236}">
-                <a16:creationId xmlns:a16="http://schemas.microsoft.com/office/drawing/2014/main" id="{130739AA-470D-0B16-0F28-5105E2F530E0}"/>
-              </a:ext>
-            </a:extLst>
-          </p:cNvPr>
-          <p:cNvSpPr>
-            <a:spLocks noGrp="1"/>
-          </p:cNvSpPr>
-          <p:nvPr>
-            <p:ph type="title"/>
-          </p:nvPr>
-        </p:nvSpPr>
-        <p:spPr/>
-        <p:txBody>
-          <a:bodyPr/>
-          <a:lstStyle/>
-          <a:p>
-            <a:r>
-              <a:rPr lang="fr-FR" dirty="0" err="1"/>
-              <a:t>I-nterface</a:t>
-            </a:r>
-            <a:r>
-              <a:rPr lang="fr-FR" dirty="0"/>
-              <a:t> </a:t>
-            </a:r>
-            <a:r>
-              <a:rPr lang="fr-FR" dirty="0" err="1"/>
-              <a:t>Segregation</a:t>
-            </a:r>
-            <a:r>
-              <a:rPr lang="fr-FR" dirty="0"/>
-              <a:t> </a:t>
-            </a:r>
-            <a:r>
-              <a:rPr lang="fr-FR" dirty="0" err="1"/>
-              <a:t>Principle</a:t>
-            </a:r>
-            <a:r>
-              <a:rPr lang="fr-FR" dirty="0"/>
-              <a:t> (ISP)</a:t>
-            </a:r>
-            <a:br>
-              <a:rPr lang="fr-FR" dirty="0"/>
-            </a:br>
-            <a:br>
-              <a:rPr lang="fr-FR" dirty="0"/>
-            </a:br>
-            <a:endParaRPr lang="fr-FR" dirty="0"/>
-          </a:p>
-        </p:txBody>
-      </p:sp>
-      <p:sp>
-        <p:nvSpPr>
-          <p:cNvPr id="7" name="Rectangle 3">
-            <a:extLst>
-              <a:ext uri="{FF2B5EF4-FFF2-40B4-BE49-F238E27FC236}">
-                <a16:creationId xmlns:a16="http://schemas.microsoft.com/office/drawing/2014/main" id="{20B50B99-EEB3-8EAF-48E3-E816770CCF87}"/>
-              </a:ext>
-            </a:extLst>
-          </p:cNvPr>
-          <p:cNvSpPr>
-            <a:spLocks noGrp="1" noChangeArrowheads="1"/>
-          </p:cNvSpPr>
-          <p:nvPr>
-            <p:ph type="body" sz="half" idx="2"/>
-          </p:nvPr>
-        </p:nvSpPr>
-        <p:spPr>
-          <a:xfrm>
-            <a:off x="285749" y="1082188"/>
-            <a:ext cx="8518282" cy="5457157"/>
-          </a:xfrm>
-        </p:spPr>
-        <p:txBody>
-          <a:bodyPr/>
-          <a:lstStyle/>
+            <a:r>
+              <a:rPr lang="fr-FR" dirty="0">
+                <a:solidFill>
+                  <a:schemeClr val="tx1"/>
+                </a:solidFill>
+              </a:rPr>
+              <a:t>Toute nouvelle classe dérivée ne doit pas changer le comportement induit par sa classe de base et peut donc se substituer à sa classe de base.</a:t>
+            </a:r>
+            <a:endParaRPr lang="fr-FR" dirty="0"/>
+          </a:p>
+          <a:p>
+            <a:pPr marL="914400" lvl="1" indent="-285750" algn="just"/>
+            <a:endParaRPr lang="fr-FR" dirty="0"/>
+          </a:p>
+          <a:p>
+            <a:pPr marL="285750" indent="-285750" algn="just"/>
+            <a:endParaRPr lang="fr-FR" dirty="0"/>
+          </a:p>
+          <a:p>
+            <a:pPr marL="914400" lvl="1" indent="-285750" algn="just"/>
+            <a:endParaRPr lang="fr-FR" dirty="0">
+              <a:solidFill>
+                <a:schemeClr val="tx1"/>
+              </a:solidFill>
+            </a:endParaRPr>
+          </a:p>
+          <a:p>
+            <a:pPr marL="914400" lvl="1" indent="-285750" algn="just"/>
+            <a:endParaRPr lang="fr-FR" dirty="0"/>
+          </a:p>
+          <a:p>
+            <a:pPr marL="285750" indent="-285750" algn="just"/>
+            <a:endParaRPr lang="fr-FR" dirty="0"/>
+          </a:p>
+          <a:p>
+            <a:pPr marL="285750" indent="-285750" algn="just"/>
+            <a:endParaRPr lang="fr-FR" dirty="0"/>
+          </a:p>
+          <a:p>
+            <a:pPr marL="285750" indent="-285750" algn="just"/>
+            <a:endParaRPr lang="fr-FR" dirty="0"/>
+          </a:p>
+          <a:p>
+            <a:pPr marL="914400" lvl="1" indent="-285750" algn="just"/>
+            <a:endParaRPr lang="fr-FR" dirty="0"/>
+          </a:p>
+          <a:p>
+            <a:pPr marL="914400" lvl="1" indent="-285750" algn="just"/>
+            <a:endParaRPr lang="fr-FR" dirty="0">
+              <a:solidFill>
+                <a:schemeClr val="tx1"/>
+              </a:solidFill>
+            </a:endParaRPr>
+          </a:p>
           <a:p>
             <a:pPr marL="285750" indent="-285750" algn="just">
               <a:buFont typeface="Arial" panose="020B0604020202020204" pitchFamily="34" charset="0"/>
@@ -11444,87 +12526,6 @@
             </a:endParaRPr>
           </a:p>
           <a:p>
-            <a:pPr marL="285750" indent="-285750" algn="just">
-              <a:buFont typeface="Arial" panose="020B0604020202020204" pitchFamily="34" charset="0"/>
-              <a:buChar char="•"/>
-            </a:pPr>
-            <a:endParaRPr lang="fr-FR" dirty="0">
-              <a:solidFill>
-                <a:schemeClr val="tx1"/>
-              </a:solidFill>
-            </a:endParaRPr>
-          </a:p>
-          <a:p>
-            <a:pPr marL="285750" indent="-285750" algn="just">
-              <a:buFont typeface="Arial" panose="020B0604020202020204" pitchFamily="34" charset="0"/>
-              <a:buChar char="•"/>
-            </a:pPr>
-            <a:r>
-              <a:rPr lang="fr-FR" dirty="0">
-                <a:solidFill>
-                  <a:schemeClr val="tx1"/>
-                </a:solidFill>
-              </a:rPr>
-              <a:t>Une classe implémentant une interface doit avoir l'utilité de toutes les éléments définis dans cette même interface.</a:t>
-            </a:r>
-            <a:endParaRPr lang="fr-FR" dirty="0"/>
-          </a:p>
-          <a:p>
-            <a:pPr marL="914400" lvl="1" indent="-285750" algn="just"/>
-            <a:endParaRPr lang="fr-FR" dirty="0"/>
-          </a:p>
-          <a:p>
-            <a:pPr marL="285750" indent="-285750" algn="just"/>
-            <a:endParaRPr lang="fr-FR" dirty="0"/>
-          </a:p>
-          <a:p>
-            <a:pPr marL="914400" lvl="1" indent="-285750" algn="just"/>
-            <a:endParaRPr lang="fr-FR" dirty="0">
-              <a:solidFill>
-                <a:schemeClr val="tx1"/>
-              </a:solidFill>
-            </a:endParaRPr>
-          </a:p>
-          <a:p>
-            <a:pPr marL="914400" lvl="1" indent="-285750" algn="just"/>
-            <a:endParaRPr lang="fr-FR" dirty="0"/>
-          </a:p>
-          <a:p>
-            <a:pPr marL="285750" indent="-285750" algn="just"/>
-            <a:endParaRPr lang="fr-FR" dirty="0"/>
-          </a:p>
-          <a:p>
-            <a:pPr marL="285750" indent="-285750" algn="just"/>
-            <a:endParaRPr lang="fr-FR" dirty="0"/>
-          </a:p>
-          <a:p>
-            <a:pPr marL="285750" indent="-285750" algn="just"/>
-            <a:endParaRPr lang="fr-FR" dirty="0"/>
-          </a:p>
-          <a:p>
-            <a:pPr marL="914400" lvl="1" indent="-285750" algn="just"/>
-            <a:endParaRPr lang="fr-FR" dirty="0"/>
-          </a:p>
-          <a:p>
-            <a:pPr marL="914400" lvl="1" indent="-285750" algn="just"/>
-            <a:endParaRPr lang="fr-FR" dirty="0">
-              <a:solidFill>
-                <a:schemeClr val="tx1"/>
-              </a:solidFill>
-            </a:endParaRPr>
-          </a:p>
-          <a:p>
-            <a:pPr marL="285750" indent="-285750" algn="just">
-              <a:buFont typeface="Arial" panose="020B0604020202020204" pitchFamily="34" charset="0"/>
-              <a:buChar char="•"/>
-            </a:pPr>
-            <a:endParaRPr lang="fr-FR" dirty="0">
-              <a:solidFill>
-                <a:schemeClr val="tx1"/>
-              </a:solidFill>
-            </a:endParaRPr>
-          </a:p>
-          <a:p>
             <a:pPr algn="just"/>
             <a:endParaRPr lang="fr-FR" dirty="0"/>
           </a:p>
@@ -11539,223 +12540,7 @@
     </p:spTree>
     <p:extLst>
       <p:ext uri="{BB962C8B-B14F-4D97-AF65-F5344CB8AC3E}">
-        <p14:creationId xmlns:p14="http://schemas.microsoft.com/office/powerpoint/2010/main" val="981680145"/>
-      </p:ext>
-    </p:extLst>
-  </p:cSld>
-  <p:clrMapOvr>
-    <a:masterClrMapping/>
-  </p:clrMapOvr>
-</p:sld>
-</file>
-
-<file path=ppt/slides/slide9.xml><?xml version="1.0" encoding="utf-8"?>
-<p:sld xmlns:a="http://schemas.openxmlformats.org/drawingml/2006/main" xmlns:r="http://schemas.openxmlformats.org/officeDocument/2006/relationships" xmlns:p="http://schemas.openxmlformats.org/presentationml/2006/main">
-  <p:cSld>
-    <p:spTree>
-      <p:nvGrpSpPr>
-        <p:cNvPr id="1" name="">
-          <a:extLst>
-            <a:ext uri="{FF2B5EF4-FFF2-40B4-BE49-F238E27FC236}">
-              <a16:creationId xmlns:a16="http://schemas.microsoft.com/office/drawing/2014/main" id="{C14EAAA9-9B3B-98CA-ED93-28B2FE217CC1}"/>
-            </a:ext>
-          </a:extLst>
-        </p:cNvPr>
-        <p:cNvGrpSpPr/>
-        <p:nvPr/>
-      </p:nvGrpSpPr>
-      <p:grpSpPr>
-        <a:xfrm>
-          <a:off x="0" y="0"/>
-          <a:ext cx="0" cy="0"/>
-          <a:chOff x="0" y="0"/>
-          <a:chExt cx="0" cy="0"/>
-        </a:xfrm>
-      </p:grpSpPr>
-      <p:sp>
-        <p:nvSpPr>
-          <p:cNvPr id="6" name="Title 5">
-            <a:extLst>
-              <a:ext uri="{FF2B5EF4-FFF2-40B4-BE49-F238E27FC236}">
-                <a16:creationId xmlns:a16="http://schemas.microsoft.com/office/drawing/2014/main" id="{A462C08C-C405-4601-7BDF-EAA60DD31DDA}"/>
-              </a:ext>
-            </a:extLst>
-          </p:cNvPr>
-          <p:cNvSpPr>
-            <a:spLocks noGrp="1"/>
-          </p:cNvSpPr>
-          <p:nvPr>
-            <p:ph type="title"/>
-          </p:nvPr>
-        </p:nvSpPr>
-        <p:spPr/>
-        <p:txBody>
-          <a:bodyPr/>
-          <a:lstStyle/>
-          <a:p>
-            <a:r>
-              <a:rPr lang="fr-FR" dirty="0"/>
-              <a:t>D-</a:t>
-            </a:r>
-            <a:r>
-              <a:rPr lang="fr-FR" dirty="0" err="1"/>
-              <a:t>ependency</a:t>
-            </a:r>
-            <a:r>
-              <a:rPr lang="fr-FR" dirty="0"/>
-              <a:t> Inversion </a:t>
-            </a:r>
-            <a:r>
-              <a:rPr lang="fr-FR" dirty="0" err="1"/>
-              <a:t>Principle</a:t>
-            </a:r>
-            <a:r>
-              <a:rPr lang="fr-FR" dirty="0"/>
-              <a:t> (DIP)</a:t>
-            </a:r>
-            <a:br>
-              <a:rPr lang="fr-FR" dirty="0"/>
-            </a:br>
-            <a:br>
-              <a:rPr lang="fr-FR" dirty="0"/>
-            </a:br>
-            <a:endParaRPr lang="fr-FR" dirty="0"/>
-          </a:p>
-        </p:txBody>
-      </p:sp>
-      <p:sp>
-        <p:nvSpPr>
-          <p:cNvPr id="7" name="Rectangle 3">
-            <a:extLst>
-              <a:ext uri="{FF2B5EF4-FFF2-40B4-BE49-F238E27FC236}">
-                <a16:creationId xmlns:a16="http://schemas.microsoft.com/office/drawing/2014/main" id="{D1885CAA-DA80-B196-5633-104F1F05FB18}"/>
-              </a:ext>
-            </a:extLst>
-          </p:cNvPr>
-          <p:cNvSpPr>
-            <a:spLocks noGrp="1" noChangeArrowheads="1"/>
-          </p:cNvSpPr>
-          <p:nvPr>
-            <p:ph type="body" sz="half" idx="2"/>
-          </p:nvPr>
-        </p:nvSpPr>
-        <p:spPr>
-          <a:xfrm>
-            <a:off x="285749" y="1082188"/>
-            <a:ext cx="8518282" cy="5457157"/>
-          </a:xfrm>
-        </p:spPr>
-        <p:txBody>
-          <a:bodyPr/>
-          <a:lstStyle/>
-          <a:p>
-            <a:pPr marL="285750" indent="-285750" algn="just">
-              <a:buFont typeface="Arial" panose="020B0604020202020204" pitchFamily="34" charset="0"/>
-              <a:buChar char="•"/>
-            </a:pPr>
-            <a:endParaRPr lang="fr-FR" dirty="0">
-              <a:solidFill>
-                <a:schemeClr val="tx1"/>
-              </a:solidFill>
-            </a:endParaRPr>
-          </a:p>
-          <a:p>
-            <a:pPr marL="285750" indent="-285750" algn="just">
-              <a:buFont typeface="Arial" panose="020B0604020202020204" pitchFamily="34" charset="0"/>
-              <a:buChar char="•"/>
-            </a:pPr>
-            <a:endParaRPr lang="fr-FR" dirty="0">
-              <a:solidFill>
-                <a:schemeClr val="tx1"/>
-              </a:solidFill>
-            </a:endParaRPr>
-          </a:p>
-          <a:p>
-            <a:pPr marL="285750" indent="-285750" algn="just">
-              <a:buFont typeface="Arial" panose="020B0604020202020204" pitchFamily="34" charset="0"/>
-              <a:buChar char="•"/>
-            </a:pPr>
-            <a:r>
-              <a:rPr lang="fr-FR" dirty="0">
-                <a:solidFill>
-                  <a:schemeClr val="tx1"/>
-                </a:solidFill>
-              </a:rPr>
-              <a:t>Il s'agit d'assurer un couplage faible entre le contrat d'utilisation d'un objet agrégé avec l'implémentation de ce même objet agrégé afin de pouvoir l'injecter.</a:t>
-            </a:r>
-            <a:endParaRPr lang="fr-FR" dirty="0"/>
-          </a:p>
-          <a:p>
-            <a:pPr marL="914400" lvl="1" indent="-285750" algn="just"/>
-            <a:endParaRPr lang="fr-FR" dirty="0"/>
-          </a:p>
-          <a:p>
-            <a:pPr marL="285750" indent="-285750" algn="just"/>
-            <a:endParaRPr lang="fr-FR" dirty="0"/>
-          </a:p>
-          <a:p>
-            <a:pPr marL="914400" lvl="1" indent="-285750" algn="just"/>
-            <a:endParaRPr lang="fr-FR" dirty="0">
-              <a:solidFill>
-                <a:schemeClr val="tx1"/>
-              </a:solidFill>
-            </a:endParaRPr>
-          </a:p>
-          <a:p>
-            <a:pPr marL="914400" lvl="1" indent="-285750" algn="just"/>
-            <a:endParaRPr lang="fr-FR" dirty="0"/>
-          </a:p>
-          <a:p>
-            <a:pPr marL="285750" indent="-285750" algn="just"/>
-            <a:endParaRPr lang="fr-FR" dirty="0"/>
-          </a:p>
-          <a:p>
-            <a:pPr marL="285750" indent="-285750" algn="just"/>
-            <a:endParaRPr lang="fr-FR" dirty="0"/>
-          </a:p>
-          <a:p>
-            <a:pPr marL="285750" indent="-285750" algn="just"/>
-            <a:endParaRPr lang="fr-FR" dirty="0"/>
-          </a:p>
-          <a:p>
-            <a:pPr marL="914400" lvl="1" indent="-285750" algn="just"/>
-            <a:endParaRPr lang="fr-FR" dirty="0"/>
-          </a:p>
-          <a:p>
-            <a:pPr marL="914400" lvl="1" indent="-285750" algn="just"/>
-            <a:endParaRPr lang="fr-FR" dirty="0">
-              <a:solidFill>
-                <a:schemeClr val="tx1"/>
-              </a:solidFill>
-            </a:endParaRPr>
-          </a:p>
-          <a:p>
-            <a:pPr marL="285750" indent="-285750" algn="just">
-              <a:buFont typeface="Arial" panose="020B0604020202020204" pitchFamily="34" charset="0"/>
-              <a:buChar char="•"/>
-            </a:pPr>
-            <a:endParaRPr lang="fr-FR" dirty="0">
-              <a:solidFill>
-                <a:schemeClr val="tx1"/>
-              </a:solidFill>
-            </a:endParaRPr>
-          </a:p>
-          <a:p>
-            <a:pPr algn="just"/>
-            <a:endParaRPr lang="fr-FR" dirty="0"/>
-          </a:p>
-          <a:p>
-            <a:pPr marL="457200" lvl="1" indent="0" algn="just">
-              <a:buNone/>
-            </a:pPr>
-            <a:endParaRPr lang="fr-FR" dirty="0"/>
-          </a:p>
-        </p:txBody>
-      </p:sp>
-    </p:spTree>
-    <p:extLst>
-      <p:ext uri="{BB962C8B-B14F-4D97-AF65-F5344CB8AC3E}">
-        <p14:creationId xmlns:p14="http://schemas.microsoft.com/office/powerpoint/2010/main" val="4107304474"/>
+        <p14:creationId xmlns:p14="http://schemas.microsoft.com/office/powerpoint/2010/main" val="4127206"/>
       </p:ext>
     </p:extLst>
   </p:cSld>
@@ -13034,12 +13819,6 @@
 </file>
 
 <file path=customXml/item2.xml><?xml version="1.0" encoding="utf-8"?>
-<p:properties xmlns:p="http://schemas.microsoft.com/office/2006/metadata/properties" xmlns:xsi="http://www.w3.org/2001/XMLSchema-instance" xmlns:pc="http://schemas.microsoft.com/office/infopath/2007/PartnerControls">
-  <documentManagement/>
-</p:properties>
-</file>
-
-<file path=customXml/item3.xml><?xml version="1.0" encoding="utf-8"?>
 <ct:contentTypeSchema xmlns:ct="http://schemas.microsoft.com/office/2006/metadata/contentType" xmlns:ma="http://schemas.microsoft.com/office/2006/metadata/properties/metaAttributes" ct:_="" ma:_="" ma:contentTypeName="Document" ma:contentTypeID="0x0101003B42BEE73716D74F813DF5C80B60F0B0" ma:contentTypeVersion="8" ma:contentTypeDescription="Crée un document." ma:contentTypeScope="" ma:versionID="264b3600e944d01ea98a462b8c028692">
   <xsd:schema xmlns:xsd="http://www.w3.org/2001/XMLSchema" xmlns:xs="http://www.w3.org/2001/XMLSchema" xmlns:p="http://schemas.microsoft.com/office/2006/metadata/properties" xmlns:ns2="a3b9b371-1c6a-41cd-a653-42d6abfd87b3" xmlns:ns3="44df9910-ab21-4010-a816-02cbe0b8aad6" targetNamespace="http://schemas.microsoft.com/office/2006/metadata/properties" ma:root="true" ma:fieldsID="858f0b061a4945091a3a4f01e2455272" ns2:_="" ns3:_="">
     <xsd:import namespace="a3b9b371-1c6a-41cd-a653-42d6abfd87b3"/>
@@ -13230,6 +14009,12 @@
 </ct:contentTypeSchema>
 </file>
 
+<file path=customXml/item3.xml><?xml version="1.0" encoding="utf-8"?>
+<p:properties xmlns:p="http://schemas.microsoft.com/office/2006/metadata/properties" xmlns:xsi="http://www.w3.org/2001/XMLSchema-instance" xmlns:pc="http://schemas.microsoft.com/office/infopath/2007/PartnerControls">
+  <documentManagement/>
+</p:properties>
+</file>
+
 <file path=customXml/itemProps1.xml><?xml version="1.0" encoding="utf-8"?>
 <ds:datastoreItem xmlns:ds="http://schemas.openxmlformats.org/officeDocument/2006/customXml" ds:itemID="{BFFD340B-4C2F-40B7-ACAC-8EC917B617D1}">
   <ds:schemaRefs>
@@ -13239,21 +14024,6 @@
 </file>
 
 <file path=customXml/itemProps2.xml><?xml version="1.0" encoding="utf-8"?>
-<ds:datastoreItem xmlns:ds="http://schemas.openxmlformats.org/officeDocument/2006/customXml" ds:itemID="{AEEDCACA-F958-4F43-A59D-0E773A983348}">
-  <ds:schemaRefs>
-    <ds:schemaRef ds:uri="http://purl.org/dc/dcmitype/"/>
-    <ds:schemaRef ds:uri="http://schemas.microsoft.com/office/2006/documentManagement/types"/>
-    <ds:schemaRef ds:uri="http://www.w3.org/XML/1998/namespace"/>
-    <ds:schemaRef ds:uri="http://schemas.microsoft.com/office/2006/metadata/properties"/>
-    <ds:schemaRef ds:uri="http://schemas.openxmlformats.org/package/2006/metadata/core-properties"/>
-    <ds:schemaRef ds:uri="http://purl.org/dc/elements/1.1/"/>
-    <ds:schemaRef ds:uri="http://schemas.microsoft.com/office/infopath/2007/PartnerControls"/>
-    <ds:schemaRef ds:uri="http://purl.org/dc/terms/"/>
-  </ds:schemaRefs>
-</ds:datastoreItem>
-</file>
-
-<file path=customXml/itemProps3.xml><?xml version="1.0" encoding="utf-8"?>
 <ds:datastoreItem xmlns:ds="http://schemas.openxmlformats.org/officeDocument/2006/customXml" ds:itemID="{53FE1518-1664-448F-8B7F-1375EECB5E2F}">
   <ds:schemaRefs>
     <ds:schemaRef ds:uri="http://schemas.microsoft.com/office/2006/metadata/contentType"/>
@@ -13270,4 +14040,19 @@
     <ds:schemaRef ds:uri="http://schemas.microsoft.com/internal/obd"/>
   </ds:schemaRefs>
 </ds:datastoreItem>
+</file>
+
+<file path=customXml/itemProps3.xml><?xml version="1.0" encoding="utf-8"?>
+<ds:datastoreItem xmlns:ds="http://schemas.openxmlformats.org/officeDocument/2006/customXml" ds:itemID="{AEEDCACA-F958-4F43-A59D-0E773A983348}">
+  <ds:schemaRefs>
+    <ds:schemaRef ds:uri="http://purl.org/dc/dcmitype/"/>
+    <ds:schemaRef ds:uri="http://schemas.microsoft.com/office/2006/documentManagement/types"/>
+    <ds:schemaRef ds:uri="http://www.w3.org/XML/1998/namespace"/>
+    <ds:schemaRef ds:uri="http://schemas.microsoft.com/office/2006/metadata/properties"/>
+    <ds:schemaRef ds:uri="http://schemas.openxmlformats.org/package/2006/metadata/core-properties"/>
+    <ds:schemaRef ds:uri="http://purl.org/dc/elements/1.1/"/>
+    <ds:schemaRef ds:uri="http://schemas.microsoft.com/office/infopath/2007/PartnerControls"/>
+    <ds:schemaRef ds:uri="http://purl.org/dc/terms/"/>
+  </ds:schemaRefs>
+</ds:datastoreItem>
 </file>
--- a/ObjectCalisthenics.pptx
+++ b/ObjectCalisthenics.pptx
@@ -12224,7 +12224,39 @@
                   <a:schemeClr val="tx1"/>
                 </a:solidFill>
               </a:rPr>
-              <a:t>Tout code ou classe ne devrait jamais être modifiés pour une évolution (sauf bug), mais devrait être suffisamment ouverts aux évolutions futures.</a:t>
+              <a:t>Tout code ou classe ne devrait jamais être modifié</a:t>
+            </a:r>
+            <a:r>
+              <a:rPr lang="fr-FR">
+                <a:solidFill>
+                  <a:schemeClr val="tx1"/>
+                </a:solidFill>
+              </a:rPr>
+              <a:t>(s) </a:t>
+            </a:r>
+            <a:r>
+              <a:rPr lang="fr-FR" dirty="0">
+                <a:solidFill>
+                  <a:schemeClr val="tx1"/>
+                </a:solidFill>
+              </a:rPr>
+              <a:t>pour une évolution (sauf bug), mais devrait être </a:t>
+            </a:r>
+            <a:r>
+              <a:rPr lang="fr-FR">
+                <a:solidFill>
+                  <a:schemeClr val="tx1"/>
+                </a:solidFill>
+              </a:rPr>
+              <a:t>suffisamment ouvert(s) </a:t>
+            </a:r>
+            <a:r>
+              <a:rPr lang="fr-FR" dirty="0">
+                <a:solidFill>
+                  <a:schemeClr val="tx1"/>
+                </a:solidFill>
+              </a:rPr>
+              <a:t>aux évolutions futures.</a:t>
             </a:r>
             <a:endParaRPr lang="fr-FR" dirty="0"/>
           </a:p>

--- a/ObjectCalisthenics.pptx
+++ b/ObjectCalisthenics.pptx
@@ -7,7 +7,7 @@
     <p:sldMasterId id="2147485416" r:id="rId6"/>
   </p:sldMasterIdLst>
   <p:notesMasterIdLst>
-    <p:notesMasterId r:id="rId30"/>
+    <p:notesMasterId r:id="rId34"/>
   </p:notesMasterIdLst>
   <p:sldIdLst>
     <p:sldId id="287" r:id="rId7"/>
@@ -32,7 +32,11 @@
     <p:sldId id="350" r:id="rId26"/>
     <p:sldId id="351" r:id="rId27"/>
     <p:sldId id="352" r:id="rId28"/>
-    <p:sldId id="308" r:id="rId29"/>
+    <p:sldId id="356" r:id="rId29"/>
+    <p:sldId id="357" r:id="rId30"/>
+    <p:sldId id="358" r:id="rId31"/>
+    <p:sldId id="359" r:id="rId32"/>
+    <p:sldId id="308" r:id="rId33"/>
   </p:sldIdLst>
   <p:sldSz cx="9144000" cy="6858000" type="screen4x3"/>
   <p:notesSz cx="6858000" cy="9144000"/>
@@ -1128,7 +1132,7 @@
               <a:pPr>
                 <a:defRPr/>
               </a:pPr>
-              <a:t>22/03/2024</a:t>
+              <a:t>23/03/2024</a:t>
             </a:fld>
             <a:endParaRPr lang="fr-FR" dirty="0"/>
           </a:p>
@@ -3130,6 +3134,462 @@
     <p:extLst>
       <p:ext uri="{BB962C8B-B14F-4D97-AF65-F5344CB8AC3E}">
         <p14:creationId xmlns:p14="http://schemas.microsoft.com/office/powerpoint/2010/main" val="3442753755"/>
+      </p:ext>
+    </p:extLst>
+  </p:cSld>
+  <p:clrMapOvr>
+    <a:masterClrMapping/>
+  </p:clrMapOvr>
+</p:notes>
+</file>
+
+<file path=ppt/notesSlides/notesSlide23.xml><?xml version="1.0" encoding="utf-8"?>
+<p:notes xmlns:a="http://schemas.openxmlformats.org/drawingml/2006/main" xmlns:r="http://schemas.openxmlformats.org/officeDocument/2006/relationships" xmlns:p="http://schemas.openxmlformats.org/presentationml/2006/main">
+  <p:cSld>
+    <p:spTree>
+      <p:nvGrpSpPr>
+        <p:cNvPr id="1" name="">
+          <a:extLst>
+            <a:ext uri="{FF2B5EF4-FFF2-40B4-BE49-F238E27FC236}">
+              <a16:creationId xmlns:a16="http://schemas.microsoft.com/office/drawing/2014/main" id="{7BBD71AC-E5DF-BAD4-8F22-9388D0315F50}"/>
+            </a:ext>
+          </a:extLst>
+        </p:cNvPr>
+        <p:cNvGrpSpPr/>
+        <p:nvPr/>
+      </p:nvGrpSpPr>
+      <p:grpSpPr>
+        <a:xfrm>
+          <a:off x="0" y="0"/>
+          <a:ext cx="0" cy="0"/>
+          <a:chOff x="0" y="0"/>
+          <a:chExt cx="0" cy="0"/>
+        </a:xfrm>
+      </p:grpSpPr>
+      <p:sp>
+        <p:nvSpPr>
+          <p:cNvPr id="2" name="Espace réservé de l'image des diapositives 1">
+            <a:extLst>
+              <a:ext uri="{FF2B5EF4-FFF2-40B4-BE49-F238E27FC236}">
+                <a16:creationId xmlns:a16="http://schemas.microsoft.com/office/drawing/2014/main" id="{75D06930-B4D4-7BFF-68B0-80D6696CFD7D}"/>
+              </a:ext>
+            </a:extLst>
+          </p:cNvPr>
+          <p:cNvSpPr>
+            <a:spLocks noGrp="1" noRot="1" noChangeAspect="1"/>
+          </p:cNvSpPr>
+          <p:nvPr>
+            <p:ph type="sldImg"/>
+          </p:nvPr>
+        </p:nvSpPr>
+        <p:spPr/>
+      </p:sp>
+      <p:sp>
+        <p:nvSpPr>
+          <p:cNvPr id="3" name="Espace réservé des notes 2">
+            <a:extLst>
+              <a:ext uri="{FF2B5EF4-FFF2-40B4-BE49-F238E27FC236}">
+                <a16:creationId xmlns:a16="http://schemas.microsoft.com/office/drawing/2014/main" id="{7FEDC592-8F08-D172-5E97-6B1ED66A9850}"/>
+              </a:ext>
+            </a:extLst>
+          </p:cNvPr>
+          <p:cNvSpPr>
+            <a:spLocks noGrp="1"/>
+          </p:cNvSpPr>
+          <p:nvPr>
+            <p:ph type="body" idx="1"/>
+          </p:nvPr>
+        </p:nvSpPr>
+        <p:spPr/>
+        <p:txBody>
+          <a:bodyPr/>
+          <a:lstStyle/>
+          <a:p>
+            <a:endParaRPr lang="en-US" dirty="0"/>
+          </a:p>
+        </p:txBody>
+      </p:sp>
+      <p:sp>
+        <p:nvSpPr>
+          <p:cNvPr id="4" name="Espace réservé du numéro de diapositive 3">
+            <a:extLst>
+              <a:ext uri="{FF2B5EF4-FFF2-40B4-BE49-F238E27FC236}">
+                <a16:creationId xmlns:a16="http://schemas.microsoft.com/office/drawing/2014/main" id="{5E240552-3579-8E0C-06D2-C95EDF94D32E}"/>
+              </a:ext>
+            </a:extLst>
+          </p:cNvPr>
+          <p:cNvSpPr>
+            <a:spLocks noGrp="1"/>
+          </p:cNvSpPr>
+          <p:nvPr>
+            <p:ph type="sldNum" sz="quarter" idx="10"/>
+          </p:nvPr>
+        </p:nvSpPr>
+        <p:spPr/>
+        <p:txBody>
+          <a:bodyPr/>
+          <a:lstStyle/>
+          <a:p>
+            <a:pPr>
+              <a:defRPr/>
+            </a:pPr>
+            <a:fld id="{FBCC3686-6725-4AFD-ADDC-6473F9C2C89C}" type="slidenum">
+              <a:rPr lang="fr-FR" smtClean="0"/>
+              <a:pPr>
+                <a:defRPr/>
+              </a:pPr>
+              <a:t>23</a:t>
+            </a:fld>
+            <a:endParaRPr lang="fr-FR" dirty="0"/>
+          </a:p>
+        </p:txBody>
+      </p:sp>
+    </p:spTree>
+    <p:extLst>
+      <p:ext uri="{BB962C8B-B14F-4D97-AF65-F5344CB8AC3E}">
+        <p14:creationId xmlns:p14="http://schemas.microsoft.com/office/powerpoint/2010/main" val="3754545163"/>
+      </p:ext>
+    </p:extLst>
+  </p:cSld>
+  <p:clrMapOvr>
+    <a:masterClrMapping/>
+  </p:clrMapOvr>
+</p:notes>
+</file>
+
+<file path=ppt/notesSlides/notesSlide24.xml><?xml version="1.0" encoding="utf-8"?>
+<p:notes xmlns:a="http://schemas.openxmlformats.org/drawingml/2006/main" xmlns:r="http://schemas.openxmlformats.org/officeDocument/2006/relationships" xmlns:p="http://schemas.openxmlformats.org/presentationml/2006/main">
+  <p:cSld>
+    <p:spTree>
+      <p:nvGrpSpPr>
+        <p:cNvPr id="1" name="">
+          <a:extLst>
+            <a:ext uri="{FF2B5EF4-FFF2-40B4-BE49-F238E27FC236}">
+              <a16:creationId xmlns:a16="http://schemas.microsoft.com/office/drawing/2014/main" id="{462DA57B-DC1B-3E2E-7A30-A74A4C04D852}"/>
+            </a:ext>
+          </a:extLst>
+        </p:cNvPr>
+        <p:cNvGrpSpPr/>
+        <p:nvPr/>
+      </p:nvGrpSpPr>
+      <p:grpSpPr>
+        <a:xfrm>
+          <a:off x="0" y="0"/>
+          <a:ext cx="0" cy="0"/>
+          <a:chOff x="0" y="0"/>
+          <a:chExt cx="0" cy="0"/>
+        </a:xfrm>
+      </p:grpSpPr>
+      <p:sp>
+        <p:nvSpPr>
+          <p:cNvPr id="2" name="Espace réservé de l'image des diapositives 1">
+            <a:extLst>
+              <a:ext uri="{FF2B5EF4-FFF2-40B4-BE49-F238E27FC236}">
+                <a16:creationId xmlns:a16="http://schemas.microsoft.com/office/drawing/2014/main" id="{5018624E-0913-49AB-14BB-B77A0920FA84}"/>
+              </a:ext>
+            </a:extLst>
+          </p:cNvPr>
+          <p:cNvSpPr>
+            <a:spLocks noGrp="1" noRot="1" noChangeAspect="1"/>
+          </p:cNvSpPr>
+          <p:nvPr>
+            <p:ph type="sldImg"/>
+          </p:nvPr>
+        </p:nvSpPr>
+        <p:spPr/>
+      </p:sp>
+      <p:sp>
+        <p:nvSpPr>
+          <p:cNvPr id="3" name="Espace réservé des notes 2">
+            <a:extLst>
+              <a:ext uri="{FF2B5EF4-FFF2-40B4-BE49-F238E27FC236}">
+                <a16:creationId xmlns:a16="http://schemas.microsoft.com/office/drawing/2014/main" id="{A9286935-FAFC-ECA9-C14A-E715182C0E40}"/>
+              </a:ext>
+            </a:extLst>
+          </p:cNvPr>
+          <p:cNvSpPr>
+            <a:spLocks noGrp="1"/>
+          </p:cNvSpPr>
+          <p:nvPr>
+            <p:ph type="body" idx="1"/>
+          </p:nvPr>
+        </p:nvSpPr>
+        <p:spPr/>
+        <p:txBody>
+          <a:bodyPr/>
+          <a:lstStyle/>
+          <a:p>
+            <a:endParaRPr lang="en-US" dirty="0"/>
+          </a:p>
+        </p:txBody>
+      </p:sp>
+      <p:sp>
+        <p:nvSpPr>
+          <p:cNvPr id="4" name="Espace réservé du numéro de diapositive 3">
+            <a:extLst>
+              <a:ext uri="{FF2B5EF4-FFF2-40B4-BE49-F238E27FC236}">
+                <a16:creationId xmlns:a16="http://schemas.microsoft.com/office/drawing/2014/main" id="{FAD93F97-B9D3-6A86-A409-D95FBC27D12C}"/>
+              </a:ext>
+            </a:extLst>
+          </p:cNvPr>
+          <p:cNvSpPr>
+            <a:spLocks noGrp="1"/>
+          </p:cNvSpPr>
+          <p:nvPr>
+            <p:ph type="sldNum" sz="quarter" idx="10"/>
+          </p:nvPr>
+        </p:nvSpPr>
+        <p:spPr/>
+        <p:txBody>
+          <a:bodyPr/>
+          <a:lstStyle/>
+          <a:p>
+            <a:pPr>
+              <a:defRPr/>
+            </a:pPr>
+            <a:fld id="{FBCC3686-6725-4AFD-ADDC-6473F9C2C89C}" type="slidenum">
+              <a:rPr lang="fr-FR" smtClean="0"/>
+              <a:pPr>
+                <a:defRPr/>
+              </a:pPr>
+              <a:t>24</a:t>
+            </a:fld>
+            <a:endParaRPr lang="fr-FR" dirty="0"/>
+          </a:p>
+        </p:txBody>
+      </p:sp>
+    </p:spTree>
+    <p:extLst>
+      <p:ext uri="{BB962C8B-B14F-4D97-AF65-F5344CB8AC3E}">
+        <p14:creationId xmlns:p14="http://schemas.microsoft.com/office/powerpoint/2010/main" val="581602400"/>
+      </p:ext>
+    </p:extLst>
+  </p:cSld>
+  <p:clrMapOvr>
+    <a:masterClrMapping/>
+  </p:clrMapOvr>
+</p:notes>
+</file>
+
+<file path=ppt/notesSlides/notesSlide25.xml><?xml version="1.0" encoding="utf-8"?>
+<p:notes xmlns:a="http://schemas.openxmlformats.org/drawingml/2006/main" xmlns:r="http://schemas.openxmlformats.org/officeDocument/2006/relationships" xmlns:p="http://schemas.openxmlformats.org/presentationml/2006/main">
+  <p:cSld>
+    <p:spTree>
+      <p:nvGrpSpPr>
+        <p:cNvPr id="1" name="">
+          <a:extLst>
+            <a:ext uri="{FF2B5EF4-FFF2-40B4-BE49-F238E27FC236}">
+              <a16:creationId xmlns:a16="http://schemas.microsoft.com/office/drawing/2014/main" id="{B46D0FC4-8E6E-276F-5031-F79F61B5D8E7}"/>
+            </a:ext>
+          </a:extLst>
+        </p:cNvPr>
+        <p:cNvGrpSpPr/>
+        <p:nvPr/>
+      </p:nvGrpSpPr>
+      <p:grpSpPr>
+        <a:xfrm>
+          <a:off x="0" y="0"/>
+          <a:ext cx="0" cy="0"/>
+          <a:chOff x="0" y="0"/>
+          <a:chExt cx="0" cy="0"/>
+        </a:xfrm>
+      </p:grpSpPr>
+      <p:sp>
+        <p:nvSpPr>
+          <p:cNvPr id="2" name="Espace réservé de l'image des diapositives 1">
+            <a:extLst>
+              <a:ext uri="{FF2B5EF4-FFF2-40B4-BE49-F238E27FC236}">
+                <a16:creationId xmlns:a16="http://schemas.microsoft.com/office/drawing/2014/main" id="{70D5CB58-A763-996A-C417-05BA9140FB07}"/>
+              </a:ext>
+            </a:extLst>
+          </p:cNvPr>
+          <p:cNvSpPr>
+            <a:spLocks noGrp="1" noRot="1" noChangeAspect="1"/>
+          </p:cNvSpPr>
+          <p:nvPr>
+            <p:ph type="sldImg"/>
+          </p:nvPr>
+        </p:nvSpPr>
+        <p:spPr/>
+      </p:sp>
+      <p:sp>
+        <p:nvSpPr>
+          <p:cNvPr id="3" name="Espace réservé des notes 2">
+            <a:extLst>
+              <a:ext uri="{FF2B5EF4-FFF2-40B4-BE49-F238E27FC236}">
+                <a16:creationId xmlns:a16="http://schemas.microsoft.com/office/drawing/2014/main" id="{03265198-0A0E-E70C-5293-73A40F399B97}"/>
+              </a:ext>
+            </a:extLst>
+          </p:cNvPr>
+          <p:cNvSpPr>
+            <a:spLocks noGrp="1"/>
+          </p:cNvSpPr>
+          <p:nvPr>
+            <p:ph type="body" idx="1"/>
+          </p:nvPr>
+        </p:nvSpPr>
+        <p:spPr/>
+        <p:txBody>
+          <a:bodyPr/>
+          <a:lstStyle/>
+          <a:p>
+            <a:endParaRPr lang="en-US" dirty="0"/>
+          </a:p>
+        </p:txBody>
+      </p:sp>
+      <p:sp>
+        <p:nvSpPr>
+          <p:cNvPr id="4" name="Espace réservé du numéro de diapositive 3">
+            <a:extLst>
+              <a:ext uri="{FF2B5EF4-FFF2-40B4-BE49-F238E27FC236}">
+                <a16:creationId xmlns:a16="http://schemas.microsoft.com/office/drawing/2014/main" id="{573BBFAF-E200-D0BF-6755-09B3F0C288C7}"/>
+              </a:ext>
+            </a:extLst>
+          </p:cNvPr>
+          <p:cNvSpPr>
+            <a:spLocks noGrp="1"/>
+          </p:cNvSpPr>
+          <p:nvPr>
+            <p:ph type="sldNum" sz="quarter" idx="10"/>
+          </p:nvPr>
+        </p:nvSpPr>
+        <p:spPr/>
+        <p:txBody>
+          <a:bodyPr/>
+          <a:lstStyle/>
+          <a:p>
+            <a:pPr>
+              <a:defRPr/>
+            </a:pPr>
+            <a:fld id="{FBCC3686-6725-4AFD-ADDC-6473F9C2C89C}" type="slidenum">
+              <a:rPr lang="fr-FR" smtClean="0"/>
+              <a:pPr>
+                <a:defRPr/>
+              </a:pPr>
+              <a:t>25</a:t>
+            </a:fld>
+            <a:endParaRPr lang="fr-FR" dirty="0"/>
+          </a:p>
+        </p:txBody>
+      </p:sp>
+    </p:spTree>
+    <p:extLst>
+      <p:ext uri="{BB962C8B-B14F-4D97-AF65-F5344CB8AC3E}">
+        <p14:creationId xmlns:p14="http://schemas.microsoft.com/office/powerpoint/2010/main" val="2236909692"/>
+      </p:ext>
+    </p:extLst>
+  </p:cSld>
+  <p:clrMapOvr>
+    <a:masterClrMapping/>
+  </p:clrMapOvr>
+</p:notes>
+</file>
+
+<file path=ppt/notesSlides/notesSlide26.xml><?xml version="1.0" encoding="utf-8"?>
+<p:notes xmlns:a="http://schemas.openxmlformats.org/drawingml/2006/main" xmlns:r="http://schemas.openxmlformats.org/officeDocument/2006/relationships" xmlns:p="http://schemas.openxmlformats.org/presentationml/2006/main">
+  <p:cSld>
+    <p:spTree>
+      <p:nvGrpSpPr>
+        <p:cNvPr id="1" name="">
+          <a:extLst>
+            <a:ext uri="{FF2B5EF4-FFF2-40B4-BE49-F238E27FC236}">
+              <a16:creationId xmlns:a16="http://schemas.microsoft.com/office/drawing/2014/main" id="{21957218-9650-623C-3F76-E30FF9FDD990}"/>
+            </a:ext>
+          </a:extLst>
+        </p:cNvPr>
+        <p:cNvGrpSpPr/>
+        <p:nvPr/>
+      </p:nvGrpSpPr>
+      <p:grpSpPr>
+        <a:xfrm>
+          <a:off x="0" y="0"/>
+          <a:ext cx="0" cy="0"/>
+          <a:chOff x="0" y="0"/>
+          <a:chExt cx="0" cy="0"/>
+        </a:xfrm>
+      </p:grpSpPr>
+      <p:sp>
+        <p:nvSpPr>
+          <p:cNvPr id="2" name="Espace réservé de l'image des diapositives 1">
+            <a:extLst>
+              <a:ext uri="{FF2B5EF4-FFF2-40B4-BE49-F238E27FC236}">
+                <a16:creationId xmlns:a16="http://schemas.microsoft.com/office/drawing/2014/main" id="{32A986BD-7E8D-51D8-EB85-942A22C57397}"/>
+              </a:ext>
+            </a:extLst>
+          </p:cNvPr>
+          <p:cNvSpPr>
+            <a:spLocks noGrp="1" noRot="1" noChangeAspect="1"/>
+          </p:cNvSpPr>
+          <p:nvPr>
+            <p:ph type="sldImg"/>
+          </p:nvPr>
+        </p:nvSpPr>
+        <p:spPr/>
+      </p:sp>
+      <p:sp>
+        <p:nvSpPr>
+          <p:cNvPr id="3" name="Espace réservé des notes 2">
+            <a:extLst>
+              <a:ext uri="{FF2B5EF4-FFF2-40B4-BE49-F238E27FC236}">
+                <a16:creationId xmlns:a16="http://schemas.microsoft.com/office/drawing/2014/main" id="{D143A74A-5041-9A71-10E2-58B810049729}"/>
+              </a:ext>
+            </a:extLst>
+          </p:cNvPr>
+          <p:cNvSpPr>
+            <a:spLocks noGrp="1"/>
+          </p:cNvSpPr>
+          <p:nvPr>
+            <p:ph type="body" idx="1"/>
+          </p:nvPr>
+        </p:nvSpPr>
+        <p:spPr/>
+        <p:txBody>
+          <a:bodyPr/>
+          <a:lstStyle/>
+          <a:p>
+            <a:endParaRPr lang="en-US" dirty="0"/>
+          </a:p>
+        </p:txBody>
+      </p:sp>
+      <p:sp>
+        <p:nvSpPr>
+          <p:cNvPr id="4" name="Espace réservé du numéro de diapositive 3">
+            <a:extLst>
+              <a:ext uri="{FF2B5EF4-FFF2-40B4-BE49-F238E27FC236}">
+                <a16:creationId xmlns:a16="http://schemas.microsoft.com/office/drawing/2014/main" id="{DF6292B4-01D5-AE28-4390-E9A2978B497C}"/>
+              </a:ext>
+            </a:extLst>
+          </p:cNvPr>
+          <p:cNvSpPr>
+            <a:spLocks noGrp="1"/>
+          </p:cNvSpPr>
+          <p:nvPr>
+            <p:ph type="sldNum" sz="quarter" idx="10"/>
+          </p:nvPr>
+        </p:nvSpPr>
+        <p:spPr/>
+        <p:txBody>
+          <a:bodyPr/>
+          <a:lstStyle/>
+          <a:p>
+            <a:pPr>
+              <a:defRPr/>
+            </a:pPr>
+            <a:fld id="{FBCC3686-6725-4AFD-ADDC-6473F9C2C89C}" type="slidenum">
+              <a:rPr lang="fr-FR" smtClean="0"/>
+              <a:pPr>
+                <a:defRPr/>
+              </a:pPr>
+              <a:t>26</a:t>
+            </a:fld>
+            <a:endParaRPr lang="fr-FR" dirty="0"/>
+          </a:p>
+        </p:txBody>
+      </p:sp>
+    </p:spTree>
+    <p:extLst>
+      <p:ext uri="{BB962C8B-B14F-4D97-AF65-F5344CB8AC3E}">
+        <p14:creationId xmlns:p14="http://schemas.microsoft.com/office/powerpoint/2010/main" val="1422168340"/>
       </p:ext>
     </p:extLst>
   </p:cSld>
@@ -8890,7 +9350,7 @@
                   <a:schemeClr val="tx1"/>
                 </a:solidFill>
               </a:rPr>
-              <a:t>Pas plus de 5 variables d'instances (attributs ou propriétés)</a:t>
+              <a:t>Pas plus de 2 variables d'instances (attributs ou propriétés)</a:t>
             </a:r>
           </a:p>
           <a:p>
@@ -10526,7 +10986,7 @@
           <a:p>
             <a:r>
               <a:rPr lang="fr-FR" dirty="0"/>
-              <a:t>Pas plus de 5 variables d'instances (attributs ou propriétés)</a:t>
+              <a:t>Pas plus de 2 variables d'instances (attributs ou propriétés)</a:t>
             </a:r>
           </a:p>
         </p:txBody>
@@ -10578,7 +11038,7 @@
                   <a:schemeClr val="tx1"/>
                 </a:solidFill>
               </a:rPr>
-              <a:t>Il ne faut pas avoir plus de 5 variables d'instances pour une même classe ; cas signifiant que l'on a sûrement mal découpé et qu'on n'a pas respecté le principe SRP de SOLID...</a:t>
+              <a:t>Il ne faut pas avoir plus de 2 variables d'instances pour une même classe.</a:t>
             </a:r>
           </a:p>
           <a:p>
@@ -10603,9 +11063,8 @@
                   <a:schemeClr val="tx1"/>
                 </a:solidFill>
               </a:rPr>
-              <a:t>Ce point est très proche de la Loi de Demeter avec un seul point par ligne. Il ne peut être pas toujours possible d'interdire les Getter mais il faut toujours limiter voir interdire les Setter afin d'utiliser des méthodes dédiées pour ne pas désencapsuler l'objet.</a:t>
-            </a:r>
-            <a:endParaRPr lang="fr-FR" dirty="0"/>
+              <a:t>Si on dépasse, c’est que l'on a sûrement mal découpé ou qu'on n'a pas respecté le principe SRP de SOLID...</a:t>
+            </a:r>
           </a:p>
         </p:txBody>
       </p:sp>
@@ -10827,6 +11286,972 @@
 </file>
 
 <file path=ppt/slides/slide23.xml><?xml version="1.0" encoding="utf-8"?>
+<p:sld xmlns:a="http://schemas.openxmlformats.org/drawingml/2006/main" xmlns:r="http://schemas.openxmlformats.org/officeDocument/2006/relationships" xmlns:p="http://schemas.openxmlformats.org/presentationml/2006/main">
+  <p:cSld>
+    <p:spTree>
+      <p:nvGrpSpPr>
+        <p:cNvPr id="1" name="">
+          <a:extLst>
+            <a:ext uri="{FF2B5EF4-FFF2-40B4-BE49-F238E27FC236}">
+              <a16:creationId xmlns:a16="http://schemas.microsoft.com/office/drawing/2014/main" id="{8169E064-246A-ADBC-AFE0-9B25867CAD2C}"/>
+            </a:ext>
+          </a:extLst>
+        </p:cNvPr>
+        <p:cNvGrpSpPr/>
+        <p:nvPr/>
+      </p:nvGrpSpPr>
+      <p:grpSpPr>
+        <a:xfrm>
+          <a:off x="0" y="0"/>
+          <a:ext cx="0" cy="0"/>
+          <a:chOff x="0" y="0"/>
+          <a:chExt cx="0" cy="0"/>
+        </a:xfrm>
+      </p:grpSpPr>
+      <p:pic>
+        <p:nvPicPr>
+          <p:cNvPr id="8" name="Picture Placeholder 7">
+            <a:extLst>
+              <a:ext uri="{FF2B5EF4-FFF2-40B4-BE49-F238E27FC236}">
+                <a16:creationId xmlns:a16="http://schemas.microsoft.com/office/drawing/2014/main" id="{FECC68D6-466B-B805-E358-EE344C1E9248}"/>
+              </a:ext>
+            </a:extLst>
+          </p:cNvPr>
+          <p:cNvPicPr>
+            <a:picLocks noGrp="1" noChangeAspect="1"/>
+          </p:cNvPicPr>
+          <p:nvPr>
+            <p:ph type="pic" idx="1"/>
+          </p:nvPr>
+        </p:nvPicPr>
+        <p:blipFill>
+          <a:blip r:embed="rId3">
+            <a:extLst>
+              <a:ext uri="{28A0092B-C50C-407E-A947-70E740481C1C}">
+                <a14:useLocalDpi xmlns:a14="http://schemas.microsoft.com/office/drawing/2010/main" val="0"/>
+              </a:ext>
+            </a:extLst>
+          </a:blip>
+          <a:srcRect/>
+          <a:stretch>
+            <a:fillRect/>
+          </a:stretch>
+        </p:blipFill>
+        <p:spPr>
+          <a:xfrm>
+            <a:off x="0" y="12357"/>
+            <a:ext cx="9144000" cy="6858000"/>
+          </a:xfrm>
+        </p:spPr>
+      </p:pic>
+      <p:sp>
+        <p:nvSpPr>
+          <p:cNvPr id="5" name="Subtitle 4">
+            <a:extLst>
+              <a:ext uri="{FF2B5EF4-FFF2-40B4-BE49-F238E27FC236}">
+                <a16:creationId xmlns:a16="http://schemas.microsoft.com/office/drawing/2014/main" id="{A57DFD86-83B5-F4F1-D3DB-C276E6B889B9}"/>
+              </a:ext>
+            </a:extLst>
+          </p:cNvPr>
+          <p:cNvSpPr>
+            <a:spLocks noGrp="1"/>
+          </p:cNvSpPr>
+          <p:nvPr>
+            <p:ph type="body" sz="half" idx="2"/>
+          </p:nvPr>
+        </p:nvSpPr>
+        <p:spPr>
+          <a:xfrm>
+            <a:off x="3959999" y="5399999"/>
+            <a:ext cx="4571158" cy="1296891"/>
+          </a:xfrm>
+          <a:prstGeom prst="rect">
+            <a:avLst/>
+          </a:prstGeom>
+        </p:spPr>
+        <p:txBody>
+          <a:bodyPr/>
+          <a:lstStyle/>
+          <a:p>
+            <a:endParaRPr lang="en-US" sz="900" dirty="0"/>
+          </a:p>
+        </p:txBody>
+      </p:sp>
+      <p:sp>
+        <p:nvSpPr>
+          <p:cNvPr id="2" name="TextBox 1">
+            <a:extLst>
+              <a:ext uri="{FF2B5EF4-FFF2-40B4-BE49-F238E27FC236}">
+                <a16:creationId xmlns:a16="http://schemas.microsoft.com/office/drawing/2014/main" id="{4565E00C-FC58-9E95-55DE-6BCFFC247405}"/>
+              </a:ext>
+            </a:extLst>
+          </p:cNvPr>
+          <p:cNvSpPr txBox="1"/>
+          <p:nvPr/>
+        </p:nvSpPr>
+        <p:spPr>
+          <a:xfrm>
+            <a:off x="3959999" y="2514599"/>
+            <a:ext cx="4571158" cy="953211"/>
+          </a:xfrm>
+          <a:prstGeom prst="rect">
+            <a:avLst/>
+          </a:prstGeom>
+          <a:noFill/>
+        </p:spPr>
+        <p:txBody>
+          <a:bodyPr wrap="square" lIns="90000" tIns="46800" rIns="90000" bIns="46800" rtlCol="0" anchor="t" anchorCtr="0">
+            <a:spAutoFit/>
+          </a:bodyPr>
+          <a:lstStyle/>
+          <a:p>
+            <a:pPr>
+              <a:lnSpc>
+                <a:spcPct val="90000"/>
+              </a:lnSpc>
+            </a:pPr>
+            <a:r>
+              <a:rPr lang="nl-NL" sz="3100" b="1" dirty="0" err="1"/>
+              <a:t>Composition</a:t>
+            </a:r>
+            <a:r>
+              <a:rPr lang="nl-NL" sz="3100" b="1" dirty="0"/>
+              <a:t> over </a:t>
+            </a:r>
+            <a:r>
+              <a:rPr lang="nl-NL" sz="3100" b="1" dirty="0" err="1"/>
+              <a:t>Inheritance</a:t>
+            </a:r>
+            <a:endParaRPr lang="nl-NL" sz="3100" b="1" dirty="0"/>
+          </a:p>
+        </p:txBody>
+      </p:sp>
+    </p:spTree>
+    <p:extLst>
+      <p:ext uri="{BB962C8B-B14F-4D97-AF65-F5344CB8AC3E}">
+        <p14:creationId xmlns:p14="http://schemas.microsoft.com/office/powerpoint/2010/main" val="4248356311"/>
+      </p:ext>
+    </p:extLst>
+  </p:cSld>
+  <p:clrMapOvr>
+    <a:masterClrMapping/>
+  </p:clrMapOvr>
+</p:sld>
+</file>
+
+<file path=ppt/slides/slide24.xml><?xml version="1.0" encoding="utf-8"?>
+<p:sld xmlns:a="http://schemas.openxmlformats.org/drawingml/2006/main" xmlns:r="http://schemas.openxmlformats.org/officeDocument/2006/relationships" xmlns:p="http://schemas.openxmlformats.org/presentationml/2006/main">
+  <p:cSld>
+    <p:spTree>
+      <p:nvGrpSpPr>
+        <p:cNvPr id="1" name="">
+          <a:extLst>
+            <a:ext uri="{FF2B5EF4-FFF2-40B4-BE49-F238E27FC236}">
+              <a16:creationId xmlns:a16="http://schemas.microsoft.com/office/drawing/2014/main" id="{0113B0E5-8025-D7D1-C1F7-A6197AD8A55A}"/>
+            </a:ext>
+          </a:extLst>
+        </p:cNvPr>
+        <p:cNvGrpSpPr/>
+        <p:nvPr/>
+      </p:nvGrpSpPr>
+      <p:grpSpPr>
+        <a:xfrm>
+          <a:off x="0" y="0"/>
+          <a:ext cx="0" cy="0"/>
+          <a:chOff x="0" y="0"/>
+          <a:chExt cx="0" cy="0"/>
+        </a:xfrm>
+      </p:grpSpPr>
+      <p:sp>
+        <p:nvSpPr>
+          <p:cNvPr id="6" name="Title 5">
+            <a:extLst>
+              <a:ext uri="{FF2B5EF4-FFF2-40B4-BE49-F238E27FC236}">
+                <a16:creationId xmlns:a16="http://schemas.microsoft.com/office/drawing/2014/main" id="{12A7E752-3486-433B-B149-9027166DAA16}"/>
+              </a:ext>
+            </a:extLst>
+          </p:cNvPr>
+          <p:cNvSpPr>
+            <a:spLocks noGrp="1"/>
+          </p:cNvSpPr>
+          <p:nvPr>
+            <p:ph type="title"/>
+          </p:nvPr>
+        </p:nvSpPr>
+        <p:spPr/>
+        <p:txBody>
+          <a:bodyPr/>
+          <a:lstStyle/>
+          <a:p>
+            <a:r>
+              <a:rPr lang="fr-FR" dirty="0"/>
+              <a:t>Composition over </a:t>
+            </a:r>
+            <a:r>
+              <a:rPr lang="fr-FR" dirty="0" err="1"/>
+              <a:t>Inheritance</a:t>
+            </a:r>
+            <a:r>
+              <a:rPr lang="fr-FR" dirty="0"/>
+              <a:t> (sauf entité anémiée)</a:t>
+            </a:r>
+          </a:p>
+        </p:txBody>
+      </p:sp>
+      <p:sp>
+        <p:nvSpPr>
+          <p:cNvPr id="7" name="Rectangle 3">
+            <a:extLst>
+              <a:ext uri="{FF2B5EF4-FFF2-40B4-BE49-F238E27FC236}">
+                <a16:creationId xmlns:a16="http://schemas.microsoft.com/office/drawing/2014/main" id="{721F2F62-9A24-8202-F124-7F409A815C2B}"/>
+              </a:ext>
+            </a:extLst>
+          </p:cNvPr>
+          <p:cNvSpPr>
+            <a:spLocks noGrp="1" noChangeArrowheads="1"/>
+          </p:cNvSpPr>
+          <p:nvPr>
+            <p:ph type="body" sz="half" idx="2"/>
+          </p:nvPr>
+        </p:nvSpPr>
+        <p:spPr>
+          <a:xfrm>
+            <a:off x="285749" y="1082188"/>
+            <a:ext cx="8518282" cy="5457157"/>
+          </a:xfrm>
+        </p:spPr>
+        <p:txBody>
+          <a:bodyPr/>
+          <a:lstStyle/>
+          <a:p>
+            <a:pPr marL="285750" indent="-285750" algn="just">
+              <a:buFont typeface="Arial" panose="020B0604020202020204" pitchFamily="34" charset="0"/>
+              <a:buChar char="•"/>
+            </a:pPr>
+            <a:endParaRPr lang="fr-FR" dirty="0">
+              <a:solidFill>
+                <a:schemeClr val="tx1"/>
+              </a:solidFill>
+            </a:endParaRPr>
+          </a:p>
+          <a:p>
+            <a:pPr marL="285750" indent="-285750" algn="just">
+              <a:buFont typeface="Arial" panose="020B0604020202020204" pitchFamily="34" charset="0"/>
+              <a:buChar char="•"/>
+            </a:pPr>
+            <a:r>
+              <a:rPr lang="en-US" dirty="0">
+                <a:solidFill>
+                  <a:schemeClr val="tx1"/>
+                </a:solidFill>
+              </a:rPr>
+              <a:t>Il </a:t>
+            </a:r>
+            <a:r>
+              <a:rPr lang="en-US" dirty="0" err="1">
+                <a:solidFill>
+                  <a:schemeClr val="tx1"/>
+                </a:solidFill>
+              </a:rPr>
+              <a:t>s’agit</a:t>
+            </a:r>
+            <a:r>
+              <a:rPr lang="en-US" dirty="0">
+                <a:solidFill>
+                  <a:schemeClr val="tx1"/>
+                </a:solidFill>
+              </a:rPr>
+              <a:t> </a:t>
+            </a:r>
+            <a:r>
+              <a:rPr lang="en-US" dirty="0" err="1">
+                <a:solidFill>
+                  <a:schemeClr val="tx1"/>
+                </a:solidFill>
+              </a:rPr>
+              <a:t>ici</a:t>
+            </a:r>
+            <a:r>
+              <a:rPr lang="en-US" dirty="0">
+                <a:solidFill>
+                  <a:schemeClr val="tx1"/>
+                </a:solidFill>
+              </a:rPr>
+              <a:t> </a:t>
+            </a:r>
+            <a:r>
+              <a:rPr lang="en-US" dirty="0" err="1">
+                <a:solidFill>
+                  <a:schemeClr val="tx1"/>
+                </a:solidFill>
+              </a:rPr>
+              <a:t>d’éviter</a:t>
+            </a:r>
+            <a:r>
+              <a:rPr lang="en-US" dirty="0">
+                <a:solidFill>
+                  <a:schemeClr val="tx1"/>
+                </a:solidFill>
+              </a:rPr>
+              <a:t> </a:t>
+            </a:r>
+            <a:r>
+              <a:rPr lang="en-US" dirty="0" err="1">
+                <a:solidFill>
+                  <a:schemeClr val="tx1"/>
+                </a:solidFill>
+              </a:rPr>
+              <a:t>l’héritage</a:t>
+            </a:r>
+            <a:r>
+              <a:rPr lang="en-US" dirty="0">
+                <a:solidFill>
+                  <a:schemeClr val="tx1"/>
+                </a:solidFill>
+              </a:rPr>
+              <a:t> au profit de la composition sans </a:t>
+            </a:r>
+            <a:r>
+              <a:rPr lang="en-US" dirty="0" err="1">
+                <a:solidFill>
+                  <a:schemeClr val="tx1"/>
+                </a:solidFill>
+              </a:rPr>
+              <a:t>perdre</a:t>
+            </a:r>
+            <a:r>
+              <a:rPr lang="en-US" dirty="0">
+                <a:solidFill>
+                  <a:schemeClr val="tx1"/>
+                </a:solidFill>
+              </a:rPr>
+              <a:t> le </a:t>
+            </a:r>
+            <a:r>
+              <a:rPr lang="en-US" dirty="0" err="1">
+                <a:solidFill>
+                  <a:schemeClr val="tx1"/>
+                </a:solidFill>
+              </a:rPr>
+              <a:t>polymorphisme</a:t>
+            </a:r>
+            <a:r>
+              <a:rPr lang="en-US" dirty="0">
+                <a:solidFill>
+                  <a:schemeClr val="tx1"/>
+                </a:solidFill>
+              </a:rPr>
+              <a:t>.</a:t>
+            </a:r>
+            <a:endParaRPr lang="fr-FR" dirty="0">
+              <a:solidFill>
+                <a:schemeClr val="tx1"/>
+              </a:solidFill>
+            </a:endParaRPr>
+          </a:p>
+          <a:p>
+            <a:pPr marL="285750" indent="-285750" algn="just">
+              <a:buFont typeface="Arial" panose="020B0604020202020204" pitchFamily="34" charset="0"/>
+              <a:buChar char="•"/>
+            </a:pPr>
+            <a:endParaRPr lang="fr-FR" dirty="0">
+              <a:solidFill>
+                <a:schemeClr val="tx1"/>
+              </a:solidFill>
+            </a:endParaRPr>
+          </a:p>
+          <a:p>
+            <a:pPr marL="285750" indent="-285750" algn="just">
+              <a:buFont typeface="Arial" panose="020B0604020202020204" pitchFamily="34" charset="0"/>
+              <a:buChar char="•"/>
+            </a:pPr>
+            <a:r>
+              <a:rPr lang="fr-FR" dirty="0">
+                <a:solidFill>
+                  <a:schemeClr val="tx1"/>
+                </a:solidFill>
+              </a:rPr>
+              <a:t>Ce point doit être pondéré aux comportements d’un objet et non à la définition des caractéristiques d’un objet : comportements VS caractéristiques.</a:t>
+            </a:r>
+          </a:p>
+          <a:p>
+            <a:pPr marL="285750" indent="-285750" algn="just">
+              <a:buFont typeface="Arial" panose="020B0604020202020204" pitchFamily="34" charset="0"/>
+              <a:buChar char="•"/>
+            </a:pPr>
+            <a:endParaRPr lang="fr-FR" dirty="0">
+              <a:solidFill>
+                <a:schemeClr val="tx1"/>
+              </a:solidFill>
+            </a:endParaRPr>
+          </a:p>
+          <a:p>
+            <a:pPr marL="285750" indent="-285750" algn="just">
+              <a:buFont typeface="Arial" panose="020B0604020202020204" pitchFamily="34" charset="0"/>
+              <a:buChar char="•"/>
+            </a:pPr>
+            <a:r>
+              <a:rPr lang="fr-FR" dirty="0">
+                <a:solidFill>
+                  <a:schemeClr val="tx1"/>
+                </a:solidFill>
+              </a:rPr>
+              <a:t>En effet, le côté systématique de ce pattern est plus difficilement applicable à des caractéristiques ou du stockage de données via des entités dites anémiées (uniquement getter/setter) comme les </a:t>
+            </a:r>
+            <a:r>
+              <a:rPr lang="fr-FR" dirty="0" err="1">
+                <a:solidFill>
+                  <a:schemeClr val="tx1"/>
+                </a:solidFill>
+              </a:rPr>
+              <a:t>DTOs</a:t>
+            </a:r>
+            <a:r>
+              <a:rPr lang="fr-FR" dirty="0">
+                <a:solidFill>
+                  <a:schemeClr val="tx1"/>
+                </a:solidFill>
+              </a:rPr>
+              <a:t>, </a:t>
+            </a:r>
+            <a:r>
+              <a:rPr lang="fr-FR" dirty="0" err="1">
+                <a:solidFill>
+                  <a:schemeClr val="tx1"/>
+                </a:solidFill>
+              </a:rPr>
+              <a:t>ViewObjects</a:t>
+            </a:r>
+            <a:r>
+              <a:rPr lang="fr-FR" dirty="0">
+                <a:solidFill>
+                  <a:schemeClr val="tx1"/>
+                </a:solidFill>
+              </a:rPr>
+              <a:t>, Data </a:t>
+            </a:r>
+            <a:r>
+              <a:rPr lang="fr-FR" dirty="0" err="1">
+                <a:solidFill>
+                  <a:schemeClr val="tx1"/>
+                </a:solidFill>
+              </a:rPr>
+              <a:t>Entities</a:t>
+            </a:r>
+            <a:r>
+              <a:rPr lang="fr-FR" dirty="0">
+                <a:solidFill>
+                  <a:schemeClr val="tx1"/>
+                </a:solidFill>
+              </a:rPr>
+              <a:t>…</a:t>
+            </a:r>
+          </a:p>
+          <a:p>
+            <a:pPr lvl="1" indent="0" algn="just">
+              <a:buNone/>
+            </a:pPr>
+            <a:endParaRPr lang="fr-FR" dirty="0">
+              <a:solidFill>
+                <a:schemeClr val="tx1"/>
+              </a:solidFill>
+            </a:endParaRPr>
+          </a:p>
+          <a:p>
+            <a:pPr marL="285750" indent="-285750" algn="just">
+              <a:buFont typeface="Arial" panose="020B0604020202020204" pitchFamily="34" charset="0"/>
+              <a:buChar char="•"/>
+            </a:pPr>
+            <a:endParaRPr lang="fr-FR" dirty="0"/>
+          </a:p>
+        </p:txBody>
+      </p:sp>
+    </p:spTree>
+    <p:extLst>
+      <p:ext uri="{BB962C8B-B14F-4D97-AF65-F5344CB8AC3E}">
+        <p14:creationId xmlns:p14="http://schemas.microsoft.com/office/powerpoint/2010/main" val="4075386417"/>
+      </p:ext>
+    </p:extLst>
+  </p:cSld>
+  <p:clrMapOvr>
+    <a:masterClrMapping/>
+  </p:clrMapOvr>
+</p:sld>
+</file>
+
+<file path=ppt/slides/slide25.xml><?xml version="1.0" encoding="utf-8"?>
+<p:sld xmlns:a="http://schemas.openxmlformats.org/drawingml/2006/main" xmlns:r="http://schemas.openxmlformats.org/officeDocument/2006/relationships" xmlns:p="http://schemas.openxmlformats.org/presentationml/2006/main">
+  <p:cSld>
+    <p:spTree>
+      <p:nvGrpSpPr>
+        <p:cNvPr id="1" name="">
+          <a:extLst>
+            <a:ext uri="{FF2B5EF4-FFF2-40B4-BE49-F238E27FC236}">
+              <a16:creationId xmlns:a16="http://schemas.microsoft.com/office/drawing/2014/main" id="{0563E553-887E-6B88-766E-7883B53AE5B8}"/>
+            </a:ext>
+          </a:extLst>
+        </p:cNvPr>
+        <p:cNvGrpSpPr/>
+        <p:nvPr/>
+      </p:nvGrpSpPr>
+      <p:grpSpPr>
+        <a:xfrm>
+          <a:off x="0" y="0"/>
+          <a:ext cx="0" cy="0"/>
+          <a:chOff x="0" y="0"/>
+          <a:chExt cx="0" cy="0"/>
+        </a:xfrm>
+      </p:grpSpPr>
+      <p:sp>
+        <p:nvSpPr>
+          <p:cNvPr id="6" name="Title 5">
+            <a:extLst>
+              <a:ext uri="{FF2B5EF4-FFF2-40B4-BE49-F238E27FC236}">
+                <a16:creationId xmlns:a16="http://schemas.microsoft.com/office/drawing/2014/main" id="{83A7CD0C-E789-DA85-61D3-561121D5283F}"/>
+              </a:ext>
+            </a:extLst>
+          </p:cNvPr>
+          <p:cNvSpPr>
+            <a:spLocks noGrp="1"/>
+          </p:cNvSpPr>
+          <p:nvPr>
+            <p:ph type="title"/>
+          </p:nvPr>
+        </p:nvSpPr>
+        <p:spPr/>
+        <p:txBody>
+          <a:bodyPr/>
+          <a:lstStyle/>
+          <a:p>
+            <a:r>
+              <a:rPr lang="fr-FR" dirty="0"/>
+              <a:t>Composition over </a:t>
+            </a:r>
+            <a:r>
+              <a:rPr lang="fr-FR" dirty="0" err="1"/>
+              <a:t>Inheritance</a:t>
+            </a:r>
+            <a:r>
+              <a:rPr lang="fr-FR" dirty="0"/>
+              <a:t> (sauf entité anémiée)</a:t>
+            </a:r>
+          </a:p>
+        </p:txBody>
+      </p:sp>
+      <p:sp>
+        <p:nvSpPr>
+          <p:cNvPr id="7" name="Rectangle 3">
+            <a:extLst>
+              <a:ext uri="{FF2B5EF4-FFF2-40B4-BE49-F238E27FC236}">
+                <a16:creationId xmlns:a16="http://schemas.microsoft.com/office/drawing/2014/main" id="{9C677D94-1403-43B3-427C-E5ABA5DAC80D}"/>
+              </a:ext>
+            </a:extLst>
+          </p:cNvPr>
+          <p:cNvSpPr>
+            <a:spLocks noGrp="1" noChangeArrowheads="1"/>
+          </p:cNvSpPr>
+          <p:nvPr>
+            <p:ph type="body" sz="half" idx="2"/>
+          </p:nvPr>
+        </p:nvSpPr>
+        <p:spPr>
+          <a:xfrm>
+            <a:off x="285749" y="1082188"/>
+            <a:ext cx="8518282" cy="5457157"/>
+          </a:xfrm>
+        </p:spPr>
+        <p:txBody>
+          <a:bodyPr/>
+          <a:lstStyle/>
+          <a:p>
+            <a:pPr marL="285750" indent="-285750" algn="just">
+              <a:buFont typeface="Arial" panose="020B0604020202020204" pitchFamily="34" charset="0"/>
+              <a:buChar char="•"/>
+            </a:pPr>
+            <a:endParaRPr lang="fr-FR" dirty="0">
+              <a:solidFill>
+                <a:schemeClr val="tx1"/>
+              </a:solidFill>
+            </a:endParaRPr>
+          </a:p>
+          <a:p>
+            <a:pPr marL="285750" indent="-285750" algn="just">
+              <a:buFont typeface="Arial" panose="020B0604020202020204" pitchFamily="34" charset="0"/>
+              <a:buChar char="•"/>
+            </a:pPr>
+            <a:r>
+              <a:rPr lang="fr-FR" dirty="0">
+                <a:solidFill>
+                  <a:schemeClr val="tx1"/>
+                </a:solidFill>
+              </a:rPr>
+              <a:t>Les éléments principaux et constitutifs de ce pattern :</a:t>
+            </a:r>
+          </a:p>
+          <a:p>
+            <a:pPr marL="914400" lvl="1" indent="-285750" algn="just"/>
+            <a:endParaRPr lang="fr-FR" dirty="0"/>
+          </a:p>
+          <a:p>
+            <a:pPr marL="914400" lvl="1" indent="-285750" algn="just"/>
+            <a:r>
+              <a:rPr lang="fr-FR" dirty="0"/>
+              <a:t>Usage d’interfaces pour décrire le comportement à composer.</a:t>
+            </a:r>
+          </a:p>
+          <a:p>
+            <a:pPr marL="914400" lvl="1" indent="-285750" algn="just"/>
+            <a:endParaRPr lang="fr-FR" dirty="0"/>
+          </a:p>
+          <a:p>
+            <a:pPr marL="914400" lvl="1" indent="-285750" algn="just"/>
+            <a:r>
+              <a:rPr lang="fr-FR" dirty="0"/>
+              <a:t>Autant de types d’implémentations que de comportements différents.</a:t>
+            </a:r>
+          </a:p>
+          <a:p>
+            <a:pPr marL="914400" lvl="1" indent="-285750" algn="just"/>
+            <a:endParaRPr lang="fr-FR" dirty="0">
+              <a:solidFill>
+                <a:schemeClr val="tx1"/>
+              </a:solidFill>
+            </a:endParaRPr>
+          </a:p>
+          <a:p>
+            <a:pPr marL="914400" lvl="1" indent="-285750" algn="just"/>
+            <a:r>
+              <a:rPr lang="fr-FR" dirty="0">
+                <a:solidFill>
+                  <a:schemeClr val="tx1"/>
+                </a:solidFill>
+              </a:rPr>
+              <a:t>Usage d’</a:t>
+            </a:r>
+            <a:r>
+              <a:rPr lang="fr-FR" dirty="0" err="1">
+                <a:solidFill>
+                  <a:schemeClr val="tx1"/>
+                </a:solidFill>
+              </a:rPr>
+              <a:t>IoC</a:t>
+            </a:r>
+            <a:r>
+              <a:rPr lang="fr-FR" dirty="0">
+                <a:solidFill>
+                  <a:schemeClr val="tx1"/>
+                </a:solidFill>
+              </a:rPr>
+              <a:t>/DI (voi</a:t>
+            </a:r>
+            <a:r>
+              <a:rPr lang="fr-FR" dirty="0"/>
+              <a:t>r D de SOLID) pour injecter ces comportements.</a:t>
+            </a:r>
+          </a:p>
+          <a:p>
+            <a:pPr marL="914400" lvl="1" indent="-285750" algn="just"/>
+            <a:endParaRPr lang="fr-FR" dirty="0">
+              <a:solidFill>
+                <a:schemeClr val="tx1"/>
+              </a:solidFill>
+            </a:endParaRPr>
+          </a:p>
+          <a:p>
+            <a:pPr marL="914400" lvl="1" indent="-285750" algn="just"/>
+            <a:r>
+              <a:rPr lang="fr-FR">
+                <a:solidFill>
+                  <a:schemeClr val="tx1"/>
+                </a:solidFill>
+              </a:rPr>
+              <a:t>Respect </a:t>
+            </a:r>
+            <a:r>
+              <a:rPr lang="fr-FR" dirty="0">
+                <a:solidFill>
+                  <a:schemeClr val="tx1"/>
+                </a:solidFill>
+              </a:rPr>
+              <a:t>des principes de DRY (Don’t </a:t>
+            </a:r>
+            <a:r>
+              <a:rPr lang="fr-FR" dirty="0" err="1">
+                <a:solidFill>
+                  <a:schemeClr val="tx1"/>
+                </a:solidFill>
+              </a:rPr>
+              <a:t>Repeat</a:t>
+            </a:r>
+            <a:r>
+              <a:rPr lang="fr-FR" dirty="0">
+                <a:solidFill>
+                  <a:schemeClr val="tx1"/>
+                </a:solidFill>
+              </a:rPr>
+              <a:t> </a:t>
+            </a:r>
+            <a:r>
+              <a:rPr lang="fr-FR" dirty="0" err="1">
+                <a:solidFill>
+                  <a:schemeClr val="tx1"/>
+                </a:solidFill>
+              </a:rPr>
+              <a:t>Yourself</a:t>
+            </a:r>
+            <a:r>
+              <a:rPr lang="fr-FR" dirty="0">
+                <a:solidFill>
+                  <a:schemeClr val="tx1"/>
+                </a:solidFill>
+              </a:rPr>
+              <a:t>) sera assuré par l’injection de la même implémentation.</a:t>
+            </a:r>
+          </a:p>
+          <a:p>
+            <a:pPr marL="914400" lvl="1" indent="-285750" algn="just"/>
+            <a:endParaRPr lang="fr-FR" dirty="0"/>
+          </a:p>
+          <a:p>
+            <a:pPr marL="914400" lvl="1" indent="-285750" algn="just"/>
+            <a:endParaRPr lang="fr-FR" dirty="0">
+              <a:solidFill>
+                <a:schemeClr val="tx1"/>
+              </a:solidFill>
+            </a:endParaRPr>
+          </a:p>
+          <a:p>
+            <a:pPr lvl="1" indent="0" algn="just">
+              <a:buNone/>
+            </a:pPr>
+            <a:endParaRPr lang="fr-FR" dirty="0">
+              <a:solidFill>
+                <a:schemeClr val="tx1"/>
+              </a:solidFill>
+            </a:endParaRPr>
+          </a:p>
+          <a:p>
+            <a:pPr marL="285750" indent="-285750" algn="just">
+              <a:buFont typeface="Arial" panose="020B0604020202020204" pitchFamily="34" charset="0"/>
+              <a:buChar char="•"/>
+            </a:pPr>
+            <a:endParaRPr lang="fr-FR" dirty="0"/>
+          </a:p>
+        </p:txBody>
+      </p:sp>
+    </p:spTree>
+    <p:extLst>
+      <p:ext uri="{BB962C8B-B14F-4D97-AF65-F5344CB8AC3E}">
+        <p14:creationId xmlns:p14="http://schemas.microsoft.com/office/powerpoint/2010/main" val="2629538674"/>
+      </p:ext>
+    </p:extLst>
+  </p:cSld>
+  <p:clrMapOvr>
+    <a:masterClrMapping/>
+  </p:clrMapOvr>
+</p:sld>
+</file>
+
+<file path=ppt/slides/slide26.xml><?xml version="1.0" encoding="utf-8"?>
+<p:sld xmlns:a="http://schemas.openxmlformats.org/drawingml/2006/main" xmlns:r="http://schemas.openxmlformats.org/officeDocument/2006/relationships" xmlns:p="http://schemas.openxmlformats.org/presentationml/2006/main">
+  <p:cSld>
+    <p:spTree>
+      <p:nvGrpSpPr>
+        <p:cNvPr id="1" name="">
+          <a:extLst>
+            <a:ext uri="{FF2B5EF4-FFF2-40B4-BE49-F238E27FC236}">
+              <a16:creationId xmlns:a16="http://schemas.microsoft.com/office/drawing/2014/main" id="{6C47CB6A-9E21-9D44-33AC-B6B0838329EB}"/>
+            </a:ext>
+          </a:extLst>
+        </p:cNvPr>
+        <p:cNvGrpSpPr/>
+        <p:nvPr/>
+      </p:nvGrpSpPr>
+      <p:grpSpPr>
+        <a:xfrm>
+          <a:off x="0" y="0"/>
+          <a:ext cx="0" cy="0"/>
+          <a:chOff x="0" y="0"/>
+          <a:chExt cx="0" cy="0"/>
+        </a:xfrm>
+      </p:grpSpPr>
+      <p:sp>
+        <p:nvSpPr>
+          <p:cNvPr id="6" name="Title 5">
+            <a:extLst>
+              <a:ext uri="{FF2B5EF4-FFF2-40B4-BE49-F238E27FC236}">
+                <a16:creationId xmlns:a16="http://schemas.microsoft.com/office/drawing/2014/main" id="{0D876885-1D33-C1BA-F908-1446526633F4}"/>
+              </a:ext>
+            </a:extLst>
+          </p:cNvPr>
+          <p:cNvSpPr>
+            <a:spLocks noGrp="1"/>
+          </p:cNvSpPr>
+          <p:nvPr>
+            <p:ph type="title"/>
+          </p:nvPr>
+        </p:nvSpPr>
+        <p:spPr/>
+        <p:txBody>
+          <a:bodyPr/>
+          <a:lstStyle/>
+          <a:p>
+            <a:r>
+              <a:rPr lang="fr-FR" dirty="0"/>
+              <a:t>Composition over </a:t>
+            </a:r>
+            <a:r>
+              <a:rPr lang="fr-FR" dirty="0" err="1"/>
+              <a:t>Inheritance</a:t>
+            </a:r>
+            <a:r>
+              <a:rPr lang="fr-FR" dirty="0"/>
+              <a:t> (sauf entité anémiée)</a:t>
+            </a:r>
+          </a:p>
+        </p:txBody>
+      </p:sp>
+      <p:sp>
+        <p:nvSpPr>
+          <p:cNvPr id="7" name="Rectangle 3">
+            <a:extLst>
+              <a:ext uri="{FF2B5EF4-FFF2-40B4-BE49-F238E27FC236}">
+                <a16:creationId xmlns:a16="http://schemas.microsoft.com/office/drawing/2014/main" id="{0A7A4165-143D-5883-98F2-77E05BCA9816}"/>
+              </a:ext>
+            </a:extLst>
+          </p:cNvPr>
+          <p:cNvSpPr>
+            <a:spLocks noGrp="1" noChangeArrowheads="1"/>
+          </p:cNvSpPr>
+          <p:nvPr>
+            <p:ph type="body" sz="half" idx="2"/>
+          </p:nvPr>
+        </p:nvSpPr>
+        <p:spPr>
+          <a:xfrm>
+            <a:off x="285749" y="1082188"/>
+            <a:ext cx="8518282" cy="5457157"/>
+          </a:xfrm>
+        </p:spPr>
+        <p:txBody>
+          <a:bodyPr/>
+          <a:lstStyle/>
+          <a:p>
+            <a:pPr marL="285750" indent="-285750" algn="just">
+              <a:buFont typeface="Arial" panose="020B0604020202020204" pitchFamily="34" charset="0"/>
+              <a:buChar char="•"/>
+            </a:pPr>
+            <a:endParaRPr lang="fr-FR" dirty="0">
+              <a:solidFill>
+                <a:schemeClr val="tx1"/>
+              </a:solidFill>
+            </a:endParaRPr>
+          </a:p>
+          <a:p>
+            <a:pPr marL="914400" lvl="1" indent="-285750" algn="just"/>
+            <a:endParaRPr lang="fr-FR" dirty="0"/>
+          </a:p>
+          <a:p>
+            <a:pPr marL="285750" indent="-285750" algn="just">
+              <a:buFont typeface="Arial" panose="020B0604020202020204" pitchFamily="34" charset="0"/>
+              <a:buChar char="•"/>
+            </a:pPr>
+            <a:r>
+              <a:rPr lang="fr-FR" dirty="0">
+                <a:solidFill>
+                  <a:schemeClr val="tx1"/>
+                </a:solidFill>
+              </a:rPr>
+              <a:t>Pourquoi utiliser ce pattern et pourquoi considérer que l’héritage tend à devenir un anti-pattern ?</a:t>
+            </a:r>
+          </a:p>
+          <a:p>
+            <a:pPr marL="914400" lvl="1" indent="-285750" algn="just"/>
+            <a:r>
+              <a:rPr lang="fr-FR" dirty="0"/>
+              <a:t>En conception initiale via l’héritage, on va essayer de recouvrir tous les cas d’évolution possible pour respecter le O de SOLID mais on va sûrement tendre à de l’over engineering avec très souvent un non respect des principes YAGNI (« </a:t>
+            </a:r>
+            <a:r>
+              <a:rPr lang="en-US" dirty="0"/>
+              <a:t>You aren't </a:t>
+            </a:r>
+            <a:r>
+              <a:rPr lang="en-US" dirty="0" err="1"/>
+              <a:t>gonna</a:t>
+            </a:r>
+            <a:r>
+              <a:rPr lang="en-US" dirty="0"/>
+              <a:t> need it </a:t>
+            </a:r>
+            <a:r>
+              <a:rPr lang="fr-FR" dirty="0"/>
+              <a:t>» ou on fait ce qu’on nous demande et pas plus) ou KISS (« </a:t>
+            </a:r>
+            <a:r>
+              <a:rPr lang="fr-FR" dirty="0" err="1"/>
+              <a:t>Keep</a:t>
+            </a:r>
+            <a:r>
+              <a:rPr lang="fr-FR" dirty="0"/>
+              <a:t> It Simple </a:t>
+            </a:r>
+            <a:r>
+              <a:rPr lang="fr-FR" dirty="0" err="1"/>
+              <a:t>Stupid</a:t>
+            </a:r>
+            <a:r>
+              <a:rPr lang="fr-FR" dirty="0"/>
+              <a:t>! »). C’est d’ailleurs ce qu’on voit sur les dictionnaires, on a essayé un truc évolutif avec plein de gars futurs inutiles au départ, mais au final, on a une usine à gaz et rare sont les fois où j’ai pu voir un héritage bien anticipé (si ce n’est jamais).</a:t>
+            </a:r>
+          </a:p>
+          <a:p>
+            <a:pPr marL="914400" lvl="1" indent="-285750" algn="just"/>
+            <a:r>
+              <a:rPr lang="fr-FR" dirty="0"/>
+              <a:t>•	Soit on va essayer de coller au besoin mais à moyen terme voire court terme, on va être obliger de casser le C… Car les besoins vont évoluer.</a:t>
+            </a:r>
+          </a:p>
+          <a:p>
+            <a:pPr marL="914400" lvl="1" indent="-285750" algn="just"/>
+            <a:endParaRPr lang="fr-FR" dirty="0">
+              <a:solidFill>
+                <a:schemeClr val="tx1"/>
+              </a:solidFill>
+            </a:endParaRPr>
+          </a:p>
+          <a:p>
+            <a:pPr lvl="1" indent="0" algn="just">
+              <a:buNone/>
+            </a:pPr>
+            <a:endParaRPr lang="fr-FR" dirty="0">
+              <a:solidFill>
+                <a:schemeClr val="tx1"/>
+              </a:solidFill>
+            </a:endParaRPr>
+          </a:p>
+          <a:p>
+            <a:pPr marL="285750" indent="-285750" algn="just">
+              <a:buFont typeface="Arial" panose="020B0604020202020204" pitchFamily="34" charset="0"/>
+              <a:buChar char="•"/>
+            </a:pPr>
+            <a:endParaRPr lang="fr-FR" dirty="0"/>
+          </a:p>
+        </p:txBody>
+      </p:sp>
+    </p:spTree>
+    <p:extLst>
+      <p:ext uri="{BB962C8B-B14F-4D97-AF65-F5344CB8AC3E}">
+        <p14:creationId xmlns:p14="http://schemas.microsoft.com/office/powerpoint/2010/main" val="2484079345"/>
+      </p:ext>
+    </p:extLst>
+  </p:cSld>
+  <p:clrMapOvr>
+    <a:masterClrMapping/>
+  </p:clrMapOvr>
+</p:sld>
+</file>
+
+<file path=ppt/slides/slide27.xml><?xml version="1.0" encoding="utf-8"?>
 <p:sld xmlns:a="http://schemas.openxmlformats.org/drawingml/2006/main" xmlns:r="http://schemas.openxmlformats.org/officeDocument/2006/relationships" xmlns:p="http://schemas.openxmlformats.org/presentationml/2006/main">
   <p:cSld>
     <p:spTree>
@@ -13851,6 +15276,12 @@
 </file>
 
 <file path=customXml/item2.xml><?xml version="1.0" encoding="utf-8"?>
+<p:properties xmlns:p="http://schemas.microsoft.com/office/2006/metadata/properties" xmlns:xsi="http://www.w3.org/2001/XMLSchema-instance" xmlns:pc="http://schemas.microsoft.com/office/infopath/2007/PartnerControls">
+  <documentManagement/>
+</p:properties>
+</file>
+
+<file path=customXml/item3.xml><?xml version="1.0" encoding="utf-8"?>
 <ct:contentTypeSchema xmlns:ct="http://schemas.microsoft.com/office/2006/metadata/contentType" xmlns:ma="http://schemas.microsoft.com/office/2006/metadata/properties/metaAttributes" ct:_="" ma:_="" ma:contentTypeName="Document" ma:contentTypeID="0x0101003B42BEE73716D74F813DF5C80B60F0B0" ma:contentTypeVersion="8" ma:contentTypeDescription="Crée un document." ma:contentTypeScope="" ma:versionID="264b3600e944d01ea98a462b8c028692">
   <xsd:schema xmlns:xsd="http://www.w3.org/2001/XMLSchema" xmlns:xs="http://www.w3.org/2001/XMLSchema" xmlns:p="http://schemas.microsoft.com/office/2006/metadata/properties" xmlns:ns2="a3b9b371-1c6a-41cd-a653-42d6abfd87b3" xmlns:ns3="44df9910-ab21-4010-a816-02cbe0b8aad6" targetNamespace="http://schemas.microsoft.com/office/2006/metadata/properties" ma:root="true" ma:fieldsID="858f0b061a4945091a3a4f01e2455272" ns2:_="" ns3:_="">
     <xsd:import namespace="a3b9b371-1c6a-41cd-a653-42d6abfd87b3"/>
@@ -14041,12 +15472,6 @@
 </ct:contentTypeSchema>
 </file>
 
-<file path=customXml/item3.xml><?xml version="1.0" encoding="utf-8"?>
-<p:properties xmlns:p="http://schemas.microsoft.com/office/2006/metadata/properties" xmlns:xsi="http://www.w3.org/2001/XMLSchema-instance" xmlns:pc="http://schemas.microsoft.com/office/infopath/2007/PartnerControls">
-  <documentManagement/>
-</p:properties>
-</file>
-
 <file path=customXml/itemProps1.xml><?xml version="1.0" encoding="utf-8"?>
 <ds:datastoreItem xmlns:ds="http://schemas.openxmlformats.org/officeDocument/2006/customXml" ds:itemID="{BFFD340B-4C2F-40B7-ACAC-8EC917B617D1}">
   <ds:schemaRefs>
@@ -14056,6 +15481,21 @@
 </file>
 
 <file path=customXml/itemProps2.xml><?xml version="1.0" encoding="utf-8"?>
+<ds:datastoreItem xmlns:ds="http://schemas.openxmlformats.org/officeDocument/2006/customXml" ds:itemID="{AEEDCACA-F958-4F43-A59D-0E773A983348}">
+  <ds:schemaRefs>
+    <ds:schemaRef ds:uri="http://purl.org/dc/dcmitype/"/>
+    <ds:schemaRef ds:uri="http://schemas.microsoft.com/office/2006/documentManagement/types"/>
+    <ds:schemaRef ds:uri="http://www.w3.org/XML/1998/namespace"/>
+    <ds:schemaRef ds:uri="http://schemas.microsoft.com/office/2006/metadata/properties"/>
+    <ds:schemaRef ds:uri="http://schemas.openxmlformats.org/package/2006/metadata/core-properties"/>
+    <ds:schemaRef ds:uri="http://purl.org/dc/elements/1.1/"/>
+    <ds:schemaRef ds:uri="http://schemas.microsoft.com/office/infopath/2007/PartnerControls"/>
+    <ds:schemaRef ds:uri="http://purl.org/dc/terms/"/>
+  </ds:schemaRefs>
+</ds:datastoreItem>
+</file>
+
+<file path=customXml/itemProps3.xml><?xml version="1.0" encoding="utf-8"?>
 <ds:datastoreItem xmlns:ds="http://schemas.openxmlformats.org/officeDocument/2006/customXml" ds:itemID="{53FE1518-1664-448F-8B7F-1375EECB5E2F}">
   <ds:schemaRefs>
     <ds:schemaRef ds:uri="http://schemas.microsoft.com/office/2006/metadata/contentType"/>
@@ -14072,19 +15512,4 @@
     <ds:schemaRef ds:uri="http://schemas.microsoft.com/internal/obd"/>
   </ds:schemaRefs>
 </ds:datastoreItem>
-</file>
-
-<file path=customXml/itemProps3.xml><?xml version="1.0" encoding="utf-8"?>
-<ds:datastoreItem xmlns:ds="http://schemas.openxmlformats.org/officeDocument/2006/customXml" ds:itemID="{AEEDCACA-F958-4F43-A59D-0E773A983348}">
-  <ds:schemaRefs>
-    <ds:schemaRef ds:uri="http://purl.org/dc/dcmitype/"/>
-    <ds:schemaRef ds:uri="http://schemas.microsoft.com/office/2006/documentManagement/types"/>
-    <ds:schemaRef ds:uri="http://www.w3.org/XML/1998/namespace"/>
-    <ds:schemaRef ds:uri="http://schemas.microsoft.com/office/2006/metadata/properties"/>
-    <ds:schemaRef ds:uri="http://schemas.openxmlformats.org/package/2006/metadata/core-properties"/>
-    <ds:schemaRef ds:uri="http://purl.org/dc/elements/1.1/"/>
-    <ds:schemaRef ds:uri="http://schemas.microsoft.com/office/infopath/2007/PartnerControls"/>
-    <ds:schemaRef ds:uri="http://purl.org/dc/terms/"/>
-  </ds:schemaRefs>
-</ds:datastoreItem>
 </file>
--- a/ObjectCalisthenics.pptx
+++ b/ObjectCalisthenics.pptx
@@ -11960,20 +11960,12 @@
           <a:p>
             <a:pPr marL="914400" lvl="1" indent="-285750" algn="just"/>
             <a:r>
-              <a:rPr lang="fr-FR">
+              <a:rPr lang="fr-FR" dirty="0">
                 <a:solidFill>
                   <a:schemeClr val="tx1"/>
                 </a:solidFill>
               </a:rPr>
-              <a:t>Respect </a:t>
-            </a:r>
-            <a:r>
-              <a:rPr lang="fr-FR" dirty="0">
-                <a:solidFill>
-                  <a:schemeClr val="tx1"/>
-                </a:solidFill>
-              </a:rPr>
-              <a:t>des principes de DRY (Don’t </a:t>
+              <a:t>Respect des principes de DRY (Don’t </a:t>
             </a:r>
             <a:r>
               <a:rPr lang="fr-FR" dirty="0" err="1">
@@ -12005,7 +11997,7 @@
                   <a:schemeClr val="tx1"/>
                 </a:solidFill>
               </a:rPr>
-              <a:t>) sera assuré par l’injection de la même implémentation.</a:t>
+              <a:t>) assuré par l’injection de la même implémentation.</a:t>
             </a:r>
           </a:p>
           <a:p>
@@ -12162,54 +12154,262 @@
                   <a:schemeClr val="tx1"/>
                 </a:solidFill>
               </a:rPr>
-              <a:t>Pourquoi utiliser ce pattern et pourquoi considérer que l’héritage tend à devenir un anti-pattern ?</a:t>
+              <a:t>Pourquoi utiliser ce pattern et pourquoi considérer que l’héritage tend à devenir un anti-pattern ? Voici mon point de expérience…</a:t>
+            </a:r>
+          </a:p>
+          <a:p>
+            <a:pPr marL="285750" indent="-285750" algn="just">
+              <a:buFont typeface="Arial" panose="020B0604020202020204" pitchFamily="34" charset="0"/>
+              <a:buChar char="•"/>
+            </a:pPr>
+            <a:endParaRPr lang="fr-FR" dirty="0">
+              <a:solidFill>
+                <a:schemeClr val="tx1"/>
+              </a:solidFill>
+            </a:endParaRPr>
+          </a:p>
+          <a:p>
+            <a:pPr marL="285750" indent="-285750" algn="just">
+              <a:buFont typeface="Arial" panose="020B0604020202020204" pitchFamily="34" charset="0"/>
+              <a:buChar char="•"/>
+            </a:pPr>
+            <a:r>
+              <a:rPr lang="fr-FR" dirty="0">
+                <a:solidFill>
+                  <a:schemeClr val="tx1"/>
+                </a:solidFill>
+              </a:rPr>
+              <a:t>En conception initiale d’un système de comportements hérité :</a:t>
             </a:r>
           </a:p>
           <a:p>
             <a:pPr marL="914400" lvl="1" indent="-285750" algn="just"/>
             <a:r>
+              <a:rPr lang="fr-FR" dirty="0">
+                <a:solidFill>
+                  <a:schemeClr val="tx1"/>
+                </a:solidFill>
+              </a:rPr>
+              <a:t>On va essayer de recouvrir tous les cas d’évolution possibles pour respecter le O de SOLID.</a:t>
+            </a:r>
+          </a:p>
+          <a:p>
+            <a:pPr marL="914400" lvl="1" indent="-285750" algn="just"/>
+            <a:r>
+              <a:rPr lang="fr-FR" dirty="0">
+                <a:solidFill>
+                  <a:schemeClr val="tx1"/>
+                </a:solidFill>
+              </a:rPr>
+              <a:t>Over-engineering ou </a:t>
+            </a:r>
+            <a:r>
               <a:rPr lang="fr-FR" dirty="0"/>
-              <a:t>En conception initiale via l’héritage, on va essayer de recouvrir tous les cas d’évolution possible pour respecter le O de SOLID mais on va sûrement tendre à de l’over engineering avec très souvent un non respect des principes YAGNI (« </a:t>
-            </a:r>
-            <a:r>
-              <a:rPr lang="en-US" dirty="0"/>
-              <a:t>You aren't </a:t>
-            </a:r>
-            <a:r>
-              <a:rPr lang="en-US" dirty="0" err="1"/>
+              <a:t>non respect des </a:t>
+            </a:r>
+            <a:r>
+              <a:rPr lang="fr-FR" dirty="0">
+                <a:solidFill>
+                  <a:schemeClr val="tx1"/>
+                </a:solidFill>
+              </a:rPr>
+              <a:t>principes </a:t>
+            </a:r>
+            <a:r>
+              <a:rPr lang="fr-FR" b="1" dirty="0">
+                <a:solidFill>
+                  <a:schemeClr val="tx1"/>
+                </a:solidFill>
+              </a:rPr>
+              <a:t>YAGNI </a:t>
+            </a:r>
+            <a:r>
+              <a:rPr lang="fr-FR" dirty="0">
+                <a:solidFill>
+                  <a:schemeClr val="tx1"/>
+                </a:solidFill>
+              </a:rPr>
+              <a:t>(« You </a:t>
+            </a:r>
+            <a:r>
+              <a:rPr lang="fr-FR" dirty="0" err="1">
+                <a:solidFill>
+                  <a:schemeClr val="tx1"/>
+                </a:solidFill>
+              </a:rPr>
+              <a:t>aren't</a:t>
+            </a:r>
+            <a:r>
+              <a:rPr lang="fr-FR" dirty="0">
+                <a:solidFill>
+                  <a:schemeClr val="tx1"/>
+                </a:solidFill>
+              </a:rPr>
+              <a:t> </a:t>
+            </a:r>
+            <a:r>
+              <a:rPr lang="fr-FR" dirty="0" err="1">
+                <a:solidFill>
+                  <a:schemeClr val="tx1"/>
+                </a:solidFill>
+              </a:rPr>
               <a:t>gonna</a:t>
             </a:r>
             <a:r>
-              <a:rPr lang="en-US" dirty="0"/>
-              <a:t> need it </a:t>
-            </a:r>
+              <a:rPr lang="fr-FR" dirty="0">
+                <a:solidFill>
+                  <a:schemeClr val="tx1"/>
+                </a:solidFill>
+              </a:rPr>
+              <a:t> </a:t>
+            </a:r>
+            <a:r>
+              <a:rPr lang="fr-FR" dirty="0" err="1">
+                <a:solidFill>
+                  <a:schemeClr val="tx1"/>
+                </a:solidFill>
+              </a:rPr>
+              <a:t>need</a:t>
+            </a:r>
+            <a:r>
+              <a:rPr lang="fr-FR" dirty="0">
+                <a:solidFill>
+                  <a:schemeClr val="tx1"/>
+                </a:solidFill>
+              </a:rPr>
+              <a:t> </a:t>
+            </a:r>
+            <a:r>
+              <a:rPr lang="fr-FR" dirty="0" err="1">
+                <a:solidFill>
+                  <a:schemeClr val="tx1"/>
+                </a:solidFill>
+              </a:rPr>
+              <a:t>it</a:t>
+            </a:r>
+            <a:r>
+              <a:rPr lang="fr-FR" dirty="0">
+                <a:solidFill>
+                  <a:schemeClr val="tx1"/>
+                </a:solidFill>
+              </a:rPr>
+              <a:t> » ou on fait ce qu’on nous demande et pas plus). </a:t>
+            </a:r>
+          </a:p>
+          <a:p>
+            <a:pPr marL="914400" lvl="1" indent="-285750" algn="just"/>
             <a:r>
               <a:rPr lang="fr-FR" dirty="0"/>
-              <a:t>» ou on fait ce qu’on nous demande et pas plus) ou KISS (« </a:t>
-            </a:r>
-            <a:r>
-              <a:rPr lang="fr-FR" dirty="0" err="1"/>
+              <a:t>Non respect des principes</a:t>
+            </a:r>
+            <a:r>
+              <a:rPr lang="fr-FR" dirty="0">
+                <a:solidFill>
+                  <a:schemeClr val="tx1"/>
+                </a:solidFill>
+              </a:rPr>
+              <a:t> </a:t>
+            </a:r>
+            <a:r>
+              <a:rPr lang="fr-FR" b="1" dirty="0">
+                <a:solidFill>
+                  <a:schemeClr val="tx1"/>
+                </a:solidFill>
+              </a:rPr>
+              <a:t>KISS </a:t>
+            </a:r>
+            <a:r>
+              <a:rPr lang="fr-FR" dirty="0">
+                <a:solidFill>
+                  <a:schemeClr val="tx1"/>
+                </a:solidFill>
+              </a:rPr>
+              <a:t>(« </a:t>
+            </a:r>
+            <a:r>
+              <a:rPr lang="fr-FR" dirty="0" err="1">
+                <a:solidFill>
+                  <a:schemeClr val="tx1"/>
+                </a:solidFill>
+              </a:rPr>
               <a:t>Keep</a:t>
             </a:r>
             <a:r>
-              <a:rPr lang="fr-FR" dirty="0"/>
+              <a:rPr lang="fr-FR" dirty="0">
+                <a:solidFill>
+                  <a:schemeClr val="tx1"/>
+                </a:solidFill>
+              </a:rPr>
               <a:t> It Simple </a:t>
             </a:r>
             <a:r>
-              <a:rPr lang="fr-FR" dirty="0" err="1"/>
+              <a:rPr lang="fr-FR" dirty="0" err="1">
+                <a:solidFill>
+                  <a:schemeClr val="tx1"/>
+                </a:solidFill>
+              </a:rPr>
               <a:t>Stupid</a:t>
             </a:r>
             <a:r>
-              <a:rPr lang="fr-FR" dirty="0"/>
-              <a:t>! »). C’est d’ailleurs ce qu’on voit sur les dictionnaires, on a essayé un truc évolutif avec plein de gars futurs inutiles au départ, mais au final, on a une usine à gaz et rare sont les fois où j’ai pu voir un héritage bien anticipé (si ce n’est jamais).</a:t>
-            </a:r>
+              <a:rPr lang="fr-FR" dirty="0">
+                <a:solidFill>
+                  <a:schemeClr val="tx1"/>
+                </a:solidFill>
+              </a:rPr>
+              <a:t>! »). </a:t>
+            </a:r>
+          </a:p>
+          <a:p>
+            <a:pPr marL="285750" indent="-285750" algn="just">
+              <a:buFont typeface="Arial" panose="020B0604020202020204" pitchFamily="34" charset="0"/>
+              <a:buChar char="•"/>
+            </a:pPr>
+            <a:endParaRPr lang="fr-FR" dirty="0">
+              <a:solidFill>
+                <a:schemeClr val="tx1"/>
+              </a:solidFill>
+            </a:endParaRPr>
+          </a:p>
+          <a:p>
+            <a:pPr marL="285750" indent="-285750" algn="just">
+              <a:buFont typeface="Arial" panose="020B0604020202020204" pitchFamily="34" charset="0"/>
+              <a:buChar char="•"/>
+            </a:pPr>
+            <a:r>
+              <a:rPr lang="fr-FR" dirty="0">
+                <a:solidFill>
+                  <a:schemeClr val="tx1"/>
+                </a:solidFill>
+              </a:rPr>
+              <a:t>En évolution de code, à moyen terme voire court terme, on va être obliger de casser le C de SOLID… Car humainement, il aura été impossible de tout anticiper, il faudra casser ou adapter les classes de base à un moment donné.</a:t>
+            </a:r>
+          </a:p>
+          <a:p>
+            <a:pPr marL="285750" indent="-285750" algn="just">
+              <a:buFont typeface="Arial" panose="020B0604020202020204" pitchFamily="34" charset="0"/>
+              <a:buChar char="•"/>
+            </a:pPr>
+            <a:endParaRPr lang="fr-FR" dirty="0">
+              <a:solidFill>
+                <a:schemeClr val="tx1"/>
+              </a:solidFill>
+            </a:endParaRPr>
           </a:p>
           <a:p>
             <a:pPr marL="914400" lvl="1" indent="-285750" algn="just"/>
-            <a:r>
-              <a:rPr lang="fr-FR" dirty="0"/>
-              <a:t>•	Soit on va essayer de coller au besoin mais à moyen terme voire court terme, on va être obliger de casser le C… Car les besoins vont évoluer.</a:t>
-            </a:r>
+            <a:endParaRPr lang="fr-FR" dirty="0">
+              <a:solidFill>
+                <a:schemeClr val="tx1"/>
+              </a:solidFill>
+            </a:endParaRPr>
+          </a:p>
+          <a:p>
+            <a:pPr marL="914400" lvl="1" indent="-285750" algn="just"/>
+            <a:endParaRPr lang="fr-FR" dirty="0"/>
+          </a:p>
+          <a:p>
+            <a:pPr marL="914400" lvl="1" indent="-285750" algn="just"/>
+            <a:endParaRPr lang="fr-FR" dirty="0"/>
           </a:p>
           <a:p>
             <a:pPr marL="914400" lvl="1" indent="-285750" algn="just"/>

--- a/ObjectCalisthenics.pptx
+++ b/ObjectCalisthenics.pptx
@@ -1132,7 +1132,7 @@
               <a:pPr>
                 <a:defRPr/>
               </a:pPr>
-              <a:t>23/03/2024</a:t>
+              <a:t>27/03/2024</a:t>
             </a:fld>
             <a:endParaRPr lang="fr-FR" dirty="0"/>
           </a:p>
@@ -12154,7 +12154,7 @@
                   <a:schemeClr val="tx1"/>
                 </a:solidFill>
               </a:rPr>
-              <a:t>Pourquoi utiliser ce pattern et pourquoi considérer que l’héritage tend à devenir un anti-pattern ? Voici mon point de expérience…</a:t>
+              <a:t>Pourquoi utiliser ce pattern et pourquoi considérer que l’héritage tend à devenir un anti-pattern ? Voici mon retour d’expérience…</a:t>
             </a:r>
           </a:p>
           <a:p>
@@ -12201,11 +12201,26 @@
                   <a:schemeClr val="tx1"/>
                 </a:solidFill>
               </a:rPr>
-              <a:t>Over-engineering ou </a:t>
+              <a:t>On va faire de l’</a:t>
             </a:r>
             <a:r>
               <a:rPr lang="fr-FR" dirty="0"/>
-              <a:t>non respect des </a:t>
+              <a:t>o</a:t>
+            </a:r>
+            <a:r>
+              <a:rPr lang="fr-FR" dirty="0">
+                <a:solidFill>
+                  <a:schemeClr val="tx1"/>
+                </a:solidFill>
+              </a:rPr>
+              <a:t>ver-engineering</a:t>
+            </a:r>
+          </a:p>
+          <a:p>
+            <a:pPr marL="914400" lvl="1" indent="-285750" algn="just"/>
+            <a:r>
+              <a:rPr lang="fr-FR" dirty="0"/>
+              <a:t>On ne va pas respecter les </a:t>
             </a:r>
             <a:r>
               <a:rPr lang="fr-FR" dirty="0">
@@ -12300,10 +12315,14 @@
             <a:pPr marL="914400" lvl="1" indent="-285750" algn="just"/>
             <a:r>
               <a:rPr lang="fr-FR" dirty="0"/>
-              <a:t>Non respect des principes</a:t>
-            </a:r>
-            <a:r>
-              <a:rPr lang="fr-FR" dirty="0">
+              <a:t>On ne va pas </a:t>
+            </a:r>
+            <a:r>
+              <a:rPr lang="fr-FR"/>
+              <a:t>respecter les principes</a:t>
+            </a:r>
+            <a:r>
+              <a:rPr lang="fr-FR">
                 <a:solidFill>
                   <a:schemeClr val="tx1"/>
                 </a:solidFill>
@@ -12381,7 +12400,7 @@
                   <a:schemeClr val="tx1"/>
                 </a:solidFill>
               </a:rPr>
-              <a:t>En évolution de code, à moyen terme voire court terme, on va être obliger de casser le C de SOLID… Car humainement, il aura été impossible de tout anticiper, il faudra casser ou adapter les classes de base à un moment donné.</a:t>
+              <a:t>En évolution de code, à moyen terme voire court terme, on va être obliger de casser le C de SOLID… En effet, humainement, il aura été impossible de tout anticiper, il faudra casser ou adapter les classes de base à un moment donné.</a:t>
             </a:r>
           </a:p>
           <a:p>
@@ -15476,12 +15495,6 @@
 </file>
 
 <file path=customXml/item2.xml><?xml version="1.0" encoding="utf-8"?>
-<p:properties xmlns:p="http://schemas.microsoft.com/office/2006/metadata/properties" xmlns:xsi="http://www.w3.org/2001/XMLSchema-instance" xmlns:pc="http://schemas.microsoft.com/office/infopath/2007/PartnerControls">
-  <documentManagement/>
-</p:properties>
-</file>
-
-<file path=customXml/item3.xml><?xml version="1.0" encoding="utf-8"?>
 <ct:contentTypeSchema xmlns:ct="http://schemas.microsoft.com/office/2006/metadata/contentType" xmlns:ma="http://schemas.microsoft.com/office/2006/metadata/properties/metaAttributes" ct:_="" ma:_="" ma:contentTypeName="Document" ma:contentTypeID="0x0101003B42BEE73716D74F813DF5C80B60F0B0" ma:contentTypeVersion="8" ma:contentTypeDescription="Crée un document." ma:contentTypeScope="" ma:versionID="264b3600e944d01ea98a462b8c028692">
   <xsd:schema xmlns:xsd="http://www.w3.org/2001/XMLSchema" xmlns:xs="http://www.w3.org/2001/XMLSchema" xmlns:p="http://schemas.microsoft.com/office/2006/metadata/properties" xmlns:ns2="a3b9b371-1c6a-41cd-a653-42d6abfd87b3" xmlns:ns3="44df9910-ab21-4010-a816-02cbe0b8aad6" targetNamespace="http://schemas.microsoft.com/office/2006/metadata/properties" ma:root="true" ma:fieldsID="858f0b061a4945091a3a4f01e2455272" ns2:_="" ns3:_="">
     <xsd:import namespace="a3b9b371-1c6a-41cd-a653-42d6abfd87b3"/>
@@ -15672,6 +15685,12 @@
 </ct:contentTypeSchema>
 </file>
 
+<file path=customXml/item3.xml><?xml version="1.0" encoding="utf-8"?>
+<p:properties xmlns:p="http://schemas.microsoft.com/office/2006/metadata/properties" xmlns:xsi="http://www.w3.org/2001/XMLSchema-instance" xmlns:pc="http://schemas.microsoft.com/office/infopath/2007/PartnerControls">
+  <documentManagement/>
+</p:properties>
+</file>
+
 <file path=customXml/itemProps1.xml><?xml version="1.0" encoding="utf-8"?>
 <ds:datastoreItem xmlns:ds="http://schemas.openxmlformats.org/officeDocument/2006/customXml" ds:itemID="{BFFD340B-4C2F-40B7-ACAC-8EC917B617D1}">
   <ds:schemaRefs>
@@ -15681,21 +15700,6 @@
 </file>
 
 <file path=customXml/itemProps2.xml><?xml version="1.0" encoding="utf-8"?>
-<ds:datastoreItem xmlns:ds="http://schemas.openxmlformats.org/officeDocument/2006/customXml" ds:itemID="{AEEDCACA-F958-4F43-A59D-0E773A983348}">
-  <ds:schemaRefs>
-    <ds:schemaRef ds:uri="http://purl.org/dc/dcmitype/"/>
-    <ds:schemaRef ds:uri="http://schemas.microsoft.com/office/2006/documentManagement/types"/>
-    <ds:schemaRef ds:uri="http://www.w3.org/XML/1998/namespace"/>
-    <ds:schemaRef ds:uri="http://schemas.microsoft.com/office/2006/metadata/properties"/>
-    <ds:schemaRef ds:uri="http://schemas.openxmlformats.org/package/2006/metadata/core-properties"/>
-    <ds:schemaRef ds:uri="http://purl.org/dc/elements/1.1/"/>
-    <ds:schemaRef ds:uri="http://schemas.microsoft.com/office/infopath/2007/PartnerControls"/>
-    <ds:schemaRef ds:uri="http://purl.org/dc/terms/"/>
-  </ds:schemaRefs>
-</ds:datastoreItem>
-</file>
-
-<file path=customXml/itemProps3.xml><?xml version="1.0" encoding="utf-8"?>
 <ds:datastoreItem xmlns:ds="http://schemas.openxmlformats.org/officeDocument/2006/customXml" ds:itemID="{53FE1518-1664-448F-8B7F-1375EECB5E2F}">
   <ds:schemaRefs>
     <ds:schemaRef ds:uri="http://schemas.microsoft.com/office/2006/metadata/contentType"/>
@@ -15712,4 +15716,19 @@
     <ds:schemaRef ds:uri="http://schemas.microsoft.com/internal/obd"/>
   </ds:schemaRefs>
 </ds:datastoreItem>
+</file>
+
+<file path=customXml/itemProps3.xml><?xml version="1.0" encoding="utf-8"?>
+<ds:datastoreItem xmlns:ds="http://schemas.openxmlformats.org/officeDocument/2006/customXml" ds:itemID="{AEEDCACA-F958-4F43-A59D-0E773A983348}">
+  <ds:schemaRefs>
+    <ds:schemaRef ds:uri="http://purl.org/dc/dcmitype/"/>
+    <ds:schemaRef ds:uri="http://schemas.microsoft.com/office/2006/documentManagement/types"/>
+    <ds:schemaRef ds:uri="http://www.w3.org/XML/1998/namespace"/>
+    <ds:schemaRef ds:uri="http://schemas.microsoft.com/office/2006/metadata/properties"/>
+    <ds:schemaRef ds:uri="http://schemas.openxmlformats.org/package/2006/metadata/core-properties"/>
+    <ds:schemaRef ds:uri="http://purl.org/dc/elements/1.1/"/>
+    <ds:schemaRef ds:uri="http://schemas.microsoft.com/office/infopath/2007/PartnerControls"/>
+    <ds:schemaRef ds:uri="http://purl.org/dc/terms/"/>
+  </ds:schemaRefs>
+</ds:datastoreItem>
 </file>
--- a/ObjectCalisthenics.pptx
+++ b/ObjectCalisthenics.pptx
@@ -8398,14 +8398,14 @@
         <a:lstStyle/>
         <a:p>
           <a:r>
-            <a:rPr lang="fr-FR" b="1"/>
+            <a:rPr lang="fr-FR" b="1" dirty="0"/>
             <a:t>Injecter</a:t>
           </a:r>
           <a:r>
-            <a:rPr lang="fr-FR"/>
-            <a:t> l’implémentation d’une implémentation en dehors de l’objet consommateur.</a:t>
+            <a:rPr lang="fr-FR" dirty="0"/>
+            <a:t> l’implémentation d’une interface en dehors de l’objet consommateur.</a:t>
           </a:r>
-          <a:endParaRPr lang="en-US"/>
+          <a:endParaRPr lang="en-US" dirty="0"/>
         </a:p>
       </dgm:t>
     </dgm:pt>
@@ -11382,14 +11382,14 @@
             <a:buNone/>
           </a:pPr>
           <a:r>
-            <a:rPr lang="fr-FR" sz="1300" b="1" kern="1200"/>
+            <a:rPr lang="fr-FR" sz="1300" b="1" kern="1200" dirty="0"/>
             <a:t>Injecter</a:t>
           </a:r>
           <a:r>
-            <a:rPr lang="fr-FR" sz="1300" kern="1200"/>
-            <a:t> l’implémentation d’une implémentation en dehors de l’objet consommateur.</a:t>
+            <a:rPr lang="fr-FR" sz="1300" kern="1200" dirty="0"/>
+            <a:t> l’implémentation d’une interface en dehors de l’objet consommateur.</a:t>
           </a:r>
-          <a:endParaRPr lang="en-US" sz="1300" kern="1200"/>
+          <a:endParaRPr lang="en-US" sz="1300" kern="1200" dirty="0"/>
         </a:p>
       </dsp:txBody>
       <dsp:txXfrm>
@@ -28891,7 +28891,7 @@
           <p:nvPr>
             <p:extLst>
               <p:ext uri="{D42A27DB-BD31-4B8C-83A1-F6EECF244321}">
-                <p14:modId xmlns:p14="http://schemas.microsoft.com/office/powerpoint/2010/main" val="292408685"/>
+                <p14:modId xmlns:p14="http://schemas.microsoft.com/office/powerpoint/2010/main" val="1432507480"/>
               </p:ext>
             </p:extLst>
           </p:nvPr>
@@ -29404,12 +29404,12 @@
               <a:t>d'</a:t>
             </a:r>
             <a:r>
-              <a:rPr lang="fr-FR" b="1" dirty="0" err="1">
+              <a:rPr lang="fr-FR" b="1" dirty="0">
                 <a:solidFill>
                   <a:schemeClr val="tx1"/>
                 </a:solidFill>
               </a:rPr>
-              <a:t>abrévation</a:t>
+              <a:t>abréviation</a:t>
             </a:r>
             <a:endParaRPr lang="fr-FR" b="1" dirty="0"/>
           </a:p>
@@ -31027,12 +31027,8 @@
           <a:lstStyle/>
           <a:p>
             <a:r>
-              <a:rPr lang="fr-FR" dirty="0"/>
-              <a:t>Pas d'</a:t>
-            </a:r>
-            <a:r>
-              <a:rPr lang="fr-FR" dirty="0" err="1"/>
-              <a:t>abrévation</a:t>
+              <a:rPr lang="fr-FR"/>
+              <a:t>Pas d'abréviation</a:t>
             </a:r>
             <a:endParaRPr lang="fr-FR" dirty="0"/>
           </a:p>
@@ -36202,6 +36198,21 @@
 </file>
 
 <file path=customXml/item1.xml><?xml version="1.0" encoding="utf-8"?>
+<p:properties xmlns:p="http://schemas.microsoft.com/office/2006/metadata/properties" xmlns:xsi="http://www.w3.org/2001/XMLSchema-instance" xmlns:pc="http://schemas.microsoft.com/office/infopath/2007/PartnerControls">
+  <documentManagement/>
+</p:properties>
+</file>
+
+<file path=customXml/item2.xml><?xml version="1.0" encoding="utf-8"?>
+<?mso-contentType ?>
+<FormTemplates xmlns="http://schemas.microsoft.com/sharepoint/v3/contenttype/forms">
+  <Display>DocumentLibraryForm</Display>
+  <Edit>DocumentLibraryForm</Edit>
+  <New>DocumentLibraryForm</New>
+</FormTemplates>
+</file>
+
+<file path=customXml/item3.xml><?xml version="1.0" encoding="utf-8"?>
 <ct:contentTypeSchema xmlns:ct="http://schemas.microsoft.com/office/2006/metadata/contentType" xmlns:ma="http://schemas.microsoft.com/office/2006/metadata/properties/metaAttributes" ct:_="" ma:_="" ma:contentTypeName="Document" ma:contentTypeID="0x0101003B42BEE73716D74F813DF5C80B60F0B0" ma:contentTypeVersion="8" ma:contentTypeDescription="Crée un document." ma:contentTypeScope="" ma:versionID="264b3600e944d01ea98a462b8c028692">
   <xsd:schema xmlns:xsd="http://www.w3.org/2001/XMLSchema" xmlns:xs="http://www.w3.org/2001/XMLSchema" xmlns:p="http://schemas.microsoft.com/office/2006/metadata/properties" xmlns:ns2="a3b9b371-1c6a-41cd-a653-42d6abfd87b3" xmlns:ns3="44df9910-ab21-4010-a816-02cbe0b8aad6" targetNamespace="http://schemas.microsoft.com/office/2006/metadata/properties" ma:root="true" ma:fieldsID="858f0b061a4945091a3a4f01e2455272" ns2:_="" ns3:_="">
     <xsd:import namespace="a3b9b371-1c6a-41cd-a653-42d6abfd87b3"/>
@@ -36392,22 +36403,30 @@
 </ct:contentTypeSchema>
 </file>
 
-<file path=customXml/item2.xml><?xml version="1.0" encoding="utf-8"?>
-<?mso-contentType ?>
-<FormTemplates xmlns="http://schemas.microsoft.com/sharepoint/v3/contenttype/forms">
-  <Display>DocumentLibraryForm</Display>
-  <Edit>DocumentLibraryForm</Edit>
-  <New>DocumentLibraryForm</New>
-</FormTemplates>
+<file path=customXml/itemProps1.xml><?xml version="1.0" encoding="utf-8"?>
+<ds:datastoreItem xmlns:ds="http://schemas.openxmlformats.org/officeDocument/2006/customXml" ds:itemID="{AEEDCACA-F958-4F43-A59D-0E773A983348}">
+  <ds:schemaRefs>
+    <ds:schemaRef ds:uri="http://purl.org/dc/dcmitype/"/>
+    <ds:schemaRef ds:uri="http://schemas.microsoft.com/office/2006/documentManagement/types"/>
+    <ds:schemaRef ds:uri="http://www.w3.org/XML/1998/namespace"/>
+    <ds:schemaRef ds:uri="http://schemas.microsoft.com/office/2006/metadata/properties"/>
+    <ds:schemaRef ds:uri="http://schemas.openxmlformats.org/package/2006/metadata/core-properties"/>
+    <ds:schemaRef ds:uri="http://purl.org/dc/elements/1.1/"/>
+    <ds:schemaRef ds:uri="http://schemas.microsoft.com/office/infopath/2007/PartnerControls"/>
+    <ds:schemaRef ds:uri="http://purl.org/dc/terms/"/>
+  </ds:schemaRefs>
+</ds:datastoreItem>
 </file>
 
-<file path=customXml/item3.xml><?xml version="1.0" encoding="utf-8"?>
-<p:properties xmlns:p="http://schemas.microsoft.com/office/2006/metadata/properties" xmlns:xsi="http://www.w3.org/2001/XMLSchema-instance" xmlns:pc="http://schemas.microsoft.com/office/infopath/2007/PartnerControls">
-  <documentManagement/>
-</p:properties>
+<file path=customXml/itemProps2.xml><?xml version="1.0" encoding="utf-8"?>
+<ds:datastoreItem xmlns:ds="http://schemas.openxmlformats.org/officeDocument/2006/customXml" ds:itemID="{BFFD340B-4C2F-40B7-ACAC-8EC917B617D1}">
+  <ds:schemaRefs>
+    <ds:schemaRef ds:uri="http://schemas.microsoft.com/sharepoint/v3/contenttype/forms"/>
+  </ds:schemaRefs>
+</ds:datastoreItem>
 </file>
 
-<file path=customXml/itemProps1.xml><?xml version="1.0" encoding="utf-8"?>
+<file path=customXml/itemProps3.xml><?xml version="1.0" encoding="utf-8"?>
 <ds:datastoreItem xmlns:ds="http://schemas.openxmlformats.org/officeDocument/2006/customXml" ds:itemID="{53FE1518-1664-448F-8B7F-1375EECB5E2F}">
   <ds:schemaRefs>
     <ds:schemaRef ds:uri="http://schemas.microsoft.com/office/2006/metadata/contentType"/>
@@ -36424,27 +36443,4 @@
     <ds:schemaRef ds:uri="http://schemas.microsoft.com/internal/obd"/>
   </ds:schemaRefs>
 </ds:datastoreItem>
-</file>
-
-<file path=customXml/itemProps2.xml><?xml version="1.0" encoding="utf-8"?>
-<ds:datastoreItem xmlns:ds="http://schemas.openxmlformats.org/officeDocument/2006/customXml" ds:itemID="{BFFD340B-4C2F-40B7-ACAC-8EC917B617D1}">
-  <ds:schemaRefs>
-    <ds:schemaRef ds:uri="http://schemas.microsoft.com/sharepoint/v3/contenttype/forms"/>
-  </ds:schemaRefs>
-</ds:datastoreItem>
-</file>
-
-<file path=customXml/itemProps3.xml><?xml version="1.0" encoding="utf-8"?>
-<ds:datastoreItem xmlns:ds="http://schemas.openxmlformats.org/officeDocument/2006/customXml" ds:itemID="{AEEDCACA-F958-4F43-A59D-0E773A983348}">
-  <ds:schemaRefs>
-    <ds:schemaRef ds:uri="http://purl.org/dc/dcmitype/"/>
-    <ds:schemaRef ds:uri="http://schemas.microsoft.com/office/2006/documentManagement/types"/>
-    <ds:schemaRef ds:uri="http://www.w3.org/XML/1998/namespace"/>
-    <ds:schemaRef ds:uri="http://schemas.microsoft.com/office/2006/metadata/properties"/>
-    <ds:schemaRef ds:uri="http://schemas.openxmlformats.org/package/2006/metadata/core-properties"/>
-    <ds:schemaRef ds:uri="http://purl.org/dc/elements/1.1/"/>
-    <ds:schemaRef ds:uri="http://schemas.microsoft.com/office/infopath/2007/PartnerControls"/>
-    <ds:schemaRef ds:uri="http://purl.org/dc/terms/"/>
-  </ds:schemaRefs>
-</ds:datastoreItem>
 </file>